--- a/EXTRAS/Poster.pptx
+++ b/EXTRAS/Poster.pptx
@@ -104,6 +104,11 @@
       </a:defRPr>
     </a:lvl9pPr>
   </p:defaultTextStyle>
+  <p:extLst>
+    <p:ext uri="{EFAFB233-063F-42B5-8137-9DF3F51BA10A}">
+      <p15:sldGuideLst xmlns:p15="http://schemas.microsoft.com/office/powerpoint/2012/main"/>
+    </p:ext>
+  </p:extLst>
 </p:presentation>
 </file>
 
@@ -238,7 +243,7 @@
           <a:p>
             <a:fld id="{F3CCB074-B352-4EF1-B0AC-EE2A18CA649A}" type="datetimeFigureOut">
               <a:rPr lang="en-IE" smtClean="0"/>
-              <a:t>20/03/2019</a:t>
+              <a:t>22/03/2019</a:t>
             </a:fld>
             <a:endParaRPr lang="en-IE"/>
           </a:p>
@@ -408,7 +413,7 @@
           <a:p>
             <a:fld id="{F3CCB074-B352-4EF1-B0AC-EE2A18CA649A}" type="datetimeFigureOut">
               <a:rPr lang="en-IE" smtClean="0"/>
-              <a:t>20/03/2019</a:t>
+              <a:t>22/03/2019</a:t>
             </a:fld>
             <a:endParaRPr lang="en-IE"/>
           </a:p>
@@ -588,7 +593,7 @@
           <a:p>
             <a:fld id="{F3CCB074-B352-4EF1-B0AC-EE2A18CA649A}" type="datetimeFigureOut">
               <a:rPr lang="en-IE" smtClean="0"/>
-              <a:t>20/03/2019</a:t>
+              <a:t>22/03/2019</a:t>
             </a:fld>
             <a:endParaRPr lang="en-IE"/>
           </a:p>
@@ -758,7 +763,7 @@
           <a:p>
             <a:fld id="{F3CCB074-B352-4EF1-B0AC-EE2A18CA649A}" type="datetimeFigureOut">
               <a:rPr lang="en-IE" smtClean="0"/>
-              <a:t>20/03/2019</a:t>
+              <a:t>22/03/2019</a:t>
             </a:fld>
             <a:endParaRPr lang="en-IE"/>
           </a:p>
@@ -1002,7 +1007,7 @@
           <a:p>
             <a:fld id="{F3CCB074-B352-4EF1-B0AC-EE2A18CA649A}" type="datetimeFigureOut">
               <a:rPr lang="en-IE" smtClean="0"/>
-              <a:t>20/03/2019</a:t>
+              <a:t>22/03/2019</a:t>
             </a:fld>
             <a:endParaRPr lang="en-IE"/>
           </a:p>
@@ -1234,7 +1239,7 @@
           <a:p>
             <a:fld id="{F3CCB074-B352-4EF1-B0AC-EE2A18CA649A}" type="datetimeFigureOut">
               <a:rPr lang="en-IE" smtClean="0"/>
-              <a:t>20/03/2019</a:t>
+              <a:t>22/03/2019</a:t>
             </a:fld>
             <a:endParaRPr lang="en-IE"/>
           </a:p>
@@ -1601,7 +1606,7 @@
           <a:p>
             <a:fld id="{F3CCB074-B352-4EF1-B0AC-EE2A18CA649A}" type="datetimeFigureOut">
               <a:rPr lang="en-IE" smtClean="0"/>
-              <a:t>20/03/2019</a:t>
+              <a:t>22/03/2019</a:t>
             </a:fld>
             <a:endParaRPr lang="en-IE"/>
           </a:p>
@@ -1719,7 +1724,7 @@
           <a:p>
             <a:fld id="{F3CCB074-B352-4EF1-B0AC-EE2A18CA649A}" type="datetimeFigureOut">
               <a:rPr lang="en-IE" smtClean="0"/>
-              <a:t>20/03/2019</a:t>
+              <a:t>22/03/2019</a:t>
             </a:fld>
             <a:endParaRPr lang="en-IE"/>
           </a:p>
@@ -1814,7 +1819,7 @@
           <a:p>
             <a:fld id="{F3CCB074-B352-4EF1-B0AC-EE2A18CA649A}" type="datetimeFigureOut">
               <a:rPr lang="en-IE" smtClean="0"/>
-              <a:t>20/03/2019</a:t>
+              <a:t>22/03/2019</a:t>
             </a:fld>
             <a:endParaRPr lang="en-IE"/>
           </a:p>
@@ -2091,7 +2096,7 @@
           <a:p>
             <a:fld id="{F3CCB074-B352-4EF1-B0AC-EE2A18CA649A}" type="datetimeFigureOut">
               <a:rPr lang="en-IE" smtClean="0"/>
-              <a:t>20/03/2019</a:t>
+              <a:t>22/03/2019</a:t>
             </a:fld>
             <a:endParaRPr lang="en-IE"/>
           </a:p>
@@ -2348,7 +2353,7 @@
           <a:p>
             <a:fld id="{F3CCB074-B352-4EF1-B0AC-EE2A18CA649A}" type="datetimeFigureOut">
               <a:rPr lang="en-IE" smtClean="0"/>
-              <a:t>20/03/2019</a:t>
+              <a:t>22/03/2019</a:t>
             </a:fld>
             <a:endParaRPr lang="en-IE"/>
           </a:p>
@@ -2561,7 +2566,7 @@
           <a:p>
             <a:fld id="{F3CCB074-B352-4EF1-B0AC-EE2A18CA649A}" type="datetimeFigureOut">
               <a:rPr lang="en-IE" smtClean="0"/>
-              <a:t>20/03/2019</a:t>
+              <a:t>22/03/2019</a:t>
             </a:fld>
             <a:endParaRPr lang="en-IE"/>
           </a:p>
@@ -3523,7 +3528,7 @@
           </a:stretch>
         </p:blipFill>
         <p:spPr bwMode="auto">
-          <a:xfrm>
+          <a:xfrm rot="10800000" flipV="1">
             <a:off x="26949917" y="1211580"/>
             <a:ext cx="2924175" cy="1600200"/>
           </a:xfrm>
@@ -3587,6 +3592,76 @@
           <a:lstStyle/>
           <a:p>
             <a:pPr algn="ctr"/>
+            <a:endParaRPr lang="pl-PL" sz="5400" b="1" u="sng" dirty="0">
+              <a:latin typeface="Times New Roman" panose="02020603050405020304" pitchFamily="18" charset="0"/>
+              <a:cs typeface="Times New Roman" panose="02020603050405020304" pitchFamily="18" charset="0"/>
+            </a:endParaRPr>
+          </a:p>
+          <a:p>
+            <a:pPr algn="ctr"/>
+            <a:endParaRPr lang="pl-PL" sz="5400" b="1" u="sng" dirty="0">
+              <a:latin typeface="Times New Roman" panose="02020603050405020304" pitchFamily="18" charset="0"/>
+              <a:cs typeface="Times New Roman" panose="02020603050405020304" pitchFamily="18" charset="0"/>
+            </a:endParaRPr>
+          </a:p>
+          <a:p>
+            <a:pPr algn="ctr"/>
+            <a:endParaRPr lang="pl-PL" sz="5400" b="1" u="sng" dirty="0">
+              <a:latin typeface="Times New Roman" panose="02020603050405020304" pitchFamily="18" charset="0"/>
+              <a:cs typeface="Times New Roman" panose="02020603050405020304" pitchFamily="18" charset="0"/>
+            </a:endParaRPr>
+          </a:p>
+          <a:p>
+            <a:pPr algn="ctr"/>
+            <a:endParaRPr lang="pl-PL" sz="5400" b="1" u="sng" dirty="0">
+              <a:latin typeface="Times New Roman" panose="02020603050405020304" pitchFamily="18" charset="0"/>
+              <a:cs typeface="Times New Roman" panose="02020603050405020304" pitchFamily="18" charset="0"/>
+            </a:endParaRPr>
+          </a:p>
+          <a:p>
+            <a:pPr algn="ctr"/>
+            <a:endParaRPr lang="pl-PL" sz="5400" b="1" u="sng" dirty="0">
+              <a:latin typeface="Times New Roman" panose="02020603050405020304" pitchFamily="18" charset="0"/>
+              <a:cs typeface="Times New Roman" panose="02020603050405020304" pitchFamily="18" charset="0"/>
+            </a:endParaRPr>
+          </a:p>
+          <a:p>
+            <a:pPr algn="ctr"/>
+            <a:endParaRPr lang="pl-PL" sz="5400" b="1" u="sng" dirty="0">
+              <a:latin typeface="Times New Roman" panose="02020603050405020304" pitchFamily="18" charset="0"/>
+              <a:cs typeface="Times New Roman" panose="02020603050405020304" pitchFamily="18" charset="0"/>
+            </a:endParaRPr>
+          </a:p>
+          <a:p>
+            <a:pPr algn="ctr"/>
+            <a:endParaRPr lang="pl-PL" sz="5400" b="1" u="sng" dirty="0">
+              <a:latin typeface="Times New Roman" panose="02020603050405020304" pitchFamily="18" charset="0"/>
+              <a:cs typeface="Times New Roman" panose="02020603050405020304" pitchFamily="18" charset="0"/>
+            </a:endParaRPr>
+          </a:p>
+          <a:p>
+            <a:pPr algn="ctr"/>
+            <a:endParaRPr lang="pl-PL" sz="5400" b="1" u="sng" dirty="0">
+              <a:latin typeface="Times New Roman" panose="02020603050405020304" pitchFamily="18" charset="0"/>
+              <a:cs typeface="Times New Roman" panose="02020603050405020304" pitchFamily="18" charset="0"/>
+            </a:endParaRPr>
+          </a:p>
+          <a:p>
+            <a:pPr algn="ctr"/>
+            <a:endParaRPr lang="pl-PL" sz="5400" b="1" u="sng" dirty="0">
+              <a:latin typeface="Times New Roman" panose="02020603050405020304" pitchFamily="18" charset="0"/>
+              <a:cs typeface="Times New Roman" panose="02020603050405020304" pitchFamily="18" charset="0"/>
+            </a:endParaRPr>
+          </a:p>
+          <a:p>
+            <a:pPr algn="ctr"/>
+            <a:endParaRPr lang="pl-PL" sz="5400" b="1" u="sng" dirty="0">
+              <a:latin typeface="Times New Roman" panose="02020603050405020304" pitchFamily="18" charset="0"/>
+              <a:cs typeface="Times New Roman" panose="02020603050405020304" pitchFamily="18" charset="0"/>
+            </a:endParaRPr>
+          </a:p>
+          <a:p>
+            <a:pPr algn="ctr"/>
             <a:r>
               <a:rPr lang="pl-PL" sz="5400" b="1" u="sng" dirty="0">
                 <a:latin typeface="Times New Roman" panose="02020603050405020304" pitchFamily="18" charset="0"/>
@@ -3596,11 +3671,95 @@
             </a:r>
           </a:p>
           <a:p>
+            <a:pPr algn="ctr"/>
+            <a:endParaRPr lang="pl-PL" sz="3900" dirty="0">
+              <a:latin typeface="Times New Roman" panose="02020603050405020304" pitchFamily="18" charset="0"/>
+              <a:cs typeface="Times New Roman" panose="02020603050405020304" pitchFamily="18" charset="0"/>
+            </a:endParaRPr>
+          </a:p>
+          <a:p>
             <a:pPr marL="571500" indent="-571500">
               <a:buFont typeface="Arial" panose="020B0604020202020204" pitchFamily="34" charset="0"/>
               <a:buChar char="•"/>
             </a:pPr>
-            <a:endParaRPr lang="pl-PL" sz="4000" dirty="0">
+            <a:r>
+              <a:rPr lang="en-IE" sz="3900" dirty="0">
+                <a:latin typeface="Times New Roman" panose="02020603050405020304" pitchFamily="18" charset="0"/>
+                <a:cs typeface="Times New Roman" panose="02020603050405020304" pitchFamily="18" charset="0"/>
+              </a:rPr>
+              <a:t>In the project I use Arduino, the Arduino </a:t>
+            </a:r>
+            <a:r>
+              <a:rPr lang="pl-PL" sz="3900" dirty="0">
+                <a:latin typeface="Times New Roman" panose="02020603050405020304" pitchFamily="18" charset="0"/>
+                <a:cs typeface="Times New Roman" panose="02020603050405020304" pitchFamily="18" charset="0"/>
+              </a:rPr>
+              <a:t>is</a:t>
+            </a:r>
+            <a:r>
+              <a:rPr lang="en-IE" sz="3900" dirty="0">
+                <a:latin typeface="Times New Roman" panose="02020603050405020304" pitchFamily="18" charset="0"/>
+                <a:cs typeface="Times New Roman" panose="02020603050405020304" pitchFamily="18" charset="0"/>
+              </a:rPr>
+              <a:t> connected to </a:t>
+            </a:r>
+            <a:r>
+              <a:rPr lang="pl-PL" sz="3900" dirty="0">
+                <a:latin typeface="Times New Roman" panose="02020603050405020304" pitchFamily="18" charset="0"/>
+                <a:cs typeface="Times New Roman" panose="02020603050405020304" pitchFamily="18" charset="0"/>
+              </a:rPr>
+              <a:t>my mobile</a:t>
+            </a:r>
+            <a:r>
+              <a:rPr lang="en-IE" sz="3900" dirty="0">
+                <a:latin typeface="Times New Roman" panose="02020603050405020304" pitchFamily="18" charset="0"/>
+                <a:cs typeface="Times New Roman" panose="02020603050405020304" pitchFamily="18" charset="0"/>
+              </a:rPr>
+              <a:t> application and I</a:t>
+            </a:r>
+            <a:r>
+              <a:rPr lang="pl-PL" sz="3900" dirty="0">
+                <a:latin typeface="Times New Roman" panose="02020603050405020304" pitchFamily="18" charset="0"/>
+                <a:cs typeface="Times New Roman" panose="02020603050405020304" pitchFamily="18" charset="0"/>
+              </a:rPr>
+              <a:t> </a:t>
+            </a:r>
+            <a:r>
+              <a:rPr lang="en-IE" sz="3900" dirty="0">
+                <a:latin typeface="Times New Roman" panose="02020603050405020304" pitchFamily="18" charset="0"/>
+                <a:cs typeface="Times New Roman" panose="02020603050405020304" pitchFamily="18" charset="0"/>
+              </a:rPr>
+              <a:t>programme</a:t>
+            </a:r>
+            <a:r>
+              <a:rPr lang="pl-PL" sz="3900" dirty="0">
+                <a:latin typeface="Times New Roman" panose="02020603050405020304" pitchFamily="18" charset="0"/>
+                <a:cs typeface="Times New Roman" panose="02020603050405020304" pitchFamily="18" charset="0"/>
+              </a:rPr>
+              <a:t>d</a:t>
+            </a:r>
+            <a:r>
+              <a:rPr lang="en-IE" sz="3900" dirty="0">
+                <a:latin typeface="Times New Roman" panose="02020603050405020304" pitchFamily="18" charset="0"/>
+                <a:cs typeface="Times New Roman" panose="02020603050405020304" pitchFamily="18" charset="0"/>
+              </a:rPr>
+              <a:t> a buzzer</a:t>
+            </a:r>
+            <a:r>
+              <a:rPr lang="pl-PL" sz="3900" dirty="0">
+                <a:latin typeface="Times New Roman" panose="02020603050405020304" pitchFamily="18" charset="0"/>
+                <a:cs typeface="Times New Roman" panose="02020603050405020304" pitchFamily="18" charset="0"/>
+              </a:rPr>
+              <a:t> and sound receiver </a:t>
+            </a:r>
+            <a:r>
+              <a:rPr lang="en-IE" sz="3900" dirty="0">
+                <a:latin typeface="Times New Roman" panose="02020603050405020304" pitchFamily="18" charset="0"/>
+                <a:cs typeface="Times New Roman" panose="02020603050405020304" pitchFamily="18" charset="0"/>
+              </a:rPr>
+              <a:t>in Arduino. </a:t>
+            </a:r>
+            <a:endParaRPr lang="pl-PL" sz="3900" dirty="0">
               <a:latin typeface="Times New Roman" panose="02020603050405020304" pitchFamily="18" charset="0"/>
               <a:cs typeface="Times New Roman" panose="02020603050405020304" pitchFamily="18" charset="0"/>
             </a:endParaRPr>
@@ -3611,12 +3770,30 @@
               <a:buChar char="•"/>
             </a:pPr>
             <a:r>
-              <a:rPr lang="pl-PL" sz="4000" dirty="0">
+              <a:rPr lang="en-IE" sz="3900" dirty="0">
                 <a:latin typeface="Times New Roman" panose="02020603050405020304" pitchFamily="18" charset="0"/>
                 <a:cs typeface="Times New Roman" panose="02020603050405020304" pitchFamily="18" charset="0"/>
               </a:rPr>
-              <a:t>Filler Text</a:t>
-            </a:r>
+              <a:t>The buzzer will sound, and an emergency exit route </a:t>
+            </a:r>
+            <a:r>
+              <a:rPr lang="pl-PL" sz="3900" dirty="0">
+                <a:latin typeface="Times New Roman" panose="02020603050405020304" pitchFamily="18" charset="0"/>
+                <a:cs typeface="Times New Roman" panose="02020603050405020304" pitchFamily="18" charset="0"/>
+              </a:rPr>
+              <a:t>is</a:t>
+            </a:r>
+            <a:r>
+              <a:rPr lang="en-IE" sz="3900" dirty="0">
+                <a:latin typeface="Times New Roman" panose="02020603050405020304" pitchFamily="18" charset="0"/>
+                <a:cs typeface="Times New Roman" panose="02020603050405020304" pitchFamily="18" charset="0"/>
+              </a:rPr>
+              <a:t> displayed on the screen.</a:t>
+            </a:r>
+            <a:endParaRPr lang="pl-PL" sz="3900" dirty="0">
+              <a:latin typeface="Times New Roman" panose="02020603050405020304" pitchFamily="18" charset="0"/>
+              <a:cs typeface="Times New Roman" panose="02020603050405020304" pitchFamily="18" charset="0"/>
+            </a:endParaRPr>
           </a:p>
           <a:p>
             <a:pPr marL="571500" indent="-571500">
@@ -3624,11 +3801,60 @@
               <a:buChar char="•"/>
             </a:pPr>
             <a:r>
-              <a:rPr lang="pl-PL" sz="4000" dirty="0">
+              <a:rPr lang="en-IE" sz="3900" dirty="0">
                 <a:latin typeface="Times New Roman" panose="02020603050405020304" pitchFamily="18" charset="0"/>
                 <a:cs typeface="Times New Roman" panose="02020603050405020304" pitchFamily="18" charset="0"/>
               </a:rPr>
-              <a:t>Filler Text</a:t>
+              <a:t>The application </a:t>
+            </a:r>
+            <a:r>
+              <a:rPr lang="pl-PL" sz="3900" dirty="0">
+                <a:latin typeface="Times New Roman" panose="02020603050405020304" pitchFamily="18" charset="0"/>
+                <a:cs typeface="Times New Roman" panose="02020603050405020304" pitchFamily="18" charset="0"/>
+              </a:rPr>
+              <a:t>is</a:t>
+            </a:r>
+            <a:r>
+              <a:rPr lang="en-IE" sz="3900" dirty="0">
+                <a:latin typeface="Times New Roman" panose="02020603050405020304" pitchFamily="18" charset="0"/>
+                <a:cs typeface="Times New Roman" panose="02020603050405020304" pitchFamily="18" charset="0"/>
+              </a:rPr>
+              <a:t> for android, it </a:t>
+            </a:r>
+            <a:r>
+              <a:rPr lang="pl-PL" sz="3900" dirty="0">
+                <a:latin typeface="Times New Roman" panose="02020603050405020304" pitchFamily="18" charset="0"/>
+                <a:cs typeface="Times New Roman" panose="02020603050405020304" pitchFamily="18" charset="0"/>
+              </a:rPr>
+              <a:t>has </a:t>
+            </a:r>
+            <a:r>
+              <a:rPr lang="en-IE" sz="3900" dirty="0">
+                <a:latin typeface="Times New Roman" panose="02020603050405020304" pitchFamily="18" charset="0"/>
+                <a:cs typeface="Times New Roman" panose="02020603050405020304" pitchFamily="18" charset="0"/>
+              </a:rPr>
+              <a:t>a database of users, and an algorithm </a:t>
+            </a:r>
+            <a:r>
+              <a:rPr lang="pl-PL" sz="3900" dirty="0">
+                <a:latin typeface="Times New Roman" panose="02020603050405020304" pitchFamily="18" charset="0"/>
+                <a:cs typeface="Times New Roman" panose="02020603050405020304" pitchFamily="18" charset="0"/>
+              </a:rPr>
+              <a:t>is used</a:t>
+            </a:r>
+            <a:r>
+              <a:rPr lang="en-IE" sz="3900" dirty="0">
+                <a:latin typeface="Times New Roman" panose="02020603050405020304" pitchFamily="18" charset="0"/>
+                <a:cs typeface="Times New Roman" panose="02020603050405020304" pitchFamily="18" charset="0"/>
+              </a:rPr>
+              <a:t> to find the quickest route out of the building</a:t>
+            </a:r>
+            <a:r>
+              <a:rPr lang="pl-PL" sz="3900" dirty="0">
+                <a:latin typeface="Times New Roman" panose="02020603050405020304" pitchFamily="18" charset="0"/>
+                <a:cs typeface="Times New Roman" panose="02020603050405020304" pitchFamily="18" charset="0"/>
+              </a:rPr>
+              <a:t>. </a:t>
             </a:r>
           </a:p>
           <a:p>
@@ -3637,11 +3863,11 @@
               <a:buChar char="•"/>
             </a:pPr>
             <a:r>
-              <a:rPr lang="pl-PL" sz="4000" dirty="0">
+              <a:rPr lang="pl-PL" sz="3900" dirty="0">
                 <a:latin typeface="Times New Roman" panose="02020603050405020304" pitchFamily="18" charset="0"/>
                 <a:cs typeface="Times New Roman" panose="02020603050405020304" pitchFamily="18" charset="0"/>
               </a:rPr>
-              <a:t>Filler Text</a:t>
+              <a:t>Dijstras algorithm is in the background.</a:t>
             </a:r>
           </a:p>
           <a:p>
@@ -3650,18 +3876,14 @@
               <a:buChar char="•"/>
             </a:pPr>
             <a:r>
-              <a:rPr lang="pl-PL" sz="4000" dirty="0">
+              <a:rPr lang="pl-PL" sz="3900" dirty="0">
                 <a:latin typeface="Times New Roman" panose="02020603050405020304" pitchFamily="18" charset="0"/>
                 <a:cs typeface="Times New Roman" panose="02020603050405020304" pitchFamily="18" charset="0"/>
               </a:rPr>
-              <a:t>Filler Text</a:t>
-            </a:r>
-          </a:p>
-          <a:p>
-            <a:pPr marL="571500" indent="-571500">
-              <a:buFont typeface="Arial" panose="020B0604020202020204" pitchFamily="34" charset="0"/>
-              <a:buChar char="•"/>
-            </a:pPr>
+              <a:t>Google API is used to display map too.</a:t>
+            </a:r>
+          </a:p>
+          <a:p>
             <a:endParaRPr lang="pl-PL" sz="4000" dirty="0">
               <a:latin typeface="Times New Roman" panose="02020603050405020304" pitchFamily="18" charset="0"/>
               <a:cs typeface="Times New Roman" panose="02020603050405020304" pitchFamily="18" charset="0"/>
@@ -3800,6 +4022,83 @@
           <a:lstStyle/>
           <a:p>
             <a:pPr algn="ctr"/>
+            <a:endParaRPr lang="pl-PL" sz="5400" b="1" u="sng" dirty="0">
+              <a:latin typeface="Times New Roman" panose="02020603050405020304" pitchFamily="18" charset="0"/>
+              <a:cs typeface="Times New Roman" panose="02020603050405020304" pitchFamily="18" charset="0"/>
+            </a:endParaRPr>
+          </a:p>
+          <a:p>
+            <a:pPr algn="ctr"/>
+            <a:endParaRPr lang="pl-PL" sz="5400" b="1" u="sng" dirty="0">
+              <a:latin typeface="Times New Roman" panose="02020603050405020304" pitchFamily="18" charset="0"/>
+              <a:cs typeface="Times New Roman" panose="02020603050405020304" pitchFamily="18" charset="0"/>
+            </a:endParaRPr>
+          </a:p>
+          <a:p>
+            <a:pPr algn="ctr"/>
+            <a:endParaRPr lang="pl-PL" sz="5400" b="1" u="sng" dirty="0">
+              <a:latin typeface="Times New Roman" panose="02020603050405020304" pitchFamily="18" charset="0"/>
+              <a:cs typeface="Times New Roman" panose="02020603050405020304" pitchFamily="18" charset="0"/>
+            </a:endParaRPr>
+          </a:p>
+          <a:p>
+            <a:pPr algn="ctr"/>
+            <a:endParaRPr lang="pl-PL" sz="5400" b="1" u="sng" dirty="0">
+              <a:latin typeface="Times New Roman" panose="02020603050405020304" pitchFamily="18" charset="0"/>
+              <a:cs typeface="Times New Roman" panose="02020603050405020304" pitchFamily="18" charset="0"/>
+            </a:endParaRPr>
+          </a:p>
+          <a:p>
+            <a:pPr algn="ctr"/>
+            <a:endParaRPr lang="pl-PL" sz="5400" b="1" u="sng" dirty="0">
+              <a:latin typeface="Times New Roman" panose="02020603050405020304" pitchFamily="18" charset="0"/>
+              <a:cs typeface="Times New Roman" panose="02020603050405020304" pitchFamily="18" charset="0"/>
+            </a:endParaRPr>
+          </a:p>
+          <a:p>
+            <a:pPr algn="ctr"/>
+            <a:endParaRPr lang="pl-PL" sz="5400" b="1" u="sng" dirty="0">
+              <a:latin typeface="Times New Roman" panose="02020603050405020304" pitchFamily="18" charset="0"/>
+              <a:cs typeface="Times New Roman" panose="02020603050405020304" pitchFamily="18" charset="0"/>
+            </a:endParaRPr>
+          </a:p>
+          <a:p>
+            <a:pPr algn="ctr"/>
+            <a:endParaRPr lang="pl-PL" sz="5400" b="1" u="sng" dirty="0">
+              <a:latin typeface="Times New Roman" panose="02020603050405020304" pitchFamily="18" charset="0"/>
+              <a:cs typeface="Times New Roman" panose="02020603050405020304" pitchFamily="18" charset="0"/>
+            </a:endParaRPr>
+          </a:p>
+          <a:p>
+            <a:pPr algn="ctr"/>
+            <a:endParaRPr lang="pl-PL" sz="5400" b="1" u="sng" dirty="0">
+              <a:latin typeface="Times New Roman" panose="02020603050405020304" pitchFamily="18" charset="0"/>
+              <a:cs typeface="Times New Roman" panose="02020603050405020304" pitchFamily="18" charset="0"/>
+            </a:endParaRPr>
+          </a:p>
+          <a:p>
+            <a:pPr algn="ctr"/>
+            <a:endParaRPr lang="pl-PL" sz="5400" b="1" u="sng" dirty="0">
+              <a:latin typeface="Times New Roman" panose="02020603050405020304" pitchFamily="18" charset="0"/>
+              <a:cs typeface="Times New Roman" panose="02020603050405020304" pitchFamily="18" charset="0"/>
+            </a:endParaRPr>
+          </a:p>
+          <a:p>
+            <a:pPr algn="ctr"/>
+            <a:endParaRPr lang="pl-PL" sz="5400" b="1" u="sng" dirty="0">
+              <a:latin typeface="Times New Roman" panose="02020603050405020304" pitchFamily="18" charset="0"/>
+              <a:cs typeface="Times New Roman" panose="02020603050405020304" pitchFamily="18" charset="0"/>
+            </a:endParaRPr>
+          </a:p>
+          <a:p>
+            <a:pPr algn="ctr"/>
+            <a:endParaRPr lang="pl-PL" sz="5400" b="1" u="sng" dirty="0">
+              <a:latin typeface="Times New Roman" panose="02020603050405020304" pitchFamily="18" charset="0"/>
+              <a:cs typeface="Times New Roman" panose="02020603050405020304" pitchFamily="18" charset="0"/>
+            </a:endParaRPr>
+          </a:p>
+          <a:p>
+            <a:pPr algn="ctr"/>
             <a:r>
               <a:rPr lang="pl-PL" sz="5400" b="1" u="sng" dirty="0">
                 <a:latin typeface="Times New Roman" panose="02020603050405020304" pitchFamily="18" charset="0"/>
@@ -3810,7 +4109,7 @@
           </a:p>
           <a:p>
             <a:pPr algn="ctr"/>
-            <a:endParaRPr lang="pl-PL" sz="5400" b="1" dirty="0">
+            <a:endParaRPr lang="pl-PL" sz="5400" b="1" u="sng" dirty="0">
               <a:latin typeface="Times New Roman" panose="02020603050405020304" pitchFamily="18" charset="0"/>
               <a:cs typeface="Times New Roman" panose="02020603050405020304" pitchFamily="18" charset="0"/>
             </a:endParaRPr>
@@ -3825,7 +4124,7 @@
                 <a:latin typeface="Times New Roman" panose="02020603050405020304" pitchFamily="18" charset="0"/>
                 <a:cs typeface="Times New Roman" panose="02020603050405020304" pitchFamily="18" charset="0"/>
               </a:rPr>
-              <a:t>Filler Text </a:t>
+              <a:t>I used Android Studio to develop the application itself. </a:t>
             </a:r>
           </a:p>
           <a:p>
@@ -3838,7 +4137,7 @@
                 <a:latin typeface="Times New Roman" panose="02020603050405020304" pitchFamily="18" charset="0"/>
                 <a:cs typeface="Times New Roman" panose="02020603050405020304" pitchFamily="18" charset="0"/>
               </a:rPr>
-              <a:t>Filler Text</a:t>
+              <a:t>Google Maps Api is used to access the map, along with co-ordinates</a:t>
             </a:r>
           </a:p>
           <a:p>
@@ -3851,7 +4150,7 @@
                 <a:latin typeface="Times New Roman" panose="02020603050405020304" pitchFamily="18" charset="0"/>
                 <a:cs typeface="Times New Roman" panose="02020603050405020304" pitchFamily="18" charset="0"/>
               </a:rPr>
-              <a:t>Filler Text</a:t>
+              <a:t>The building plan was drawn out and each room will have a node, that will be connected to an exit, and the quickest route is calculated using Dijstra.</a:t>
             </a:r>
           </a:p>
           <a:p>
@@ -3864,7 +4163,7 @@
                 <a:latin typeface="Times New Roman" panose="02020603050405020304" pitchFamily="18" charset="0"/>
                 <a:cs typeface="Times New Roman" panose="02020603050405020304" pitchFamily="18" charset="0"/>
               </a:rPr>
-              <a:t>Filler Text</a:t>
+              <a:t>Developed Arduino connector that connects the board to the application. A buzzer sounds when an emergency happens and the route is drawn.</a:t>
             </a:r>
           </a:p>
           <a:p>
@@ -3991,6 +4290,41 @@
           <a:lstStyle/>
           <a:p>
             <a:pPr algn="ctr"/>
+            <a:endParaRPr lang="pl-PL" sz="5400" b="1" u="sng" dirty="0">
+              <a:latin typeface="Times New Roman" panose="02020603050405020304" pitchFamily="18" charset="0"/>
+              <a:cs typeface="Times New Roman" panose="02020603050405020304" pitchFamily="18" charset="0"/>
+            </a:endParaRPr>
+          </a:p>
+          <a:p>
+            <a:pPr algn="ctr"/>
+            <a:endParaRPr lang="pl-PL" sz="5400" b="1" u="sng" dirty="0">
+              <a:latin typeface="Times New Roman" panose="02020603050405020304" pitchFamily="18" charset="0"/>
+              <a:cs typeface="Times New Roman" panose="02020603050405020304" pitchFamily="18" charset="0"/>
+            </a:endParaRPr>
+          </a:p>
+          <a:p>
+            <a:pPr algn="ctr"/>
+            <a:endParaRPr lang="pl-PL" sz="5400" b="1" u="sng" dirty="0">
+              <a:latin typeface="Times New Roman" panose="02020603050405020304" pitchFamily="18" charset="0"/>
+              <a:cs typeface="Times New Roman" panose="02020603050405020304" pitchFamily="18" charset="0"/>
+            </a:endParaRPr>
+          </a:p>
+          <a:p>
+            <a:pPr algn="ctr"/>
+            <a:endParaRPr lang="pl-PL" sz="5400" b="1" u="sng" dirty="0">
+              <a:latin typeface="Times New Roman" panose="02020603050405020304" pitchFamily="18" charset="0"/>
+              <a:cs typeface="Times New Roman" panose="02020603050405020304" pitchFamily="18" charset="0"/>
+            </a:endParaRPr>
+          </a:p>
+          <a:p>
+            <a:pPr algn="ctr"/>
+            <a:endParaRPr lang="pl-PL" sz="5400" b="1" u="sng" dirty="0">
+              <a:latin typeface="Times New Roman" panose="02020603050405020304" pitchFamily="18" charset="0"/>
+              <a:cs typeface="Times New Roman" panose="02020603050405020304" pitchFamily="18" charset="0"/>
+            </a:endParaRPr>
+          </a:p>
+          <a:p>
+            <a:pPr algn="ctr"/>
             <a:r>
               <a:rPr lang="pl-PL" sz="5400" b="1" u="sng" dirty="0">
                 <a:latin typeface="Times New Roman" panose="02020603050405020304" pitchFamily="18" charset="0"/>
@@ -4056,6 +4390,49 @@
                 <a:cs typeface="Times New Roman" panose="02020603050405020304" pitchFamily="18" charset="0"/>
               </a:rPr>
               <a:t>Filler Text</a:t>
+            </a:r>
+          </a:p>
+          <a:p>
+            <a:pPr marL="685800" indent="-685800">
+              <a:buFont typeface="Arial" panose="020B0604020202020204" pitchFamily="34" charset="0"/>
+              <a:buChar char="•"/>
+            </a:pPr>
+            <a:endParaRPr lang="pl-PL" sz="4000" dirty="0">
+              <a:latin typeface="Times New Roman" panose="02020603050405020304" pitchFamily="18" charset="0"/>
+              <a:cs typeface="Times New Roman" panose="02020603050405020304" pitchFamily="18" charset="0"/>
+            </a:endParaRPr>
+          </a:p>
+          <a:p>
+            <a:pPr marL="685800" indent="-685800">
+              <a:buFont typeface="Arial" panose="020B0604020202020204" pitchFamily="34" charset="0"/>
+              <a:buChar char="•"/>
+            </a:pPr>
+            <a:endParaRPr lang="pl-PL" sz="4000" dirty="0">
+              <a:latin typeface="Times New Roman" panose="02020603050405020304" pitchFamily="18" charset="0"/>
+              <a:cs typeface="Times New Roman" panose="02020603050405020304" pitchFamily="18" charset="0"/>
+            </a:endParaRPr>
+          </a:p>
+          <a:p>
+            <a:pPr marL="685800" indent="-685800">
+              <a:buFont typeface="Arial" panose="020B0604020202020204" pitchFamily="34" charset="0"/>
+              <a:buChar char="•"/>
+            </a:pPr>
+            <a:endParaRPr lang="pl-PL" sz="4000" dirty="0">
+              <a:latin typeface="Times New Roman" panose="02020603050405020304" pitchFamily="18" charset="0"/>
+              <a:cs typeface="Times New Roman" panose="02020603050405020304" pitchFamily="18" charset="0"/>
+            </a:endParaRPr>
+          </a:p>
+          <a:p>
+            <a:pPr marL="685800" indent="-685800">
+              <a:buFont typeface="Arial" panose="020B0604020202020204" pitchFamily="34" charset="0"/>
+              <a:buChar char="•"/>
+            </a:pPr>
+            <a:r>
+              <a:rPr lang="pl-PL" sz="4000" dirty="0">
+                <a:latin typeface="Times New Roman" panose="02020603050405020304" pitchFamily="18" charset="0"/>
+                <a:cs typeface="Times New Roman" panose="02020603050405020304" pitchFamily="18" charset="0"/>
+              </a:rPr>
+              <a:t>THIS IS GOING TO HAVE 2 DIAGRAMS OF APPLICATION WORKING</a:t>
             </a:r>
           </a:p>
           <a:p>

--- a/EXTRAS/Poster.pptx
+++ b/EXTRAS/Poster.pptx
@@ -243,7 +243,7 @@
           <a:p>
             <a:fld id="{F3CCB074-B352-4EF1-B0AC-EE2A18CA649A}" type="datetimeFigureOut">
               <a:rPr lang="en-IE" smtClean="0"/>
-              <a:t>22/03/2019</a:t>
+              <a:t>27/03/2019</a:t>
             </a:fld>
             <a:endParaRPr lang="en-IE"/>
           </a:p>
@@ -413,7 +413,7 @@
           <a:p>
             <a:fld id="{F3CCB074-B352-4EF1-B0AC-EE2A18CA649A}" type="datetimeFigureOut">
               <a:rPr lang="en-IE" smtClean="0"/>
-              <a:t>22/03/2019</a:t>
+              <a:t>27/03/2019</a:t>
             </a:fld>
             <a:endParaRPr lang="en-IE"/>
           </a:p>
@@ -593,7 +593,7 @@
           <a:p>
             <a:fld id="{F3CCB074-B352-4EF1-B0AC-EE2A18CA649A}" type="datetimeFigureOut">
               <a:rPr lang="en-IE" smtClean="0"/>
-              <a:t>22/03/2019</a:t>
+              <a:t>27/03/2019</a:t>
             </a:fld>
             <a:endParaRPr lang="en-IE"/>
           </a:p>
@@ -763,7 +763,7 @@
           <a:p>
             <a:fld id="{F3CCB074-B352-4EF1-B0AC-EE2A18CA649A}" type="datetimeFigureOut">
               <a:rPr lang="en-IE" smtClean="0"/>
-              <a:t>22/03/2019</a:t>
+              <a:t>27/03/2019</a:t>
             </a:fld>
             <a:endParaRPr lang="en-IE"/>
           </a:p>
@@ -1007,7 +1007,7 @@
           <a:p>
             <a:fld id="{F3CCB074-B352-4EF1-B0AC-EE2A18CA649A}" type="datetimeFigureOut">
               <a:rPr lang="en-IE" smtClean="0"/>
-              <a:t>22/03/2019</a:t>
+              <a:t>27/03/2019</a:t>
             </a:fld>
             <a:endParaRPr lang="en-IE"/>
           </a:p>
@@ -1239,7 +1239,7 @@
           <a:p>
             <a:fld id="{F3CCB074-B352-4EF1-B0AC-EE2A18CA649A}" type="datetimeFigureOut">
               <a:rPr lang="en-IE" smtClean="0"/>
-              <a:t>22/03/2019</a:t>
+              <a:t>27/03/2019</a:t>
             </a:fld>
             <a:endParaRPr lang="en-IE"/>
           </a:p>
@@ -1606,7 +1606,7 @@
           <a:p>
             <a:fld id="{F3CCB074-B352-4EF1-B0AC-EE2A18CA649A}" type="datetimeFigureOut">
               <a:rPr lang="en-IE" smtClean="0"/>
-              <a:t>22/03/2019</a:t>
+              <a:t>27/03/2019</a:t>
             </a:fld>
             <a:endParaRPr lang="en-IE"/>
           </a:p>
@@ -1724,7 +1724,7 @@
           <a:p>
             <a:fld id="{F3CCB074-B352-4EF1-B0AC-EE2A18CA649A}" type="datetimeFigureOut">
               <a:rPr lang="en-IE" smtClean="0"/>
-              <a:t>22/03/2019</a:t>
+              <a:t>27/03/2019</a:t>
             </a:fld>
             <a:endParaRPr lang="en-IE"/>
           </a:p>
@@ -1819,7 +1819,7 @@
           <a:p>
             <a:fld id="{F3CCB074-B352-4EF1-B0AC-EE2A18CA649A}" type="datetimeFigureOut">
               <a:rPr lang="en-IE" smtClean="0"/>
-              <a:t>22/03/2019</a:t>
+              <a:t>27/03/2019</a:t>
             </a:fld>
             <a:endParaRPr lang="en-IE"/>
           </a:p>
@@ -2096,7 +2096,7 @@
           <a:p>
             <a:fld id="{F3CCB074-B352-4EF1-B0AC-EE2A18CA649A}" type="datetimeFigureOut">
               <a:rPr lang="en-IE" smtClean="0"/>
-              <a:t>22/03/2019</a:t>
+              <a:t>27/03/2019</a:t>
             </a:fld>
             <a:endParaRPr lang="en-IE"/>
           </a:p>
@@ -2353,7 +2353,7 @@
           <a:p>
             <a:fld id="{F3CCB074-B352-4EF1-B0AC-EE2A18CA649A}" type="datetimeFigureOut">
               <a:rPr lang="en-IE" smtClean="0"/>
-              <a:t>22/03/2019</a:t>
+              <a:t>27/03/2019</a:t>
             </a:fld>
             <a:endParaRPr lang="en-IE"/>
           </a:p>
@@ -2566,7 +2566,7 @@
           <a:p>
             <a:fld id="{F3CCB074-B352-4EF1-B0AC-EE2A18CA649A}" type="datetimeFigureOut">
               <a:rPr lang="en-IE" smtClean="0"/>
-              <a:t>22/03/2019</a:t>
+              <a:t>27/03/2019</a:t>
             </a:fld>
             <a:endParaRPr lang="en-IE"/>
           </a:p>
@@ -3979,10 +3979,10 @@
       </p:sp>
       <p:sp>
         <p:nvSpPr>
-          <p:cNvPr id="24" name="Rectangle: Rounded Corners 23">
+          <p:cNvPr id="25" name="Rectangle: Rounded Corners 24">
             <a:extLst>
               <a:ext uri="{FF2B5EF4-FFF2-40B4-BE49-F238E27FC236}">
-                <a16:creationId xmlns:a16="http://schemas.microsoft.com/office/drawing/2014/main" id="{3A23C889-6582-4906-A49C-4E3703068EB7}"/>
+                <a16:creationId xmlns:a16="http://schemas.microsoft.com/office/drawing/2014/main" id="{A2531EFF-1C5F-46B3-83A2-C1AAEAEF5D07}"/>
               </a:ext>
             </a:extLst>
           </p:cNvPr>
@@ -3991,8 +3991,8 @@
         </p:nvSpPr>
         <p:spPr>
           <a:xfrm>
-            <a:off x="8082920" y="4081859"/>
-            <a:ext cx="6836082" cy="13180150"/>
+            <a:off x="7751457" y="3983604"/>
+            <a:ext cx="15006544" cy="13278405"/>
           </a:xfrm>
           <a:prstGeom prst="roundRect">
             <a:avLst/>
@@ -4057,59 +4057,77 @@
           </a:p>
           <a:p>
             <a:pPr algn="ctr"/>
-            <a:endParaRPr lang="pl-PL" sz="5400" b="1" u="sng" dirty="0">
-              <a:latin typeface="Times New Roman" panose="02020603050405020304" pitchFamily="18" charset="0"/>
-              <a:cs typeface="Times New Roman" panose="02020603050405020304" pitchFamily="18" charset="0"/>
-            </a:endParaRPr>
-          </a:p>
-          <a:p>
-            <a:pPr algn="ctr"/>
-            <a:endParaRPr lang="pl-PL" sz="5400" b="1" u="sng" dirty="0">
-              <a:latin typeface="Times New Roman" panose="02020603050405020304" pitchFamily="18" charset="0"/>
-              <a:cs typeface="Times New Roman" panose="02020603050405020304" pitchFamily="18" charset="0"/>
-            </a:endParaRPr>
-          </a:p>
-          <a:p>
-            <a:pPr algn="ctr"/>
-            <a:endParaRPr lang="pl-PL" sz="5400" b="1" u="sng" dirty="0">
-              <a:latin typeface="Times New Roman" panose="02020603050405020304" pitchFamily="18" charset="0"/>
-              <a:cs typeface="Times New Roman" panose="02020603050405020304" pitchFamily="18" charset="0"/>
-            </a:endParaRPr>
-          </a:p>
-          <a:p>
-            <a:pPr algn="ctr"/>
-            <a:endParaRPr lang="pl-PL" sz="5400" b="1" u="sng" dirty="0">
-              <a:latin typeface="Times New Roman" panose="02020603050405020304" pitchFamily="18" charset="0"/>
-              <a:cs typeface="Times New Roman" panose="02020603050405020304" pitchFamily="18" charset="0"/>
-            </a:endParaRPr>
-          </a:p>
-          <a:p>
-            <a:pPr algn="ctr"/>
-            <a:endParaRPr lang="pl-PL" sz="5400" b="1" u="sng" dirty="0">
-              <a:latin typeface="Times New Roman" panose="02020603050405020304" pitchFamily="18" charset="0"/>
-              <a:cs typeface="Times New Roman" panose="02020603050405020304" pitchFamily="18" charset="0"/>
-            </a:endParaRPr>
-          </a:p>
-          <a:p>
-            <a:pPr algn="ctr"/>
-            <a:endParaRPr lang="pl-PL" sz="5400" b="1" u="sng" dirty="0">
-              <a:latin typeface="Times New Roman" panose="02020603050405020304" pitchFamily="18" charset="0"/>
-              <a:cs typeface="Times New Roman" panose="02020603050405020304" pitchFamily="18" charset="0"/>
-            </a:endParaRPr>
-          </a:p>
-          <a:p>
-            <a:pPr algn="ctr"/>
             <a:r>
               <a:rPr lang="pl-PL" sz="5400" b="1" u="sng" dirty="0">
                 <a:latin typeface="Times New Roman" panose="02020603050405020304" pitchFamily="18" charset="0"/>
                 <a:cs typeface="Times New Roman" panose="02020603050405020304" pitchFamily="18" charset="0"/>
               </a:rPr>
-              <a:t>Development</a:t>
+              <a:t>Overview</a:t>
             </a:r>
           </a:p>
           <a:p>
             <a:pPr algn="ctr"/>
             <a:endParaRPr lang="pl-PL" sz="5400" b="1" u="sng" dirty="0">
+              <a:latin typeface="Times New Roman" panose="02020603050405020304" pitchFamily="18" charset="0"/>
+              <a:cs typeface="Times New Roman" panose="02020603050405020304" pitchFamily="18" charset="0"/>
+            </a:endParaRPr>
+          </a:p>
+          <a:p>
+            <a:endParaRPr lang="pl-PL" sz="4000" dirty="0">
+              <a:latin typeface="Times New Roman" panose="02020603050405020304" pitchFamily="18" charset="0"/>
+              <a:cs typeface="Times New Roman" panose="02020603050405020304" pitchFamily="18" charset="0"/>
+            </a:endParaRPr>
+          </a:p>
+          <a:p>
+            <a:endParaRPr lang="pl-PL" sz="4000" dirty="0">
+              <a:latin typeface="Times New Roman" panose="02020603050405020304" pitchFamily="18" charset="0"/>
+              <a:cs typeface="Times New Roman" panose="02020603050405020304" pitchFamily="18" charset="0"/>
+            </a:endParaRPr>
+          </a:p>
+          <a:p>
+            <a:endParaRPr lang="pl-PL" sz="4000" dirty="0">
+              <a:latin typeface="Times New Roman" panose="02020603050405020304" pitchFamily="18" charset="0"/>
+              <a:cs typeface="Times New Roman" panose="02020603050405020304" pitchFamily="18" charset="0"/>
+            </a:endParaRPr>
+          </a:p>
+          <a:p>
+            <a:endParaRPr lang="pl-PL" sz="4000" dirty="0">
+              <a:latin typeface="Times New Roman" panose="02020603050405020304" pitchFamily="18" charset="0"/>
+              <a:cs typeface="Times New Roman" panose="02020603050405020304" pitchFamily="18" charset="0"/>
+            </a:endParaRPr>
+          </a:p>
+          <a:p>
+            <a:endParaRPr lang="pl-PL" sz="4000" dirty="0">
+              <a:latin typeface="Times New Roman" panose="02020603050405020304" pitchFamily="18" charset="0"/>
+              <a:cs typeface="Times New Roman" panose="02020603050405020304" pitchFamily="18" charset="0"/>
+            </a:endParaRPr>
+          </a:p>
+          <a:p>
+            <a:endParaRPr lang="pl-PL" sz="4000" dirty="0">
+              <a:latin typeface="Times New Roman" panose="02020603050405020304" pitchFamily="18" charset="0"/>
+              <a:cs typeface="Times New Roman" panose="02020603050405020304" pitchFamily="18" charset="0"/>
+            </a:endParaRPr>
+          </a:p>
+          <a:p>
+            <a:endParaRPr lang="pl-PL" sz="4000" dirty="0">
+              <a:latin typeface="Times New Roman" panose="02020603050405020304" pitchFamily="18" charset="0"/>
+              <a:cs typeface="Times New Roman" panose="02020603050405020304" pitchFamily="18" charset="0"/>
+            </a:endParaRPr>
+          </a:p>
+          <a:p>
+            <a:endParaRPr lang="pl-PL" sz="4000" dirty="0">
+              <a:latin typeface="Times New Roman" panose="02020603050405020304" pitchFamily="18" charset="0"/>
+              <a:cs typeface="Times New Roman" panose="02020603050405020304" pitchFamily="18" charset="0"/>
+            </a:endParaRPr>
+          </a:p>
+          <a:p>
+            <a:endParaRPr lang="pl-PL" sz="4000" dirty="0">
+              <a:latin typeface="Times New Roman" panose="02020603050405020304" pitchFamily="18" charset="0"/>
+              <a:cs typeface="Times New Roman" panose="02020603050405020304" pitchFamily="18" charset="0"/>
+            </a:endParaRPr>
+          </a:p>
+          <a:p>
+            <a:endParaRPr lang="pl-PL" sz="4000" dirty="0">
               <a:latin typeface="Times New Roman" panose="02020603050405020304" pitchFamily="18" charset="0"/>
               <a:cs typeface="Times New Roman" panose="02020603050405020304" pitchFamily="18" charset="0"/>
             </a:endParaRPr>
@@ -4119,52 +4137,10 @@
               <a:buFont typeface="Arial" panose="020B0604020202020204" pitchFamily="34" charset="0"/>
               <a:buChar char="•"/>
             </a:pPr>
-            <a:r>
-              <a:rPr lang="pl-PL" sz="4000" dirty="0">
-                <a:latin typeface="Times New Roman" panose="02020603050405020304" pitchFamily="18" charset="0"/>
-                <a:cs typeface="Times New Roman" panose="02020603050405020304" pitchFamily="18" charset="0"/>
-              </a:rPr>
-              <a:t>I used Android Studio to develop the application itself. </a:t>
-            </a:r>
-          </a:p>
-          <a:p>
-            <a:pPr marL="685800" indent="-685800">
-              <a:buFont typeface="Arial" panose="020B0604020202020204" pitchFamily="34" charset="0"/>
-              <a:buChar char="•"/>
-            </a:pPr>
-            <a:r>
-              <a:rPr lang="pl-PL" sz="4000" dirty="0">
-                <a:latin typeface="Times New Roman" panose="02020603050405020304" pitchFamily="18" charset="0"/>
-                <a:cs typeface="Times New Roman" panose="02020603050405020304" pitchFamily="18" charset="0"/>
-              </a:rPr>
-              <a:t>Google Maps Api is used to access the map, along with co-ordinates</a:t>
-            </a:r>
-          </a:p>
-          <a:p>
-            <a:pPr marL="685800" indent="-685800">
-              <a:buFont typeface="Arial" panose="020B0604020202020204" pitchFamily="34" charset="0"/>
-              <a:buChar char="•"/>
-            </a:pPr>
-            <a:r>
-              <a:rPr lang="pl-PL" sz="4000" dirty="0">
-                <a:latin typeface="Times New Roman" panose="02020603050405020304" pitchFamily="18" charset="0"/>
-                <a:cs typeface="Times New Roman" panose="02020603050405020304" pitchFamily="18" charset="0"/>
-              </a:rPr>
-              <a:t>The building plan was drawn out and each room will have a node, that will be connected to an exit, and the quickest route is calculated using Dijstra.</a:t>
-            </a:r>
-          </a:p>
-          <a:p>
-            <a:pPr marL="685800" indent="-685800">
-              <a:buFont typeface="Arial" panose="020B0604020202020204" pitchFamily="34" charset="0"/>
-              <a:buChar char="•"/>
-            </a:pPr>
-            <a:r>
-              <a:rPr lang="pl-PL" sz="4000" dirty="0">
-                <a:latin typeface="Times New Roman" panose="02020603050405020304" pitchFamily="18" charset="0"/>
-                <a:cs typeface="Times New Roman" panose="02020603050405020304" pitchFamily="18" charset="0"/>
-              </a:rPr>
-              <a:t>Developed Arduino connector that connects the board to the application. A buzzer sounds when an emergency happens and the route is drawn.</a:t>
-            </a:r>
+            <a:endParaRPr lang="pl-PL" sz="4000" dirty="0">
+              <a:latin typeface="Times New Roman" panose="02020603050405020304" pitchFamily="18" charset="0"/>
+              <a:cs typeface="Times New Roman" panose="02020603050405020304" pitchFamily="18" charset="0"/>
+            </a:endParaRPr>
           </a:p>
           <a:p>
             <a:pPr algn="ctr"/>
@@ -4231,13 +4207,6 @@
           </a:p>
           <a:p>
             <a:pPr algn="ctr"/>
-            <a:endParaRPr lang="pl-PL" sz="5400" dirty="0">
-              <a:latin typeface="Times New Roman" panose="02020603050405020304" pitchFamily="18" charset="0"/>
-              <a:cs typeface="Times New Roman" panose="02020603050405020304" pitchFamily="18" charset="0"/>
-            </a:endParaRPr>
-          </a:p>
-          <a:p>
-            <a:pPr algn="ctr"/>
             <a:endParaRPr lang="en-IE" sz="5400" dirty="0">
               <a:latin typeface="Times New Roman" panose="02020603050405020304" pitchFamily="18" charset="0"/>
               <a:cs typeface="Times New Roman" panose="02020603050405020304" pitchFamily="18" charset="0"/>
@@ -4247,10 +4216,10 @@
       </p:sp>
       <p:sp>
         <p:nvSpPr>
-          <p:cNvPr id="25" name="Rectangle: Rounded Corners 24">
+          <p:cNvPr id="26" name="Rectangle: Rounded Corners 25">
             <a:extLst>
               <a:ext uri="{FF2B5EF4-FFF2-40B4-BE49-F238E27FC236}">
-                <a16:creationId xmlns:a16="http://schemas.microsoft.com/office/drawing/2014/main" id="{A2531EFF-1C5F-46B3-83A2-C1AAEAEF5D07}"/>
+                <a16:creationId xmlns:a16="http://schemas.microsoft.com/office/drawing/2014/main" id="{5ABCD1B9-668E-4387-9944-3813E804ECF5}"/>
               </a:ext>
             </a:extLst>
           </p:cNvPr>
@@ -4259,8 +4228,8 @@
         </p:nvSpPr>
         <p:spPr>
           <a:xfrm>
-            <a:off x="15510040" y="4081859"/>
-            <a:ext cx="6836082" cy="13180150"/>
+            <a:off x="22928678" y="12022289"/>
+            <a:ext cx="7237203" cy="5239720"/>
           </a:xfrm>
           <a:prstGeom prst="roundRect">
             <a:avLst/>
@@ -4290,55 +4259,13 @@
           <a:lstStyle/>
           <a:p>
             <a:pPr algn="ctr"/>
-            <a:endParaRPr lang="pl-PL" sz="5400" b="1" u="sng" dirty="0">
-              <a:latin typeface="Times New Roman" panose="02020603050405020304" pitchFamily="18" charset="0"/>
-              <a:cs typeface="Times New Roman" panose="02020603050405020304" pitchFamily="18" charset="0"/>
-            </a:endParaRPr>
-          </a:p>
-          <a:p>
-            <a:pPr algn="ctr"/>
-            <a:endParaRPr lang="pl-PL" sz="5400" b="1" u="sng" dirty="0">
-              <a:latin typeface="Times New Roman" panose="02020603050405020304" pitchFamily="18" charset="0"/>
-              <a:cs typeface="Times New Roman" panose="02020603050405020304" pitchFamily="18" charset="0"/>
-            </a:endParaRPr>
-          </a:p>
-          <a:p>
-            <a:pPr algn="ctr"/>
-            <a:endParaRPr lang="pl-PL" sz="5400" b="1" u="sng" dirty="0">
-              <a:latin typeface="Times New Roman" panose="02020603050405020304" pitchFamily="18" charset="0"/>
-              <a:cs typeface="Times New Roman" panose="02020603050405020304" pitchFamily="18" charset="0"/>
-            </a:endParaRPr>
-          </a:p>
-          <a:p>
-            <a:pPr algn="ctr"/>
-            <a:endParaRPr lang="pl-PL" sz="5400" b="1" u="sng" dirty="0">
-              <a:latin typeface="Times New Roman" panose="02020603050405020304" pitchFamily="18" charset="0"/>
-              <a:cs typeface="Times New Roman" panose="02020603050405020304" pitchFamily="18" charset="0"/>
-            </a:endParaRPr>
-          </a:p>
-          <a:p>
-            <a:pPr algn="ctr"/>
-            <a:endParaRPr lang="pl-PL" sz="5400" b="1" u="sng" dirty="0">
-              <a:latin typeface="Times New Roman" panose="02020603050405020304" pitchFamily="18" charset="0"/>
-              <a:cs typeface="Times New Roman" panose="02020603050405020304" pitchFamily="18" charset="0"/>
-            </a:endParaRPr>
-          </a:p>
-          <a:p>
-            <a:pPr algn="ctr"/>
             <a:r>
               <a:rPr lang="pl-PL" sz="5400" b="1" u="sng" dirty="0">
                 <a:latin typeface="Times New Roman" panose="02020603050405020304" pitchFamily="18" charset="0"/>
                 <a:cs typeface="Times New Roman" panose="02020603050405020304" pitchFamily="18" charset="0"/>
               </a:rPr>
-              <a:t>Results</a:t>
-            </a:r>
-          </a:p>
-          <a:p>
-            <a:pPr algn="ctr"/>
-            <a:endParaRPr lang="pl-PL" sz="5400" b="1" u="sng" dirty="0">
-              <a:latin typeface="Times New Roman" panose="02020603050405020304" pitchFamily="18" charset="0"/>
-              <a:cs typeface="Times New Roman" panose="02020603050405020304" pitchFamily="18" charset="0"/>
-            </a:endParaRPr>
+              <a:t>Use Cases</a:t>
+            </a:r>
           </a:p>
           <a:p>
             <a:pPr marL="685800" indent="-685800">
@@ -4350,7 +4277,7 @@
                 <a:latin typeface="Times New Roman" panose="02020603050405020304" pitchFamily="18" charset="0"/>
                 <a:cs typeface="Times New Roman" panose="02020603050405020304" pitchFamily="18" charset="0"/>
               </a:rPr>
-              <a:t>Filler Text</a:t>
+              <a:t>Getting Routes in Colleges, app for new people around</a:t>
             </a:r>
           </a:p>
           <a:p>
@@ -4363,7 +4290,7 @@
                 <a:latin typeface="Times New Roman" panose="02020603050405020304" pitchFamily="18" charset="0"/>
                 <a:cs typeface="Times New Roman" panose="02020603050405020304" pitchFamily="18" charset="0"/>
               </a:rPr>
-              <a:t>Filler Text</a:t>
+              <a:t>Escapes</a:t>
             </a:r>
           </a:p>
           <a:p>
@@ -4376,153 +4303,68 @@
                 <a:latin typeface="Times New Roman" panose="02020603050405020304" pitchFamily="18" charset="0"/>
                 <a:cs typeface="Times New Roman" panose="02020603050405020304" pitchFamily="18" charset="0"/>
               </a:rPr>
-              <a:t>Filler Text </a:t>
-            </a:r>
-          </a:p>
-          <a:p>
-            <a:pPr marL="685800" indent="-685800">
-              <a:buFont typeface="Arial" panose="020B0604020202020204" pitchFamily="34" charset="0"/>
-              <a:buChar char="•"/>
-            </a:pPr>
-            <a:r>
-              <a:rPr lang="pl-PL" sz="4000" dirty="0">
-                <a:latin typeface="Times New Roman" panose="02020603050405020304" pitchFamily="18" charset="0"/>
-                <a:cs typeface="Times New Roman" panose="02020603050405020304" pitchFamily="18" charset="0"/>
-              </a:rPr>
-              <a:t>Filler Text</a:t>
-            </a:r>
-          </a:p>
-          <a:p>
-            <a:pPr marL="685800" indent="-685800">
-              <a:buFont typeface="Arial" panose="020B0604020202020204" pitchFamily="34" charset="0"/>
-              <a:buChar char="•"/>
-            </a:pPr>
-            <a:endParaRPr lang="pl-PL" sz="4000" dirty="0">
-              <a:latin typeface="Times New Roman" panose="02020603050405020304" pitchFamily="18" charset="0"/>
-              <a:cs typeface="Times New Roman" panose="02020603050405020304" pitchFamily="18" charset="0"/>
-            </a:endParaRPr>
-          </a:p>
-          <a:p>
-            <a:pPr marL="685800" indent="-685800">
-              <a:buFont typeface="Arial" panose="020B0604020202020204" pitchFamily="34" charset="0"/>
-              <a:buChar char="•"/>
-            </a:pPr>
-            <a:endParaRPr lang="pl-PL" sz="4000" dirty="0">
-              <a:latin typeface="Times New Roman" panose="02020603050405020304" pitchFamily="18" charset="0"/>
-              <a:cs typeface="Times New Roman" panose="02020603050405020304" pitchFamily="18" charset="0"/>
-            </a:endParaRPr>
-          </a:p>
-          <a:p>
-            <a:pPr marL="685800" indent="-685800">
-              <a:buFont typeface="Arial" panose="020B0604020202020204" pitchFamily="34" charset="0"/>
-              <a:buChar char="•"/>
-            </a:pPr>
-            <a:endParaRPr lang="pl-PL" sz="4000" dirty="0">
-              <a:latin typeface="Times New Roman" panose="02020603050405020304" pitchFamily="18" charset="0"/>
-              <a:cs typeface="Times New Roman" panose="02020603050405020304" pitchFamily="18" charset="0"/>
-            </a:endParaRPr>
-          </a:p>
-          <a:p>
-            <a:pPr marL="685800" indent="-685800">
-              <a:buFont typeface="Arial" panose="020B0604020202020204" pitchFamily="34" charset="0"/>
-              <a:buChar char="•"/>
-            </a:pPr>
-            <a:r>
-              <a:rPr lang="pl-PL" sz="4000" dirty="0">
-                <a:latin typeface="Times New Roman" panose="02020603050405020304" pitchFamily="18" charset="0"/>
-                <a:cs typeface="Times New Roman" panose="02020603050405020304" pitchFamily="18" charset="0"/>
-              </a:rPr>
-              <a:t>THIS IS GOING TO HAVE 2 DIAGRAMS OF APPLICATION WORKING</a:t>
-            </a:r>
-          </a:p>
-          <a:p>
-            <a:pPr marL="685800" indent="-685800">
-              <a:buFont typeface="Arial" panose="020B0604020202020204" pitchFamily="34" charset="0"/>
-              <a:buChar char="•"/>
-            </a:pPr>
-            <a:endParaRPr lang="pl-PL" sz="4000" dirty="0">
-              <a:latin typeface="Times New Roman" panose="02020603050405020304" pitchFamily="18" charset="0"/>
-              <a:cs typeface="Times New Roman" panose="02020603050405020304" pitchFamily="18" charset="0"/>
-            </a:endParaRPr>
-          </a:p>
-          <a:p>
-            <a:pPr algn="ctr"/>
+              <a:t>Quickest way to a parking spot in a big Car Park</a:t>
+            </a:r>
             <a:endParaRPr lang="pl-PL" sz="5400" dirty="0">
               <a:latin typeface="Times New Roman" panose="02020603050405020304" pitchFamily="18" charset="0"/>
               <a:cs typeface="Times New Roman" panose="02020603050405020304" pitchFamily="18" charset="0"/>
             </a:endParaRPr>
           </a:p>
-          <a:p>
-            <a:pPr algn="ctr"/>
-            <a:endParaRPr lang="pl-PL" sz="5400" dirty="0">
-              <a:latin typeface="Times New Roman" panose="02020603050405020304" pitchFamily="18" charset="0"/>
-              <a:cs typeface="Times New Roman" panose="02020603050405020304" pitchFamily="18" charset="0"/>
-            </a:endParaRPr>
-          </a:p>
-          <a:p>
-            <a:pPr algn="ctr"/>
-            <a:endParaRPr lang="pl-PL" sz="5400" dirty="0">
-              <a:latin typeface="Times New Roman" panose="02020603050405020304" pitchFamily="18" charset="0"/>
-              <a:cs typeface="Times New Roman" panose="02020603050405020304" pitchFamily="18" charset="0"/>
-            </a:endParaRPr>
-          </a:p>
-          <a:p>
-            <a:pPr algn="ctr"/>
-            <a:endParaRPr lang="pl-PL" sz="5400" dirty="0">
-              <a:latin typeface="Times New Roman" panose="02020603050405020304" pitchFamily="18" charset="0"/>
-              <a:cs typeface="Times New Roman" panose="02020603050405020304" pitchFamily="18" charset="0"/>
-            </a:endParaRPr>
-          </a:p>
-          <a:p>
-            <a:pPr algn="ctr"/>
-            <a:endParaRPr lang="pl-PL" sz="5400" dirty="0">
-              <a:latin typeface="Times New Roman" panose="02020603050405020304" pitchFamily="18" charset="0"/>
-              <a:cs typeface="Times New Roman" panose="02020603050405020304" pitchFamily="18" charset="0"/>
-            </a:endParaRPr>
-          </a:p>
-          <a:p>
-            <a:pPr algn="ctr"/>
-            <a:endParaRPr lang="pl-PL" sz="5400" dirty="0">
-              <a:latin typeface="Times New Roman" panose="02020603050405020304" pitchFamily="18" charset="0"/>
-              <a:cs typeface="Times New Roman" panose="02020603050405020304" pitchFamily="18" charset="0"/>
-            </a:endParaRPr>
-          </a:p>
-          <a:p>
-            <a:pPr algn="ctr"/>
-            <a:endParaRPr lang="pl-PL" sz="5400" dirty="0">
-              <a:latin typeface="Times New Roman" panose="02020603050405020304" pitchFamily="18" charset="0"/>
-              <a:cs typeface="Times New Roman" panose="02020603050405020304" pitchFamily="18" charset="0"/>
-            </a:endParaRPr>
-          </a:p>
-          <a:p>
-            <a:pPr algn="ctr"/>
-            <a:endParaRPr lang="pl-PL" sz="5400" dirty="0">
-              <a:latin typeface="Times New Roman" panose="02020603050405020304" pitchFamily="18" charset="0"/>
-              <a:cs typeface="Times New Roman" panose="02020603050405020304" pitchFamily="18" charset="0"/>
-            </a:endParaRPr>
-          </a:p>
-          <a:p>
-            <a:pPr algn="ctr"/>
-            <a:endParaRPr lang="pl-PL" sz="5400" dirty="0">
-              <a:latin typeface="Times New Roman" panose="02020603050405020304" pitchFamily="18" charset="0"/>
-              <a:cs typeface="Times New Roman" panose="02020603050405020304" pitchFamily="18" charset="0"/>
-            </a:endParaRPr>
-          </a:p>
-          <a:p>
-            <a:pPr algn="ctr"/>
-            <a:endParaRPr lang="en-IE" sz="5400" dirty="0">
-              <a:latin typeface="Times New Roman" panose="02020603050405020304" pitchFamily="18" charset="0"/>
-              <a:cs typeface="Times New Roman" panose="02020603050405020304" pitchFamily="18" charset="0"/>
-            </a:endParaRPr>
-          </a:p>
-        </p:txBody>
-      </p:sp>
-      <p:sp>
-        <p:nvSpPr>
-          <p:cNvPr id="26" name="Rectangle: Rounded Corners 25">
+        </p:txBody>
+      </p:sp>
+      <p:pic>
+        <p:nvPicPr>
+          <p:cNvPr id="2" name="Picture 2" descr="Image result for arduino connected to bluetooth and sound receiver">
             <a:extLst>
               <a:ext uri="{FF2B5EF4-FFF2-40B4-BE49-F238E27FC236}">
-                <a16:creationId xmlns:a16="http://schemas.microsoft.com/office/drawing/2014/main" id="{5ABCD1B9-668E-4387-9944-3813E804ECF5}"/>
+                <a16:creationId xmlns:a16="http://schemas.microsoft.com/office/drawing/2014/main" id="{D8709E9B-9E4B-4B97-AD76-BA48F0A55B31}"/>
+              </a:ext>
+            </a:extLst>
+          </p:cNvPr>
+          <p:cNvPicPr>
+            <a:picLocks noChangeAspect="1" noChangeArrowheads="1"/>
+          </p:cNvPicPr>
+          <p:nvPr/>
+        </p:nvPicPr>
+        <p:blipFill>
+          <a:blip r:embed="rId10">
+            <a:extLst>
+              <a:ext uri="{28A0092B-C50C-407E-A947-70E740481C1C}">
+                <a14:useLocalDpi xmlns:a14="http://schemas.microsoft.com/office/drawing/2010/main" val="0"/>
+              </a:ext>
+            </a:extLst>
+          </a:blip>
+          <a:srcRect/>
+          <a:stretch>
+            <a:fillRect/>
+          </a:stretch>
+        </p:blipFill>
+        <p:spPr bwMode="auto">
+          <a:xfrm>
+            <a:off x="12597765" y="5405609"/>
+            <a:ext cx="5269642" cy="3955726"/>
+          </a:xfrm>
+          <a:prstGeom prst="rect">
+            <a:avLst/>
+          </a:prstGeom>
+          <a:noFill/>
+          <a:extLst>
+            <a:ext uri="{909E8E84-426E-40DD-AFC4-6F175D3DCCD1}">
+              <a14:hiddenFill xmlns:a14="http://schemas.microsoft.com/office/drawing/2010/main">
+                <a:solidFill>
+                  <a:srgbClr val="FFFFFF"/>
+                </a:solidFill>
+              </a14:hiddenFill>
+            </a:ext>
+          </a:extLst>
+        </p:spPr>
+      </p:pic>
+      <p:sp>
+        <p:nvSpPr>
+          <p:cNvPr id="4" name="Rectangle 3">
+            <a:extLst>
+              <a:ext uri="{FF2B5EF4-FFF2-40B4-BE49-F238E27FC236}">
+                <a16:creationId xmlns:a16="http://schemas.microsoft.com/office/drawing/2014/main" id="{4480842B-1EB1-4644-B81E-4DF8AE47E1B5}"/>
               </a:ext>
             </a:extLst>
           </p:cNvPr>
@@ -4531,8 +4373,485 @@
         </p:nvSpPr>
         <p:spPr>
           <a:xfrm>
-            <a:off x="23038010" y="4081859"/>
-            <a:ext cx="6836082" cy="13180150"/>
+            <a:off x="13463532" y="5265210"/>
+            <a:ext cx="1203960" cy="1059180"/>
+          </a:xfrm>
+          <a:prstGeom prst="rect">
+            <a:avLst/>
+          </a:prstGeom>
+          <a:solidFill>
+            <a:schemeClr val="bg1"/>
+          </a:solidFill>
+          <a:ln>
+            <a:solidFill>
+              <a:schemeClr val="bg1"/>
+            </a:solidFill>
+          </a:ln>
+        </p:spPr>
+        <p:style>
+          <a:lnRef idx="2">
+            <a:schemeClr val="accent1">
+              <a:shade val="50000"/>
+            </a:schemeClr>
+          </a:lnRef>
+          <a:fillRef idx="1">
+            <a:schemeClr val="accent1"/>
+          </a:fillRef>
+          <a:effectRef idx="0">
+            <a:schemeClr val="accent1"/>
+          </a:effectRef>
+          <a:fontRef idx="minor">
+            <a:schemeClr val="lt1"/>
+          </a:fontRef>
+        </p:style>
+        <p:txBody>
+          <a:bodyPr rtlCol="0" anchor="ctr"/>
+          <a:lstStyle/>
+          <a:p>
+            <a:pPr algn="ctr"/>
+            <a:endParaRPr lang="en-IE"/>
+          </a:p>
+        </p:txBody>
+      </p:sp>
+      <p:pic>
+        <p:nvPicPr>
+          <p:cNvPr id="21" name="Picture 4" descr="Image result for sound receiver arduino sensor">
+            <a:extLst>
+              <a:ext uri="{FF2B5EF4-FFF2-40B4-BE49-F238E27FC236}">
+                <a16:creationId xmlns:a16="http://schemas.microsoft.com/office/drawing/2014/main" id="{6F8DDB46-B05A-420F-9C48-930193B76851}"/>
+              </a:ext>
+            </a:extLst>
+          </p:cNvPr>
+          <p:cNvPicPr>
+            <a:picLocks noChangeAspect="1" noChangeArrowheads="1"/>
+          </p:cNvPicPr>
+          <p:nvPr/>
+        </p:nvPicPr>
+        <p:blipFill>
+          <a:blip r:embed="rId11">
+            <a:extLst>
+              <a:ext uri="{28A0092B-C50C-407E-A947-70E740481C1C}">
+                <a14:useLocalDpi xmlns:a14="http://schemas.microsoft.com/office/drawing/2010/main" val="0"/>
+              </a:ext>
+            </a:extLst>
+          </a:blip>
+          <a:srcRect/>
+          <a:stretch>
+            <a:fillRect/>
+          </a:stretch>
+        </p:blipFill>
+        <p:spPr bwMode="auto">
+          <a:xfrm rot="11475800">
+            <a:off x="13515439" y="5372315"/>
+            <a:ext cx="965351" cy="965351"/>
+          </a:xfrm>
+          <a:prstGeom prst="rect">
+            <a:avLst/>
+          </a:prstGeom>
+          <a:noFill/>
+          <a:extLst>
+            <a:ext uri="{909E8E84-426E-40DD-AFC4-6F175D3DCCD1}">
+              <a14:hiddenFill xmlns:a14="http://schemas.microsoft.com/office/drawing/2010/main">
+                <a:solidFill>
+                  <a:srgbClr val="FFFFFF"/>
+                </a:solidFill>
+              </a14:hiddenFill>
+            </a:ext>
+          </a:extLst>
+        </p:spPr>
+      </p:pic>
+      <p:sp>
+        <p:nvSpPr>
+          <p:cNvPr id="10" name="Arrow: Down 9">
+            <a:extLst>
+              <a:ext uri="{FF2B5EF4-FFF2-40B4-BE49-F238E27FC236}">
+                <a16:creationId xmlns:a16="http://schemas.microsoft.com/office/drawing/2014/main" id="{E4FB0143-5A5D-4974-899B-4E64FB70CB26}"/>
+              </a:ext>
+            </a:extLst>
+          </p:cNvPr>
+          <p:cNvSpPr/>
+          <p:nvPr/>
+        </p:nvSpPr>
+        <p:spPr>
+          <a:xfrm>
+            <a:off x="14629294" y="9631926"/>
+            <a:ext cx="866664" cy="1981200"/>
+          </a:xfrm>
+          <a:prstGeom prst="downArrow">
+            <a:avLst/>
+          </a:prstGeom>
+        </p:spPr>
+        <p:style>
+          <a:lnRef idx="2">
+            <a:schemeClr val="accent1">
+              <a:shade val="50000"/>
+            </a:schemeClr>
+          </a:lnRef>
+          <a:fillRef idx="1">
+            <a:schemeClr val="accent1"/>
+          </a:fillRef>
+          <a:effectRef idx="0">
+            <a:schemeClr val="accent1"/>
+          </a:effectRef>
+          <a:fontRef idx="minor">
+            <a:schemeClr val="lt1"/>
+          </a:fontRef>
+        </p:style>
+        <p:txBody>
+          <a:bodyPr rtlCol="0" anchor="ctr"/>
+          <a:lstStyle/>
+          <a:p>
+            <a:pPr algn="ctr"/>
+            <a:endParaRPr lang="en-IE"/>
+          </a:p>
+        </p:txBody>
+      </p:sp>
+      <p:pic>
+        <p:nvPicPr>
+          <p:cNvPr id="11" name="Picture 6" descr="https://scontent-dub4-1.xx.fbcdn.net/v/t1.15752-9/55798209_834380003581399_1672335822679965696_n.jpg?_nc_cat=104&amp;_nc_ht=scontent-dub4-1.xx&amp;oh=ed00dc6734162d8d669560ae1f4e588e&amp;oe=5D18D4F0">
+            <a:extLst>
+              <a:ext uri="{FF2B5EF4-FFF2-40B4-BE49-F238E27FC236}">
+                <a16:creationId xmlns:a16="http://schemas.microsoft.com/office/drawing/2014/main" id="{CE66C153-FD56-4809-A617-F78124BF0178}"/>
+              </a:ext>
+            </a:extLst>
+          </p:cNvPr>
+          <p:cNvPicPr>
+            <a:picLocks noChangeAspect="1" noChangeArrowheads="1"/>
+          </p:cNvPicPr>
+          <p:nvPr/>
+        </p:nvPicPr>
+        <p:blipFill>
+          <a:blip r:embed="rId12">
+            <a:extLst>
+              <a:ext uri="{28A0092B-C50C-407E-A947-70E740481C1C}">
+                <a14:useLocalDpi xmlns:a14="http://schemas.microsoft.com/office/drawing/2010/main" val="0"/>
+              </a:ext>
+            </a:extLst>
+          </a:blip>
+          <a:srcRect/>
+          <a:stretch>
+            <a:fillRect/>
+          </a:stretch>
+        </p:blipFill>
+        <p:spPr bwMode="auto">
+          <a:xfrm>
+            <a:off x="18396029" y="8526943"/>
+            <a:ext cx="4145339" cy="7369493"/>
+          </a:xfrm>
+          <a:prstGeom prst="rect">
+            <a:avLst/>
+          </a:prstGeom>
+          <a:noFill/>
+          <a:extLst>
+            <a:ext uri="{909E8E84-426E-40DD-AFC4-6F175D3DCCD1}">
+              <a14:hiddenFill xmlns:a14="http://schemas.microsoft.com/office/drawing/2010/main">
+                <a:solidFill>
+                  <a:srgbClr val="FFFFFF"/>
+                </a:solidFill>
+              </a14:hiddenFill>
+            </a:ext>
+          </a:extLst>
+        </p:spPr>
+      </p:pic>
+      <p:pic>
+        <p:nvPicPr>
+          <p:cNvPr id="12" name="Picture 8" descr="https://scontent-dub4-1.xx.fbcdn.net/v/t1.15752-9/55957813_553445931809149_276816135490371584_n.jpg?_nc_cat=107&amp;_nc_ht=scontent-dub4-1.xx&amp;oh=03a2f1251be10d7e310eaab97e905e8c&amp;oe=5D15BA7D">
+            <a:extLst>
+              <a:ext uri="{FF2B5EF4-FFF2-40B4-BE49-F238E27FC236}">
+                <a16:creationId xmlns:a16="http://schemas.microsoft.com/office/drawing/2014/main" id="{6D4DEEC3-D2BD-4BB1-84B7-016374D96DC3}"/>
+              </a:ext>
+            </a:extLst>
+          </p:cNvPr>
+          <p:cNvPicPr>
+            <a:picLocks noChangeAspect="1" noChangeArrowheads="1"/>
+          </p:cNvPicPr>
+          <p:nvPr/>
+        </p:nvPicPr>
+        <p:blipFill>
+          <a:blip r:embed="rId13">
+            <a:extLst>
+              <a:ext uri="{28A0092B-C50C-407E-A947-70E740481C1C}">
+                <a14:useLocalDpi xmlns:a14="http://schemas.microsoft.com/office/drawing/2010/main" val="0"/>
+              </a:ext>
+            </a:extLst>
+          </a:blip>
+          <a:srcRect/>
+          <a:stretch>
+            <a:fillRect/>
+          </a:stretch>
+        </p:blipFill>
+        <p:spPr bwMode="auto">
+          <a:xfrm>
+            <a:off x="8101941" y="8495580"/>
+            <a:ext cx="4145340" cy="7369493"/>
+          </a:xfrm>
+          <a:prstGeom prst="rect">
+            <a:avLst/>
+          </a:prstGeom>
+          <a:noFill/>
+          <a:extLst>
+            <a:ext uri="{909E8E84-426E-40DD-AFC4-6F175D3DCCD1}">
+              <a14:hiddenFill xmlns:a14="http://schemas.microsoft.com/office/drawing/2010/main">
+                <a:solidFill>
+                  <a:srgbClr val="FFFFFF"/>
+                </a:solidFill>
+              </a14:hiddenFill>
+            </a:ext>
+          </a:extLst>
+        </p:spPr>
+      </p:pic>
+      <p:sp>
+        <p:nvSpPr>
+          <p:cNvPr id="14" name="TextBox 13">
+            <a:extLst>
+              <a:ext uri="{FF2B5EF4-FFF2-40B4-BE49-F238E27FC236}">
+                <a16:creationId xmlns:a16="http://schemas.microsoft.com/office/drawing/2014/main" id="{94CA00F5-8331-4C96-AE9B-3621FE366DCD}"/>
+              </a:ext>
+            </a:extLst>
+          </p:cNvPr>
+          <p:cNvSpPr txBox="1"/>
+          <p:nvPr/>
+        </p:nvSpPr>
+        <p:spPr>
+          <a:xfrm>
+            <a:off x="8254804" y="7563405"/>
+            <a:ext cx="3640661" cy="692497"/>
+          </a:xfrm>
+          <a:prstGeom prst="rect">
+            <a:avLst/>
+          </a:prstGeom>
+          <a:noFill/>
+        </p:spPr>
+        <p:txBody>
+          <a:bodyPr wrap="square" rtlCol="0">
+            <a:spAutoFit/>
+          </a:bodyPr>
+          <a:lstStyle/>
+          <a:p>
+            <a:r>
+              <a:rPr lang="pl-PL" sz="3900" dirty="0">
+                <a:solidFill>
+                  <a:schemeClr val="bg1"/>
+                </a:solidFill>
+                <a:latin typeface="Times New Roman" panose="02020603050405020304" pitchFamily="18" charset="0"/>
+                <a:cs typeface="Times New Roman" panose="02020603050405020304" pitchFamily="18" charset="0"/>
+              </a:rPr>
+              <a:t>Starting Point:</a:t>
+            </a:r>
+            <a:endParaRPr lang="en-IE" sz="3900" dirty="0">
+              <a:solidFill>
+                <a:schemeClr val="bg1"/>
+              </a:solidFill>
+              <a:latin typeface="Times New Roman" panose="02020603050405020304" pitchFamily="18" charset="0"/>
+              <a:cs typeface="Times New Roman" panose="02020603050405020304" pitchFamily="18" charset="0"/>
+            </a:endParaRPr>
+          </a:p>
+        </p:txBody>
+      </p:sp>
+      <p:sp>
+        <p:nvSpPr>
+          <p:cNvPr id="31" name="TextBox 30">
+            <a:extLst>
+              <a:ext uri="{FF2B5EF4-FFF2-40B4-BE49-F238E27FC236}">
+                <a16:creationId xmlns:a16="http://schemas.microsoft.com/office/drawing/2014/main" id="{F84C8A8A-4FC0-43BD-A8F6-FB656D672B05}"/>
+              </a:ext>
+            </a:extLst>
+          </p:cNvPr>
+          <p:cNvSpPr txBox="1"/>
+          <p:nvPr/>
+        </p:nvSpPr>
+        <p:spPr>
+          <a:xfrm>
+            <a:off x="19117340" y="7785318"/>
+            <a:ext cx="3640661" cy="692497"/>
+          </a:xfrm>
+          <a:prstGeom prst="rect">
+            <a:avLst/>
+          </a:prstGeom>
+          <a:noFill/>
+        </p:spPr>
+        <p:txBody>
+          <a:bodyPr wrap="square" rtlCol="0">
+            <a:spAutoFit/>
+          </a:bodyPr>
+          <a:lstStyle/>
+          <a:p>
+            <a:r>
+              <a:rPr lang="pl-PL" sz="3900" dirty="0">
+                <a:solidFill>
+                  <a:schemeClr val="bg1"/>
+                </a:solidFill>
+                <a:latin typeface="Times New Roman" panose="02020603050405020304" pitchFamily="18" charset="0"/>
+                <a:cs typeface="Times New Roman" panose="02020603050405020304" pitchFamily="18" charset="0"/>
+              </a:rPr>
+              <a:t>End Point:</a:t>
+            </a:r>
+            <a:endParaRPr lang="en-IE" sz="3900" dirty="0">
+              <a:solidFill>
+                <a:schemeClr val="bg1"/>
+              </a:solidFill>
+              <a:latin typeface="Times New Roman" panose="02020603050405020304" pitchFamily="18" charset="0"/>
+              <a:cs typeface="Times New Roman" panose="02020603050405020304" pitchFamily="18" charset="0"/>
+            </a:endParaRPr>
+          </a:p>
+        </p:txBody>
+      </p:sp>
+      <p:sp>
+        <p:nvSpPr>
+          <p:cNvPr id="16" name="Arrow: Right 15">
+            <a:extLst>
+              <a:ext uri="{FF2B5EF4-FFF2-40B4-BE49-F238E27FC236}">
+                <a16:creationId xmlns:a16="http://schemas.microsoft.com/office/drawing/2014/main" id="{8FFE5EFE-0E7D-4047-B123-A9A97083D49D}"/>
+              </a:ext>
+            </a:extLst>
+          </p:cNvPr>
+          <p:cNvSpPr/>
+          <p:nvPr/>
+        </p:nvSpPr>
+        <p:spPr>
+          <a:xfrm>
+            <a:off x="16022815" y="10717638"/>
+            <a:ext cx="2146162" cy="775504"/>
+          </a:xfrm>
+          <a:prstGeom prst="rightArrow">
+            <a:avLst/>
+          </a:prstGeom>
+        </p:spPr>
+        <p:style>
+          <a:lnRef idx="2">
+            <a:schemeClr val="accent1">
+              <a:shade val="50000"/>
+            </a:schemeClr>
+          </a:lnRef>
+          <a:fillRef idx="1">
+            <a:schemeClr val="accent1"/>
+          </a:fillRef>
+          <a:effectRef idx="0">
+            <a:schemeClr val="accent1"/>
+          </a:effectRef>
+          <a:fontRef idx="minor">
+            <a:schemeClr val="lt1"/>
+          </a:fontRef>
+        </p:style>
+        <p:txBody>
+          <a:bodyPr rtlCol="0" anchor="ctr"/>
+          <a:lstStyle/>
+          <a:p>
+            <a:pPr algn="ctr"/>
+            <a:endParaRPr lang="en-IE"/>
+          </a:p>
+        </p:txBody>
+      </p:sp>
+      <p:sp>
+        <p:nvSpPr>
+          <p:cNvPr id="34" name="Arrow: Right 33">
+            <a:extLst>
+              <a:ext uri="{FF2B5EF4-FFF2-40B4-BE49-F238E27FC236}">
+                <a16:creationId xmlns:a16="http://schemas.microsoft.com/office/drawing/2014/main" id="{C92A863F-C8A8-4717-8BF3-20A57BFCA913}"/>
+              </a:ext>
+            </a:extLst>
+          </p:cNvPr>
+          <p:cNvSpPr/>
+          <p:nvPr/>
+        </p:nvSpPr>
+        <p:spPr>
+          <a:xfrm>
+            <a:off x="12102412" y="10717638"/>
+            <a:ext cx="2146162" cy="775504"/>
+          </a:xfrm>
+          <a:prstGeom prst="rightArrow">
+            <a:avLst/>
+          </a:prstGeom>
+        </p:spPr>
+        <p:style>
+          <a:lnRef idx="2">
+            <a:schemeClr val="accent1">
+              <a:shade val="50000"/>
+            </a:schemeClr>
+          </a:lnRef>
+          <a:fillRef idx="1">
+            <a:schemeClr val="accent1"/>
+          </a:fillRef>
+          <a:effectRef idx="0">
+            <a:schemeClr val="accent1"/>
+          </a:effectRef>
+          <a:fontRef idx="minor">
+            <a:schemeClr val="lt1"/>
+          </a:fontRef>
+        </p:style>
+        <p:txBody>
+          <a:bodyPr rtlCol="0" anchor="ctr"/>
+          <a:lstStyle/>
+          <a:p>
+            <a:pPr algn="ctr"/>
+            <a:endParaRPr lang="en-IE"/>
+          </a:p>
+        </p:txBody>
+      </p:sp>
+      <p:sp>
+        <p:nvSpPr>
+          <p:cNvPr id="18" name="TextBox 17">
+            <a:extLst>
+              <a:ext uri="{FF2B5EF4-FFF2-40B4-BE49-F238E27FC236}">
+                <a16:creationId xmlns:a16="http://schemas.microsoft.com/office/drawing/2014/main" id="{81CABE9F-8AD9-425F-9E9A-22D3C878F12D}"/>
+              </a:ext>
+            </a:extLst>
+          </p:cNvPr>
+          <p:cNvSpPr txBox="1"/>
+          <p:nvPr/>
+        </p:nvSpPr>
+        <p:spPr>
+          <a:xfrm>
+            <a:off x="13762892" y="12022289"/>
+            <a:ext cx="3165231" cy="3693319"/>
+          </a:xfrm>
+          <a:prstGeom prst="rect">
+            <a:avLst/>
+          </a:prstGeom>
+          <a:noFill/>
+        </p:spPr>
+        <p:txBody>
+          <a:bodyPr wrap="square" rtlCol="0">
+            <a:spAutoFit/>
+          </a:bodyPr>
+          <a:lstStyle/>
+          <a:p>
+            <a:r>
+              <a:rPr lang="pl-PL" sz="3900" dirty="0">
+                <a:solidFill>
+                  <a:schemeClr val="bg1"/>
+                </a:solidFill>
+                <a:latin typeface="Times New Roman" panose="02020603050405020304" pitchFamily="18" charset="0"/>
+                <a:cs typeface="Times New Roman" panose="02020603050405020304" pitchFamily="18" charset="0"/>
+              </a:rPr>
+              <a:t>Alarm Is Received Through Arduino and Bluetooth Module</a:t>
+            </a:r>
+            <a:endParaRPr lang="en-IE" sz="3900" dirty="0">
+              <a:solidFill>
+                <a:schemeClr val="bg1"/>
+              </a:solidFill>
+              <a:latin typeface="Times New Roman" panose="02020603050405020304" pitchFamily="18" charset="0"/>
+              <a:cs typeface="Times New Roman" panose="02020603050405020304" pitchFamily="18" charset="0"/>
+            </a:endParaRPr>
+          </a:p>
+        </p:txBody>
+      </p:sp>
+      <p:sp>
+        <p:nvSpPr>
+          <p:cNvPr id="37" name="Rectangle: Rounded Corners 36">
+            <a:extLst>
+              <a:ext uri="{FF2B5EF4-FFF2-40B4-BE49-F238E27FC236}">
+                <a16:creationId xmlns:a16="http://schemas.microsoft.com/office/drawing/2014/main" id="{BE284CA8-2251-4EA5-9BC3-0EF516BA7319}"/>
+              </a:ext>
+            </a:extLst>
+          </p:cNvPr>
+          <p:cNvSpPr/>
+          <p:nvPr/>
+        </p:nvSpPr>
+        <p:spPr>
+          <a:xfrm>
+            <a:off x="22888643" y="5511705"/>
+            <a:ext cx="7277238" cy="5544221"/>
           </a:xfrm>
           <a:prstGeom prst="roundRect">
             <a:avLst/>
@@ -4567,15 +4886,8 @@
                 <a:latin typeface="Times New Roman" panose="02020603050405020304" pitchFamily="18" charset="0"/>
                 <a:cs typeface="Times New Roman" panose="02020603050405020304" pitchFamily="18" charset="0"/>
               </a:rPr>
-              <a:t>Conclusions</a:t>
-            </a:r>
-          </a:p>
-          <a:p>
-            <a:pPr algn="ctr"/>
-            <a:endParaRPr lang="pl-PL" sz="5400" b="1" u="sng" dirty="0">
-              <a:latin typeface="Times New Roman" panose="02020603050405020304" pitchFamily="18" charset="0"/>
-              <a:cs typeface="Times New Roman" panose="02020603050405020304" pitchFamily="18" charset="0"/>
-            </a:endParaRPr>
+              <a:t>Things Learnt</a:t>
+            </a:r>
           </a:p>
           <a:p>
             <a:pPr marL="685800" indent="-685800">
@@ -4587,7 +4899,7 @@
                 <a:latin typeface="Times New Roman" panose="02020603050405020304" pitchFamily="18" charset="0"/>
                 <a:cs typeface="Times New Roman" panose="02020603050405020304" pitchFamily="18" charset="0"/>
               </a:rPr>
-              <a:t>Filler Text</a:t>
+              <a:t>Dijstra’s Algorithm</a:t>
             </a:r>
           </a:p>
           <a:p>
@@ -4600,7 +4912,7 @@
                 <a:latin typeface="Times New Roman" panose="02020603050405020304" pitchFamily="18" charset="0"/>
                 <a:cs typeface="Times New Roman" panose="02020603050405020304" pitchFamily="18" charset="0"/>
               </a:rPr>
-              <a:t>Filler Text</a:t>
+              <a:t>Java Coding</a:t>
             </a:r>
           </a:p>
           <a:p>
@@ -4613,7 +4925,7 @@
                 <a:latin typeface="Times New Roman" panose="02020603050405020304" pitchFamily="18" charset="0"/>
                 <a:cs typeface="Times New Roman" panose="02020603050405020304" pitchFamily="18" charset="0"/>
               </a:rPr>
-              <a:t>Filler Text</a:t>
+              <a:t>XML Layouts</a:t>
             </a:r>
           </a:p>
           <a:p>
@@ -4626,82 +4938,35 @@
                 <a:latin typeface="Times New Roman" panose="02020603050405020304" pitchFamily="18" charset="0"/>
                 <a:cs typeface="Times New Roman" panose="02020603050405020304" pitchFamily="18" charset="0"/>
               </a:rPr>
-              <a:t>Filler Text</a:t>
-            </a:r>
-          </a:p>
-          <a:p>
-            <a:pPr algn="ctr"/>
+              <a:t>Firebase</a:t>
+            </a:r>
+          </a:p>
+          <a:p>
+            <a:pPr marL="685800" indent="-685800">
+              <a:buFont typeface="Arial" panose="020B0604020202020204" pitchFamily="34" charset="0"/>
+              <a:buChar char="•"/>
+            </a:pPr>
+            <a:r>
+              <a:rPr lang="pl-PL" sz="4000" dirty="0">
+                <a:latin typeface="Times New Roman" panose="02020603050405020304" pitchFamily="18" charset="0"/>
+                <a:cs typeface="Times New Roman" panose="02020603050405020304" pitchFamily="18" charset="0"/>
+              </a:rPr>
+              <a:t>Arduino -&gt; Sound / Bluetooth</a:t>
+            </a:r>
+          </a:p>
+          <a:p>
+            <a:pPr marL="685800" indent="-685800">
+              <a:buFont typeface="Arial" panose="020B0604020202020204" pitchFamily="34" charset="0"/>
+              <a:buChar char="•"/>
+            </a:pPr>
+            <a:r>
+              <a:rPr lang="pl-PL" sz="4000" dirty="0">
+                <a:latin typeface="Times New Roman" panose="02020603050405020304" pitchFamily="18" charset="0"/>
+                <a:cs typeface="Times New Roman" panose="02020603050405020304" pitchFamily="18" charset="0"/>
+              </a:rPr>
+              <a:t>Google Maps API</a:t>
+            </a:r>
             <a:endParaRPr lang="pl-PL" sz="5400" dirty="0">
-              <a:latin typeface="Times New Roman" panose="02020603050405020304" pitchFamily="18" charset="0"/>
-              <a:cs typeface="Times New Roman" panose="02020603050405020304" pitchFamily="18" charset="0"/>
-            </a:endParaRPr>
-          </a:p>
-          <a:p>
-            <a:pPr algn="ctr"/>
-            <a:endParaRPr lang="pl-PL" sz="5400" dirty="0">
-              <a:latin typeface="Times New Roman" panose="02020603050405020304" pitchFamily="18" charset="0"/>
-              <a:cs typeface="Times New Roman" panose="02020603050405020304" pitchFamily="18" charset="0"/>
-            </a:endParaRPr>
-          </a:p>
-          <a:p>
-            <a:pPr algn="ctr"/>
-            <a:endParaRPr lang="pl-PL" sz="5400" dirty="0">
-              <a:latin typeface="Times New Roman" panose="02020603050405020304" pitchFamily="18" charset="0"/>
-              <a:cs typeface="Times New Roman" panose="02020603050405020304" pitchFamily="18" charset="0"/>
-            </a:endParaRPr>
-          </a:p>
-          <a:p>
-            <a:pPr algn="ctr"/>
-            <a:endParaRPr lang="pl-PL" sz="5400" dirty="0">
-              <a:latin typeface="Times New Roman" panose="02020603050405020304" pitchFamily="18" charset="0"/>
-              <a:cs typeface="Times New Roman" panose="02020603050405020304" pitchFamily="18" charset="0"/>
-            </a:endParaRPr>
-          </a:p>
-          <a:p>
-            <a:pPr algn="ctr"/>
-            <a:endParaRPr lang="pl-PL" sz="5400" dirty="0">
-              <a:latin typeface="Times New Roman" panose="02020603050405020304" pitchFamily="18" charset="0"/>
-              <a:cs typeface="Times New Roman" panose="02020603050405020304" pitchFamily="18" charset="0"/>
-            </a:endParaRPr>
-          </a:p>
-          <a:p>
-            <a:pPr algn="ctr"/>
-            <a:endParaRPr lang="pl-PL" sz="5400" dirty="0">
-              <a:latin typeface="Times New Roman" panose="02020603050405020304" pitchFamily="18" charset="0"/>
-              <a:cs typeface="Times New Roman" panose="02020603050405020304" pitchFamily="18" charset="0"/>
-            </a:endParaRPr>
-          </a:p>
-          <a:p>
-            <a:pPr algn="ctr"/>
-            <a:endParaRPr lang="pl-PL" sz="5400" dirty="0">
-              <a:latin typeface="Times New Roman" panose="02020603050405020304" pitchFamily="18" charset="0"/>
-              <a:cs typeface="Times New Roman" panose="02020603050405020304" pitchFamily="18" charset="0"/>
-            </a:endParaRPr>
-          </a:p>
-          <a:p>
-            <a:pPr algn="ctr"/>
-            <a:endParaRPr lang="pl-PL" sz="5400" dirty="0">
-              <a:latin typeface="Times New Roman" panose="02020603050405020304" pitchFamily="18" charset="0"/>
-              <a:cs typeface="Times New Roman" panose="02020603050405020304" pitchFamily="18" charset="0"/>
-            </a:endParaRPr>
-          </a:p>
-          <a:p>
-            <a:pPr algn="ctr"/>
-            <a:endParaRPr lang="pl-PL" sz="5400" dirty="0">
-              <a:latin typeface="Times New Roman" panose="02020603050405020304" pitchFamily="18" charset="0"/>
-              <a:cs typeface="Times New Roman" panose="02020603050405020304" pitchFamily="18" charset="0"/>
-            </a:endParaRPr>
-          </a:p>
-          <a:p>
-            <a:pPr algn="ctr"/>
-            <a:endParaRPr lang="pl-PL" sz="5400" dirty="0">
-              <a:latin typeface="Times New Roman" panose="02020603050405020304" pitchFamily="18" charset="0"/>
-              <a:cs typeface="Times New Roman" panose="02020603050405020304" pitchFamily="18" charset="0"/>
-            </a:endParaRPr>
-          </a:p>
-          <a:p>
-            <a:pPr algn="ctr"/>
-            <a:endParaRPr lang="en-IE" sz="5400" dirty="0">
               <a:latin typeface="Times New Roman" panose="02020603050405020304" pitchFamily="18" charset="0"/>
               <a:cs typeface="Times New Roman" panose="02020603050405020304" pitchFamily="18" charset="0"/>
             </a:endParaRPr>

--- a/EXTRAS/Poster.pptx
+++ b/EXTRAS/Poster.pptx
@@ -3687,7 +3687,21 @@
                 <a:latin typeface="Times New Roman" panose="02020603050405020304" pitchFamily="18" charset="0"/>
                 <a:cs typeface="Times New Roman" panose="02020603050405020304" pitchFamily="18" charset="0"/>
               </a:rPr>
-              <a:t>In the project I use Arduino, the Arduino </a:t>
+              <a:t>In the project I use</a:t>
+            </a:r>
+            <a:r>
+              <a:rPr lang="pl-PL" sz="3900" dirty="0">
+                <a:latin typeface="Times New Roman" panose="02020603050405020304" pitchFamily="18" charset="0"/>
+                <a:cs typeface="Times New Roman" panose="02020603050405020304" pitchFamily="18" charset="0"/>
+              </a:rPr>
+              <a:t> an</a:t>
+            </a:r>
+            <a:r>
+              <a:rPr lang="en-IE" sz="3900" dirty="0">
+                <a:latin typeface="Times New Roman" panose="02020603050405020304" pitchFamily="18" charset="0"/>
+                <a:cs typeface="Times New Roman" panose="02020603050405020304" pitchFamily="18" charset="0"/>
+              </a:rPr>
+              <a:t> Arduino, the Arduino </a:t>
             </a:r>
             <a:r>
               <a:rPr lang="pl-PL" sz="3900" dirty="0">
@@ -3750,7 +3764,7 @@
                 <a:latin typeface="Times New Roman" panose="02020603050405020304" pitchFamily="18" charset="0"/>
                 <a:cs typeface="Times New Roman" panose="02020603050405020304" pitchFamily="18" charset="0"/>
               </a:rPr>
-              <a:t> and sound receiver </a:t>
+              <a:t> and sound sensor </a:t>
             </a:r>
             <a:r>
               <a:rPr lang="en-IE" sz="3900" dirty="0">
@@ -3833,7 +3847,21 @@
                 <a:latin typeface="Times New Roman" panose="02020603050405020304" pitchFamily="18" charset="0"/>
                 <a:cs typeface="Times New Roman" panose="02020603050405020304" pitchFamily="18" charset="0"/>
               </a:rPr>
-              <a:t>a database of users, and an algorithm </a:t>
+              <a:t>a database of users</a:t>
+            </a:r>
+            <a:r>
+              <a:rPr lang="pl-PL" sz="3900" dirty="0">
+                <a:latin typeface="Times New Roman" panose="02020603050405020304" pitchFamily="18" charset="0"/>
+                <a:cs typeface="Times New Roman" panose="02020603050405020304" pitchFamily="18" charset="0"/>
+              </a:rPr>
+              <a:t>, stored in Firebase</a:t>
+            </a:r>
+            <a:r>
+              <a:rPr lang="en-IE" sz="3900" dirty="0">
+                <a:latin typeface="Times New Roman" panose="02020603050405020304" pitchFamily="18" charset="0"/>
+                <a:cs typeface="Times New Roman" panose="02020603050405020304" pitchFamily="18" charset="0"/>
+              </a:rPr>
+              <a:t>, and an algorithm </a:t>
             </a:r>
             <a:r>
               <a:rPr lang="pl-PL" sz="3900" dirty="0">
@@ -3880,10 +3908,8 @@
                 <a:latin typeface="Times New Roman" panose="02020603050405020304" pitchFamily="18" charset="0"/>
                 <a:cs typeface="Times New Roman" panose="02020603050405020304" pitchFamily="18" charset="0"/>
               </a:rPr>
-              <a:t>Google API is used to display map too.</a:t>
-            </a:r>
-          </a:p>
-          <a:p>
+              <a:t>Google API is used to display a map.</a:t>
+            </a:r>
             <a:endParaRPr lang="pl-PL" sz="4000" dirty="0">
               <a:latin typeface="Times New Roman" panose="02020603050405020304" pitchFamily="18" charset="0"/>
               <a:cs typeface="Times New Roman" panose="02020603050405020304" pitchFamily="18" charset="0"/>
@@ -3991,7 +4017,7 @@
         </p:nvSpPr>
         <p:spPr>
           <a:xfrm>
-            <a:off x="7751457" y="3983604"/>
+            <a:off x="7516855" y="3833868"/>
             <a:ext cx="15006544" cy="13278405"/>
           </a:xfrm>
           <a:prstGeom prst="roundRect">
@@ -4228,8 +4254,8 @@
         </p:nvSpPr>
         <p:spPr>
           <a:xfrm>
-            <a:off x="22928678" y="12022289"/>
-            <a:ext cx="7237203" cy="5239720"/>
+            <a:off x="22758358" y="10691812"/>
+            <a:ext cx="7407523" cy="6570197"/>
           </a:xfrm>
           <a:prstGeom prst="roundRect">
             <a:avLst/>
@@ -4290,7 +4316,20 @@
                 <a:latin typeface="Times New Roman" panose="02020603050405020304" pitchFamily="18" charset="0"/>
                 <a:cs typeface="Times New Roman" panose="02020603050405020304" pitchFamily="18" charset="0"/>
               </a:rPr>
-              <a:t>Escapes</a:t>
+              <a:t>Routing Applications</a:t>
+            </a:r>
+          </a:p>
+          <a:p>
+            <a:pPr marL="685800" indent="-685800">
+              <a:buFont typeface="Arial" panose="020B0604020202020204" pitchFamily="34" charset="0"/>
+              <a:buChar char="•"/>
+            </a:pPr>
+            <a:r>
+              <a:rPr lang="pl-PL" sz="4000" dirty="0">
+                <a:latin typeface="Times New Roman" panose="02020603050405020304" pitchFamily="18" charset="0"/>
+                <a:cs typeface="Times New Roman" panose="02020603050405020304" pitchFamily="18" charset="0"/>
+              </a:rPr>
+              <a:t>Arduino Mobile Applications</a:t>
             </a:r>
           </a:p>
           <a:p>
@@ -4341,7 +4380,7 @@
         </p:blipFill>
         <p:spPr bwMode="auto">
           <a:xfrm>
-            <a:off x="12597765" y="5405609"/>
+            <a:off x="12455354" y="5647367"/>
             <a:ext cx="5269642" cy="3955726"/>
           </a:xfrm>
           <a:prstGeom prst="rect">
@@ -4373,7 +4412,7 @@
         </p:nvSpPr>
         <p:spPr>
           <a:xfrm>
-            <a:off x="13463532" y="5265210"/>
+            <a:off x="13348321" y="5701519"/>
             <a:ext cx="1203960" cy="1059180"/>
           </a:xfrm>
           <a:prstGeom prst="rect">
@@ -4442,7 +4481,7 @@
         </p:blipFill>
         <p:spPr bwMode="auto">
           <a:xfrm rot="11475800">
-            <a:off x="13515439" y="5372315"/>
+            <a:off x="13279607" y="5748433"/>
             <a:ext cx="965351" cy="965351"/>
           </a:xfrm>
           <a:prstGeom prst="rect">
@@ -4474,8 +4513,8 @@
         </p:nvSpPr>
         <p:spPr>
           <a:xfrm>
-            <a:off x="14629294" y="9631926"/>
-            <a:ext cx="866664" cy="1981200"/>
+            <a:off x="14434990" y="10376535"/>
+            <a:ext cx="866664" cy="1457966"/>
           </a:xfrm>
           <a:prstGeom prst="downArrow">
             <a:avLst/>
@@ -4535,8 +4574,8 @@
         </p:blipFill>
         <p:spPr bwMode="auto">
           <a:xfrm>
-            <a:off x="18396029" y="8526943"/>
-            <a:ext cx="4145339" cy="7369493"/>
+            <a:off x="18736228" y="10955138"/>
+            <a:ext cx="3089389" cy="5492247"/>
           </a:xfrm>
           <a:prstGeom prst="rect">
             <a:avLst/>
@@ -4582,8 +4621,8 @@
         </p:blipFill>
         <p:spPr bwMode="auto">
           <a:xfrm>
-            <a:off x="8101941" y="8495580"/>
-            <a:ext cx="4145340" cy="7369493"/>
+            <a:off x="8311122" y="10955138"/>
+            <a:ext cx="3089389" cy="5492247"/>
           </a:xfrm>
           <a:prstGeom prst="rect">
             <a:avLst/>
@@ -4614,7 +4653,7 @@
         </p:nvSpPr>
         <p:spPr>
           <a:xfrm>
-            <a:off x="8254804" y="7563405"/>
+            <a:off x="8100151" y="10276557"/>
             <a:ext cx="3640661" cy="692497"/>
           </a:xfrm>
           <a:prstGeom prst="rect">
@@ -4636,7 +4675,7 @@
                 <a:latin typeface="Times New Roman" panose="02020603050405020304" pitchFamily="18" charset="0"/>
                 <a:cs typeface="Times New Roman" panose="02020603050405020304" pitchFamily="18" charset="0"/>
               </a:rPr>
-              <a:t>Starting Point:</a:t>
+              <a:t>No Route</a:t>
             </a:r>
             <a:endParaRPr lang="en-IE" sz="3900" dirty="0">
               <a:solidFill>
@@ -4662,7 +4701,7 @@
         </p:nvSpPr>
         <p:spPr>
           <a:xfrm>
-            <a:off x="19117340" y="7785318"/>
+            <a:off x="18617566" y="10178301"/>
             <a:ext cx="3640661" cy="692497"/>
           </a:xfrm>
           <a:prstGeom prst="rect">
@@ -4677,14 +4716,14 @@
           <a:lstStyle/>
           <a:p>
             <a:r>
-              <a:rPr lang="pl-PL" sz="3900" dirty="0">
+              <a:rPr lang="pl-PL" sz="3900">
                 <a:solidFill>
                   <a:schemeClr val="bg1"/>
                 </a:solidFill>
                 <a:latin typeface="Times New Roman" panose="02020603050405020304" pitchFamily="18" charset="0"/>
                 <a:cs typeface="Times New Roman" panose="02020603050405020304" pitchFamily="18" charset="0"/>
               </a:rPr>
-              <a:t>End Point:</a:t>
+              <a:t>Route Drawn</a:t>
             </a:r>
             <a:endParaRPr lang="en-IE" sz="3900" dirty="0">
               <a:solidFill>
@@ -4710,8 +4749,8 @@
         </p:nvSpPr>
         <p:spPr>
           <a:xfrm>
-            <a:off x="16022815" y="10717638"/>
-            <a:ext cx="2146162" cy="775504"/>
+            <a:off x="16385143" y="13137982"/>
+            <a:ext cx="1880245" cy="496326"/>
           </a:xfrm>
           <a:prstGeom prst="rightArrow">
             <a:avLst/>
@@ -4756,8 +4795,8 @@
         </p:nvSpPr>
         <p:spPr>
           <a:xfrm>
-            <a:off x="12102412" y="10717638"/>
-            <a:ext cx="2146162" cy="775504"/>
+            <a:off x="11740812" y="13129678"/>
+            <a:ext cx="1880245" cy="515984"/>
           </a:xfrm>
           <a:prstGeom prst="rightArrow">
             <a:avLst/>
@@ -4802,7 +4841,7 @@
         </p:nvSpPr>
         <p:spPr>
           <a:xfrm>
-            <a:off x="13762892" y="12022289"/>
+            <a:off x="13768919" y="12266982"/>
             <a:ext cx="3165231" cy="3693319"/>
           </a:xfrm>
           <a:prstGeom prst="rect">
@@ -4824,7 +4863,7 @@
                 <a:latin typeface="Times New Roman" panose="02020603050405020304" pitchFamily="18" charset="0"/>
                 <a:cs typeface="Times New Roman" panose="02020603050405020304" pitchFamily="18" charset="0"/>
               </a:rPr>
-              <a:t>Alarm Is Received Through Arduino and Bluetooth Module</a:t>
+              <a:t>Alarm Is Received Through a Bluetooth Module and a Sound Sensor</a:t>
             </a:r>
             <a:endParaRPr lang="en-IE" sz="3900" dirty="0">
               <a:solidFill>
@@ -4850,7 +4889,7 @@
         </p:nvSpPr>
         <p:spPr>
           <a:xfrm>
-            <a:off x="22888643" y="5511705"/>
+            <a:off x="22888643" y="4827139"/>
             <a:ext cx="7277238" cy="5544221"/>
           </a:xfrm>
           <a:prstGeom prst="roundRect">
@@ -4886,7 +4925,7 @@
                 <a:latin typeface="Times New Roman" panose="02020603050405020304" pitchFamily="18" charset="0"/>
                 <a:cs typeface="Times New Roman" panose="02020603050405020304" pitchFamily="18" charset="0"/>
               </a:rPr>
-              <a:t>Things Learnt</a:t>
+              <a:t>Things I learned</a:t>
             </a:r>
           </a:p>
           <a:p>
@@ -4973,6 +5012,192 @@
           </a:p>
         </p:txBody>
       </p:sp>
+      <p:sp>
+        <p:nvSpPr>
+          <p:cNvPr id="5" name="Arrow: Right 4">
+            <a:extLst>
+              <a:ext uri="{FF2B5EF4-FFF2-40B4-BE49-F238E27FC236}">
+                <a16:creationId xmlns:a16="http://schemas.microsoft.com/office/drawing/2014/main" id="{3C5026EF-E6D3-4814-B79B-00BADD6FEE46}"/>
+              </a:ext>
+            </a:extLst>
+          </p:cNvPr>
+          <p:cNvSpPr/>
+          <p:nvPr/>
+        </p:nvSpPr>
+        <p:spPr>
+          <a:xfrm>
+            <a:off x="17789885" y="7488526"/>
+            <a:ext cx="951006" cy="648719"/>
+          </a:xfrm>
+          <a:prstGeom prst="rightArrow">
+            <a:avLst/>
+          </a:prstGeom>
+        </p:spPr>
+        <p:style>
+          <a:lnRef idx="2">
+            <a:schemeClr val="accent1">
+              <a:shade val="50000"/>
+            </a:schemeClr>
+          </a:lnRef>
+          <a:fillRef idx="1">
+            <a:schemeClr val="accent1"/>
+          </a:fillRef>
+          <a:effectRef idx="0">
+            <a:schemeClr val="accent1"/>
+          </a:effectRef>
+          <a:fontRef idx="minor">
+            <a:schemeClr val="lt1"/>
+          </a:fontRef>
+        </p:style>
+        <p:txBody>
+          <a:bodyPr rtlCol="0" anchor="ctr"/>
+          <a:lstStyle/>
+          <a:p>
+            <a:pPr algn="ctr"/>
+            <a:endParaRPr lang="en-IE"/>
+          </a:p>
+        </p:txBody>
+      </p:sp>
+      <p:sp>
+        <p:nvSpPr>
+          <p:cNvPr id="32" name="Arrow: Right 31">
+            <a:extLst>
+              <a:ext uri="{FF2B5EF4-FFF2-40B4-BE49-F238E27FC236}">
+                <a16:creationId xmlns:a16="http://schemas.microsoft.com/office/drawing/2014/main" id="{1C4D7B3F-D9ED-4DD4-9F8A-D573DD3F468C}"/>
+              </a:ext>
+            </a:extLst>
+          </p:cNvPr>
+          <p:cNvSpPr/>
+          <p:nvPr/>
+        </p:nvSpPr>
+        <p:spPr>
+          <a:xfrm rot="10800000">
+            <a:off x="11432487" y="7488527"/>
+            <a:ext cx="951006" cy="648719"/>
+          </a:xfrm>
+          <a:prstGeom prst="rightArrow">
+            <a:avLst/>
+          </a:prstGeom>
+        </p:spPr>
+        <p:style>
+          <a:lnRef idx="2">
+            <a:schemeClr val="accent1">
+              <a:shade val="50000"/>
+            </a:schemeClr>
+          </a:lnRef>
+          <a:fillRef idx="1">
+            <a:schemeClr val="accent1"/>
+          </a:fillRef>
+          <a:effectRef idx="0">
+            <a:schemeClr val="accent1"/>
+          </a:effectRef>
+          <a:fontRef idx="minor">
+            <a:schemeClr val="lt1"/>
+          </a:fontRef>
+        </p:style>
+        <p:txBody>
+          <a:bodyPr rtlCol="0" anchor="ctr"/>
+          <a:lstStyle/>
+          <a:p>
+            <a:pPr algn="ctr"/>
+            <a:endParaRPr lang="en-IE"/>
+          </a:p>
+        </p:txBody>
+      </p:sp>
+      <p:pic>
+        <p:nvPicPr>
+          <p:cNvPr id="13" name="Picture 6" descr="https://scontent-dub4-1.xx.fbcdn.net/v/t1.15752-9/55492858_398401657655248_5820430342556745728_n.jpg?_nc_cat=103&amp;_nc_ht=scontent-dub4-1.xx&amp;oh=5f53a3d00810876fb0a425ccf63d4563&amp;oe=5D12DDE7">
+            <a:extLst>
+              <a:ext uri="{FF2B5EF4-FFF2-40B4-BE49-F238E27FC236}">
+                <a16:creationId xmlns:a16="http://schemas.microsoft.com/office/drawing/2014/main" id="{B1C021FF-2D76-4576-B331-5C3E7F78398D}"/>
+              </a:ext>
+            </a:extLst>
+          </p:cNvPr>
+          <p:cNvPicPr>
+            <a:picLocks noChangeAspect="1" noChangeArrowheads="1"/>
+          </p:cNvPicPr>
+          <p:nvPr/>
+        </p:nvPicPr>
+        <p:blipFill>
+          <a:blip r:embed="rId14">
+            <a:extLst>
+              <a:ext uri="{28A0092B-C50C-407E-A947-70E740481C1C}">
+                <a14:useLocalDpi xmlns:a14="http://schemas.microsoft.com/office/drawing/2010/main" val="0"/>
+              </a:ext>
+            </a:extLst>
+          </a:blip>
+          <a:srcRect/>
+          <a:stretch>
+            <a:fillRect/>
+          </a:stretch>
+        </p:blipFill>
+        <p:spPr bwMode="auto">
+          <a:xfrm>
+            <a:off x="18743390" y="4643884"/>
+            <a:ext cx="3089389" cy="5492247"/>
+          </a:xfrm>
+          <a:prstGeom prst="rect">
+            <a:avLst/>
+          </a:prstGeom>
+          <a:noFill/>
+          <a:extLst>
+            <a:ext uri="{909E8E84-426E-40DD-AFC4-6F175D3DCCD1}">
+              <a14:hiddenFill xmlns:a14="http://schemas.microsoft.com/office/drawing/2010/main">
+                <a:solidFill>
+                  <a:srgbClr val="FFFFFF"/>
+                </a:solidFill>
+              </a14:hiddenFill>
+            </a:ext>
+          </a:extLst>
+        </p:spPr>
+      </p:pic>
+      <p:pic>
+        <p:nvPicPr>
+          <p:cNvPr id="15" name="Picture 8" descr="https://scontent-dub4-1.xx.fbcdn.net/v/t1.15752-9/55669623_353453958619755_8894604677031657472_n.jpg?_nc_cat=111&amp;_nc_ht=scontent-dub4-1.xx&amp;oh=6622d93056fc0ec05ec80434bcf87ba0&amp;oe=5D4417D2">
+            <a:extLst>
+              <a:ext uri="{FF2B5EF4-FFF2-40B4-BE49-F238E27FC236}">
+                <a16:creationId xmlns:a16="http://schemas.microsoft.com/office/drawing/2014/main" id="{B8E4FBB6-ACC0-4619-9299-1F0D3DC78BEE}"/>
+              </a:ext>
+            </a:extLst>
+          </p:cNvPr>
+          <p:cNvPicPr>
+            <a:picLocks noChangeAspect="1" noChangeArrowheads="1"/>
+          </p:cNvPicPr>
+          <p:nvPr/>
+        </p:nvPicPr>
+        <p:blipFill>
+          <a:blip r:embed="rId15">
+            <a:extLst>
+              <a:ext uri="{28A0092B-C50C-407E-A947-70E740481C1C}">
+                <a14:useLocalDpi xmlns:a14="http://schemas.microsoft.com/office/drawing/2010/main" val="0"/>
+              </a:ext>
+            </a:extLst>
+          </a:blip>
+          <a:srcRect/>
+          <a:stretch>
+            <a:fillRect/>
+          </a:stretch>
+        </p:blipFill>
+        <p:spPr bwMode="auto">
+          <a:xfrm>
+            <a:off x="8311123" y="4686054"/>
+            <a:ext cx="3089389" cy="5492247"/>
+          </a:xfrm>
+          <a:prstGeom prst="rect">
+            <a:avLst/>
+          </a:prstGeom>
+          <a:noFill/>
+          <a:extLst>
+            <a:ext uri="{909E8E84-426E-40DD-AFC4-6F175D3DCCD1}">
+              <a14:hiddenFill xmlns:a14="http://schemas.microsoft.com/office/drawing/2010/main">
+                <a:solidFill>
+                  <a:srgbClr val="FFFFFF"/>
+                </a:solidFill>
+              </a14:hiddenFill>
+            </a:ext>
+          </a:extLst>
+        </p:spPr>
+      </p:pic>
     </p:spTree>
     <p:extLst>
       <p:ext uri="{BB962C8B-B14F-4D97-AF65-F5344CB8AC3E}">

--- a/EXTRAS/Poster.pptx
+++ b/EXTRAS/Poster.pptx
@@ -243,7 +243,7 @@
           <a:p>
             <a:fld id="{F3CCB074-B352-4EF1-B0AC-EE2A18CA649A}" type="datetimeFigureOut">
               <a:rPr lang="en-IE" smtClean="0"/>
-              <a:t>27/03/2019</a:t>
+              <a:t>01/04/2019</a:t>
             </a:fld>
             <a:endParaRPr lang="en-IE"/>
           </a:p>
@@ -413,7 +413,7 @@
           <a:p>
             <a:fld id="{F3CCB074-B352-4EF1-B0AC-EE2A18CA649A}" type="datetimeFigureOut">
               <a:rPr lang="en-IE" smtClean="0"/>
-              <a:t>27/03/2019</a:t>
+              <a:t>01/04/2019</a:t>
             </a:fld>
             <a:endParaRPr lang="en-IE"/>
           </a:p>
@@ -593,7 +593,7 @@
           <a:p>
             <a:fld id="{F3CCB074-B352-4EF1-B0AC-EE2A18CA649A}" type="datetimeFigureOut">
               <a:rPr lang="en-IE" smtClean="0"/>
-              <a:t>27/03/2019</a:t>
+              <a:t>01/04/2019</a:t>
             </a:fld>
             <a:endParaRPr lang="en-IE"/>
           </a:p>
@@ -763,7 +763,7 @@
           <a:p>
             <a:fld id="{F3CCB074-B352-4EF1-B0AC-EE2A18CA649A}" type="datetimeFigureOut">
               <a:rPr lang="en-IE" smtClean="0"/>
-              <a:t>27/03/2019</a:t>
+              <a:t>01/04/2019</a:t>
             </a:fld>
             <a:endParaRPr lang="en-IE"/>
           </a:p>
@@ -1007,7 +1007,7 @@
           <a:p>
             <a:fld id="{F3CCB074-B352-4EF1-B0AC-EE2A18CA649A}" type="datetimeFigureOut">
               <a:rPr lang="en-IE" smtClean="0"/>
-              <a:t>27/03/2019</a:t>
+              <a:t>01/04/2019</a:t>
             </a:fld>
             <a:endParaRPr lang="en-IE"/>
           </a:p>
@@ -1239,7 +1239,7 @@
           <a:p>
             <a:fld id="{F3CCB074-B352-4EF1-B0AC-EE2A18CA649A}" type="datetimeFigureOut">
               <a:rPr lang="en-IE" smtClean="0"/>
-              <a:t>27/03/2019</a:t>
+              <a:t>01/04/2019</a:t>
             </a:fld>
             <a:endParaRPr lang="en-IE"/>
           </a:p>
@@ -1606,7 +1606,7 @@
           <a:p>
             <a:fld id="{F3CCB074-B352-4EF1-B0AC-EE2A18CA649A}" type="datetimeFigureOut">
               <a:rPr lang="en-IE" smtClean="0"/>
-              <a:t>27/03/2019</a:t>
+              <a:t>01/04/2019</a:t>
             </a:fld>
             <a:endParaRPr lang="en-IE"/>
           </a:p>
@@ -1724,7 +1724,7 @@
           <a:p>
             <a:fld id="{F3CCB074-B352-4EF1-B0AC-EE2A18CA649A}" type="datetimeFigureOut">
               <a:rPr lang="en-IE" smtClean="0"/>
-              <a:t>27/03/2019</a:t>
+              <a:t>01/04/2019</a:t>
             </a:fld>
             <a:endParaRPr lang="en-IE"/>
           </a:p>
@@ -1819,7 +1819,7 @@
           <a:p>
             <a:fld id="{F3CCB074-B352-4EF1-B0AC-EE2A18CA649A}" type="datetimeFigureOut">
               <a:rPr lang="en-IE" smtClean="0"/>
-              <a:t>27/03/2019</a:t>
+              <a:t>01/04/2019</a:t>
             </a:fld>
             <a:endParaRPr lang="en-IE"/>
           </a:p>
@@ -2096,7 +2096,7 @@
           <a:p>
             <a:fld id="{F3CCB074-B352-4EF1-B0AC-EE2A18CA649A}" type="datetimeFigureOut">
               <a:rPr lang="en-IE" smtClean="0"/>
-              <a:t>27/03/2019</a:t>
+              <a:t>01/04/2019</a:t>
             </a:fld>
             <a:endParaRPr lang="en-IE"/>
           </a:p>
@@ -2353,7 +2353,7 @@
           <a:p>
             <a:fld id="{F3CCB074-B352-4EF1-B0AC-EE2A18CA649A}" type="datetimeFigureOut">
               <a:rPr lang="en-IE" smtClean="0"/>
-              <a:t>27/03/2019</a:t>
+              <a:t>01/04/2019</a:t>
             </a:fld>
             <a:endParaRPr lang="en-IE"/>
           </a:p>
@@ -2566,7 +2566,7 @@
           <a:p>
             <a:fld id="{F3CCB074-B352-4EF1-B0AC-EE2A18CA649A}" type="datetimeFigureOut">
               <a:rPr lang="en-IE" smtClean="0"/>
-              <a:t>27/03/2019</a:t>
+              <a:t>01/04/2019</a:t>
             </a:fld>
             <a:endParaRPr lang="en-IE"/>
           </a:p>
@@ -3029,7 +3029,7 @@
                 <a:latin typeface="Times New Roman" panose="02020603050405020304" pitchFamily="18" charset="0"/>
                 <a:cs typeface="Times New Roman" panose="02020603050405020304" pitchFamily="18" charset="0"/>
               </a:rPr>
-              <a:t>Emergency Escaper Application with Arduino</a:t>
+              <a:t>Emergency Escape Application with Arduino</a:t>
             </a:r>
           </a:p>
           <a:p>
@@ -3561,8 +3561,8 @@
         </p:nvSpPr>
         <p:spPr>
           <a:xfrm>
-            <a:off x="554950" y="4081859"/>
-            <a:ext cx="6836082" cy="13180150"/>
+            <a:off x="113092" y="4057523"/>
+            <a:ext cx="7232452" cy="13180150"/>
           </a:xfrm>
           <a:prstGeom prst="roundRect">
             <a:avLst/>
@@ -3669,9 +3669,6 @@
               </a:rPr>
               <a:t>Introduction</a:t>
             </a:r>
-          </a:p>
-          <a:p>
-            <a:pPr algn="ctr"/>
             <a:endParaRPr lang="pl-PL" sz="3900" dirty="0">
               <a:latin typeface="Times New Roman" panose="02020603050405020304" pitchFamily="18" charset="0"/>
               <a:cs typeface="Times New Roman" panose="02020603050405020304" pitchFamily="18" charset="0"/>
@@ -3683,25 +3680,91 @@
               <a:buChar char="•"/>
             </a:pPr>
             <a:r>
+              <a:rPr lang="pl-PL" sz="3900" dirty="0">
+                <a:latin typeface="Times New Roman" panose="02020603050405020304" pitchFamily="18" charset="0"/>
+                <a:cs typeface="Times New Roman" panose="02020603050405020304" pitchFamily="18" charset="0"/>
+              </a:rPr>
+              <a:t>An</a:t>
+            </a:r>
+            <a:r>
               <a:rPr lang="en-IE" sz="3900" dirty="0">
                 <a:latin typeface="Times New Roman" panose="02020603050405020304" pitchFamily="18" charset="0"/>
                 <a:cs typeface="Times New Roman" panose="02020603050405020304" pitchFamily="18" charset="0"/>
               </a:rPr>
-              <a:t>In the project I use</a:t>
+              <a:t> Arduino</a:t>
             </a:r>
             <a:r>
               <a:rPr lang="pl-PL" sz="3900" dirty="0">
                 <a:latin typeface="Times New Roman" panose="02020603050405020304" pitchFamily="18" charset="0"/>
                 <a:cs typeface="Times New Roman" panose="02020603050405020304" pitchFamily="18" charset="0"/>
               </a:rPr>
-              <a:t> an</a:t>
+              <a:t> board is</a:t>
             </a:r>
             <a:r>
               <a:rPr lang="en-IE" sz="3900" dirty="0">
                 <a:latin typeface="Times New Roman" panose="02020603050405020304" pitchFamily="18" charset="0"/>
                 <a:cs typeface="Times New Roman" panose="02020603050405020304" pitchFamily="18" charset="0"/>
               </a:rPr>
-              <a:t> Arduino, the Arduino </a:t>
+              <a:t> connected to </a:t>
+            </a:r>
+            <a:r>
+              <a:rPr lang="pl-PL" sz="3900" dirty="0">
+                <a:latin typeface="Times New Roman" panose="02020603050405020304" pitchFamily="18" charset="0"/>
+                <a:cs typeface="Times New Roman" panose="02020603050405020304" pitchFamily="18" charset="0"/>
+              </a:rPr>
+              <a:t>a mobile</a:t>
+            </a:r>
+            <a:r>
+              <a:rPr lang="en-IE" sz="3900" dirty="0">
+                <a:latin typeface="Times New Roman" panose="02020603050405020304" pitchFamily="18" charset="0"/>
+                <a:cs typeface="Times New Roman" panose="02020603050405020304" pitchFamily="18" charset="0"/>
+              </a:rPr>
+              <a:t> application</a:t>
+            </a:r>
+            <a:r>
+              <a:rPr lang="pl-PL" sz="3900" dirty="0">
+                <a:latin typeface="Times New Roman" panose="02020603050405020304" pitchFamily="18" charset="0"/>
+                <a:cs typeface="Times New Roman" panose="02020603050405020304" pitchFamily="18" charset="0"/>
+              </a:rPr>
+              <a:t>, </a:t>
+            </a:r>
+            <a:r>
+              <a:rPr lang="en-IE" sz="3900" dirty="0">
+                <a:latin typeface="Times New Roman" panose="02020603050405020304" pitchFamily="18" charset="0"/>
+                <a:cs typeface="Times New Roman" panose="02020603050405020304" pitchFamily="18" charset="0"/>
+              </a:rPr>
+              <a:t>a buzzer</a:t>
+            </a:r>
+            <a:r>
+              <a:rPr lang="pl-PL" sz="3900" dirty="0">
+                <a:latin typeface="Times New Roman" panose="02020603050405020304" pitchFamily="18" charset="0"/>
+                <a:cs typeface="Times New Roman" panose="02020603050405020304" pitchFamily="18" charset="0"/>
+              </a:rPr>
+              <a:t> and a sound sensor </a:t>
+            </a:r>
+            <a:r>
+              <a:rPr lang="en-IE" sz="3900" dirty="0">
+                <a:latin typeface="Times New Roman" panose="02020603050405020304" pitchFamily="18" charset="0"/>
+                <a:cs typeface="Times New Roman" panose="02020603050405020304" pitchFamily="18" charset="0"/>
+              </a:rPr>
+              <a:t>in Arduino. </a:t>
+            </a:r>
+            <a:endParaRPr lang="pl-PL" sz="3900" dirty="0">
+              <a:latin typeface="Times New Roman" panose="02020603050405020304" pitchFamily="18" charset="0"/>
+              <a:cs typeface="Times New Roman" panose="02020603050405020304" pitchFamily="18" charset="0"/>
+            </a:endParaRPr>
+          </a:p>
+          <a:p>
+            <a:pPr marL="571500" indent="-571500">
+              <a:buFont typeface="Arial" panose="020B0604020202020204" pitchFamily="34" charset="0"/>
+              <a:buChar char="•"/>
+            </a:pPr>
+            <a:r>
+              <a:rPr lang="en-IE" sz="3900" dirty="0">
+                <a:latin typeface="Times New Roman" panose="02020603050405020304" pitchFamily="18" charset="0"/>
+                <a:cs typeface="Times New Roman" panose="02020603050405020304" pitchFamily="18" charset="0"/>
+              </a:rPr>
+              <a:t>The buzzer will sound, and an emergency exit route </a:t>
             </a:r>
             <a:r>
               <a:rPr lang="pl-PL" sz="3900" dirty="0">
@@ -3715,80 +3778,51 @@
                 <a:latin typeface="Times New Roman" panose="02020603050405020304" pitchFamily="18" charset="0"/>
                 <a:cs typeface="Times New Roman" panose="02020603050405020304" pitchFamily="18" charset="0"/>
               </a:rPr>
-              <a:t> connected to </a:t>
+              <a:t> displayed on the</a:t>
             </a:r>
             <a:r>
               <a:rPr lang="pl-PL" sz="3900" dirty="0">
                 <a:latin typeface="Times New Roman" panose="02020603050405020304" pitchFamily="18" charset="0"/>
                 <a:cs typeface="Times New Roman" panose="02020603050405020304" pitchFamily="18" charset="0"/>
               </a:rPr>
-              <a:t>my mobile</a:t>
+              <a:t> screen</a:t>
             </a:r>
             <a:r>
               <a:rPr lang="en-IE" sz="3900" dirty="0">
                 <a:latin typeface="Times New Roman" panose="02020603050405020304" pitchFamily="18" charset="0"/>
                 <a:cs typeface="Times New Roman" panose="02020603050405020304" pitchFamily="18" charset="0"/>
               </a:rPr>
-              <a:t> application and I</a:t>
-            </a:r>
+              <a:t>.</a:t>
+            </a:r>
+            <a:endParaRPr lang="pl-PL" sz="3900" dirty="0">
+              <a:latin typeface="Times New Roman" panose="02020603050405020304" pitchFamily="18" charset="0"/>
+              <a:cs typeface="Times New Roman" panose="02020603050405020304" pitchFamily="18" charset="0"/>
+            </a:endParaRPr>
+          </a:p>
+          <a:p>
+            <a:pPr marL="571500" indent="-571500">
+              <a:buFont typeface="Arial" panose="020B0604020202020204" pitchFamily="34" charset="0"/>
+              <a:buChar char="•"/>
+            </a:pPr>
             <a:r>
               <a:rPr lang="pl-PL" sz="3900" dirty="0">
                 <a:latin typeface="Times New Roman" panose="02020603050405020304" pitchFamily="18" charset="0"/>
                 <a:cs typeface="Times New Roman" panose="02020603050405020304" pitchFamily="18" charset="0"/>
               </a:rPr>
-              <a:t> </a:t>
-            </a:r>
+              <a:t>I use a custom view in Arduino called GridView to display the graphs of the escape route.</a:t>
+            </a:r>
+          </a:p>
+          <a:p>
+            <a:pPr marL="571500" indent="-571500">
+              <a:buFont typeface="Arial" panose="020B0604020202020204" pitchFamily="34" charset="0"/>
+              <a:buChar char="•"/>
+            </a:pPr>
             <a:r>
               <a:rPr lang="en-IE" sz="3900" dirty="0">
                 <a:latin typeface="Times New Roman" panose="02020603050405020304" pitchFamily="18" charset="0"/>
                 <a:cs typeface="Times New Roman" panose="02020603050405020304" pitchFamily="18" charset="0"/>
               </a:rPr>
-              <a:t>programme</a:t>
-            </a:r>
-            <a:r>
-              <a:rPr lang="pl-PL" sz="3900" dirty="0">
-                <a:latin typeface="Times New Roman" panose="02020603050405020304" pitchFamily="18" charset="0"/>
-                <a:cs typeface="Times New Roman" panose="02020603050405020304" pitchFamily="18" charset="0"/>
-              </a:rPr>
-              <a:t>d</a:t>
-            </a:r>
-            <a:r>
-              <a:rPr lang="en-IE" sz="3900" dirty="0">
-                <a:latin typeface="Times New Roman" panose="02020603050405020304" pitchFamily="18" charset="0"/>
-                <a:cs typeface="Times New Roman" panose="02020603050405020304" pitchFamily="18" charset="0"/>
-              </a:rPr>
-              <a:t> a buzzer</a:t>
-            </a:r>
-            <a:r>
-              <a:rPr lang="pl-PL" sz="3900" dirty="0">
-                <a:latin typeface="Times New Roman" panose="02020603050405020304" pitchFamily="18" charset="0"/>
-                <a:cs typeface="Times New Roman" panose="02020603050405020304" pitchFamily="18" charset="0"/>
-              </a:rPr>
-              <a:t> and sound sensor </a:t>
-            </a:r>
-            <a:r>
-              <a:rPr lang="en-IE" sz="3900" dirty="0">
-                <a:latin typeface="Times New Roman" panose="02020603050405020304" pitchFamily="18" charset="0"/>
-                <a:cs typeface="Times New Roman" panose="02020603050405020304" pitchFamily="18" charset="0"/>
-              </a:rPr>
-              <a:t>in Arduino. </a:t>
-            </a:r>
-            <a:endParaRPr lang="pl-PL" sz="3900" dirty="0">
-              <a:latin typeface="Times New Roman" panose="02020603050405020304" pitchFamily="18" charset="0"/>
-              <a:cs typeface="Times New Roman" panose="02020603050405020304" pitchFamily="18" charset="0"/>
-            </a:endParaRPr>
-          </a:p>
-          <a:p>
-            <a:pPr marL="571500" indent="-571500">
-              <a:buFont typeface="Arial" panose="020B0604020202020204" pitchFamily="34" charset="0"/>
-              <a:buChar char="•"/>
-            </a:pPr>
-            <a:r>
-              <a:rPr lang="en-IE" sz="3900" dirty="0">
-                <a:latin typeface="Times New Roman" panose="02020603050405020304" pitchFamily="18" charset="0"/>
-                <a:cs typeface="Times New Roman" panose="02020603050405020304" pitchFamily="18" charset="0"/>
-              </a:rPr>
-              <a:t>The buzzer will sound, and an emergency exit route </a:t>
+              <a:t>The application </a:t>
             </a:r>
             <a:r>
               <a:rPr lang="pl-PL" sz="3900" dirty="0">
@@ -3802,37 +3836,6 @@
                 <a:latin typeface="Times New Roman" panose="02020603050405020304" pitchFamily="18" charset="0"/>
                 <a:cs typeface="Times New Roman" panose="02020603050405020304" pitchFamily="18" charset="0"/>
               </a:rPr>
-              <a:t> displayed on the screen.</a:t>
-            </a:r>
-            <a:endParaRPr lang="pl-PL" sz="3900" dirty="0">
-              <a:latin typeface="Times New Roman" panose="02020603050405020304" pitchFamily="18" charset="0"/>
-              <a:cs typeface="Times New Roman" panose="02020603050405020304" pitchFamily="18" charset="0"/>
-            </a:endParaRPr>
-          </a:p>
-          <a:p>
-            <a:pPr marL="571500" indent="-571500">
-              <a:buFont typeface="Arial" panose="020B0604020202020204" pitchFamily="34" charset="0"/>
-              <a:buChar char="•"/>
-            </a:pPr>
-            <a:r>
-              <a:rPr lang="en-IE" sz="3900" dirty="0">
-                <a:latin typeface="Times New Roman" panose="02020603050405020304" pitchFamily="18" charset="0"/>
-                <a:cs typeface="Times New Roman" panose="02020603050405020304" pitchFamily="18" charset="0"/>
-              </a:rPr>
-              <a:t>The application </a:t>
-            </a:r>
-            <a:r>
-              <a:rPr lang="pl-PL" sz="3900" dirty="0">
-                <a:latin typeface="Times New Roman" panose="02020603050405020304" pitchFamily="18" charset="0"/>
-                <a:cs typeface="Times New Roman" panose="02020603050405020304" pitchFamily="18" charset="0"/>
-              </a:rPr>
-              <a:t>is</a:t>
-            </a:r>
-            <a:r>
-              <a:rPr lang="en-IE" sz="3900" dirty="0">
-                <a:latin typeface="Times New Roman" panose="02020603050405020304" pitchFamily="18" charset="0"/>
-                <a:cs typeface="Times New Roman" panose="02020603050405020304" pitchFamily="18" charset="0"/>
-              </a:rPr>
               <a:t> for android, it </a:t>
             </a:r>
             <a:r>
@@ -3847,21 +3850,35 @@
                 <a:latin typeface="Times New Roman" panose="02020603050405020304" pitchFamily="18" charset="0"/>
                 <a:cs typeface="Times New Roman" panose="02020603050405020304" pitchFamily="18" charset="0"/>
               </a:rPr>
-              <a:t>a database of users</a:t>
+              <a:t>a</a:t>
             </a:r>
             <a:r>
               <a:rPr lang="pl-PL" sz="3900" dirty="0">
                 <a:latin typeface="Times New Roman" panose="02020603050405020304" pitchFamily="18" charset="0"/>
                 <a:cs typeface="Times New Roman" panose="02020603050405020304" pitchFamily="18" charset="0"/>
               </a:rPr>
-              <a:t>, stored in Firebase</a:t>
+              <a:t> firebase</a:t>
             </a:r>
             <a:r>
               <a:rPr lang="en-IE" sz="3900" dirty="0">
                 <a:latin typeface="Times New Roman" panose="02020603050405020304" pitchFamily="18" charset="0"/>
                 <a:cs typeface="Times New Roman" panose="02020603050405020304" pitchFamily="18" charset="0"/>
               </a:rPr>
-              <a:t>, and an algorithm </a:t>
+              <a:t> database of users</a:t>
+            </a:r>
+            <a:r>
+              <a:rPr lang="pl-PL" sz="3900" dirty="0">
+                <a:latin typeface="Times New Roman" panose="02020603050405020304" pitchFamily="18" charset="0"/>
+                <a:cs typeface="Times New Roman" panose="02020603050405020304" pitchFamily="18" charset="0"/>
+              </a:rPr>
+              <a:t>. Dijstras</a:t>
+            </a:r>
+            <a:r>
+              <a:rPr lang="en-IE" sz="3900" dirty="0">
+                <a:latin typeface="Times New Roman" panose="02020603050405020304" pitchFamily="18" charset="0"/>
+                <a:cs typeface="Times New Roman" panose="02020603050405020304" pitchFamily="18" charset="0"/>
+              </a:rPr>
+              <a:t> algorithm </a:t>
             </a:r>
             <a:r>
               <a:rPr lang="pl-PL" sz="3900" dirty="0">
@@ -3895,20 +3912,7 @@
                 <a:latin typeface="Times New Roman" panose="02020603050405020304" pitchFamily="18" charset="0"/>
                 <a:cs typeface="Times New Roman" panose="02020603050405020304" pitchFamily="18" charset="0"/>
               </a:rPr>
-              <a:t>Dijstras algorithm is in the background.</a:t>
-            </a:r>
-          </a:p>
-          <a:p>
-            <a:pPr marL="571500" indent="-571500">
-              <a:buFont typeface="Arial" panose="020B0604020202020204" pitchFamily="34" charset="0"/>
-              <a:buChar char="•"/>
-            </a:pPr>
-            <a:r>
-              <a:rPr lang="pl-PL" sz="3900" dirty="0">
-                <a:latin typeface="Times New Roman" panose="02020603050405020304" pitchFamily="18" charset="0"/>
-                <a:cs typeface="Times New Roman" panose="02020603050405020304" pitchFamily="18" charset="0"/>
-              </a:rPr>
-              <a:t>Google API is used to display a map.</a:t>
+              <a:t>Google Maps API is used to display the map with current location.</a:t>
             </a:r>
             <a:endParaRPr lang="pl-PL" sz="4000" dirty="0">
               <a:latin typeface="Times New Roman" panose="02020603050405020304" pitchFamily="18" charset="0"/>
@@ -4017,7 +4021,7 @@
         </p:nvSpPr>
         <p:spPr>
           <a:xfrm>
-            <a:off x="7516855" y="3833868"/>
+            <a:off x="7516855" y="4016748"/>
             <a:ext cx="15006544" cy="13278405"/>
           </a:xfrm>
           <a:prstGeom prst="roundRect">
@@ -4047,58 +4051,76 @@
           <a:bodyPr rtlCol="0" anchor="ctr"/>
           <a:lstStyle/>
           <a:p>
-            <a:pPr algn="ctr"/>
-            <a:endParaRPr lang="pl-PL" sz="5400" b="1" u="sng" dirty="0">
+            <a:endParaRPr lang="pl-PL" sz="2400" dirty="0">
               <a:latin typeface="Times New Roman" panose="02020603050405020304" pitchFamily="18" charset="0"/>
               <a:cs typeface="Times New Roman" panose="02020603050405020304" pitchFamily="18" charset="0"/>
             </a:endParaRPr>
           </a:p>
           <a:p>
-            <a:pPr algn="ctr"/>
-            <a:endParaRPr lang="pl-PL" sz="5400" b="1" u="sng" dirty="0">
-              <a:latin typeface="Times New Roman" panose="02020603050405020304" pitchFamily="18" charset="0"/>
-              <a:cs typeface="Times New Roman" panose="02020603050405020304" pitchFamily="18" charset="0"/>
-            </a:endParaRPr>
-          </a:p>
-          <a:p>
-            <a:pPr algn="ctr"/>
-            <a:endParaRPr lang="pl-PL" sz="5400" b="1" u="sng" dirty="0">
-              <a:latin typeface="Times New Roman" panose="02020603050405020304" pitchFamily="18" charset="0"/>
-              <a:cs typeface="Times New Roman" panose="02020603050405020304" pitchFamily="18" charset="0"/>
-            </a:endParaRPr>
-          </a:p>
-          <a:p>
-            <a:pPr algn="ctr"/>
-            <a:endParaRPr lang="pl-PL" sz="5400" b="1" u="sng" dirty="0">
-              <a:latin typeface="Times New Roman" panose="02020603050405020304" pitchFamily="18" charset="0"/>
-              <a:cs typeface="Times New Roman" panose="02020603050405020304" pitchFamily="18" charset="0"/>
-            </a:endParaRPr>
-          </a:p>
-          <a:p>
-            <a:pPr algn="ctr"/>
-            <a:endParaRPr lang="pl-PL" sz="5400" b="1" u="sng" dirty="0">
-              <a:latin typeface="Times New Roman" panose="02020603050405020304" pitchFamily="18" charset="0"/>
-              <a:cs typeface="Times New Roman" panose="02020603050405020304" pitchFamily="18" charset="0"/>
-            </a:endParaRPr>
-          </a:p>
-          <a:p>
-            <a:pPr algn="ctr"/>
-            <a:r>
-              <a:rPr lang="pl-PL" sz="5400" b="1" u="sng" dirty="0">
+            <a:r>
+              <a:rPr lang="pl-PL" sz="2400" dirty="0">
+                <a:latin typeface="Times New Roman" panose="02020603050405020304" pitchFamily="18" charset="0"/>
+                <a:cs typeface="Times New Roman" panose="02020603050405020304" pitchFamily="18" charset="0"/>
+              </a:rPr>
+              <a:t>												</a:t>
+            </a:r>
+            <a:r>
+              <a:rPr lang="pl-PL" sz="4800" b="1" u="sng" dirty="0">
                 <a:latin typeface="Times New Roman" panose="02020603050405020304" pitchFamily="18" charset="0"/>
                 <a:cs typeface="Times New Roman" panose="02020603050405020304" pitchFamily="18" charset="0"/>
               </a:rPr>
               <a:t>Overview</a:t>
             </a:r>
-          </a:p>
-          <a:p>
-            <a:pPr algn="ctr"/>
-            <a:endParaRPr lang="pl-PL" sz="5400" b="1" u="sng" dirty="0">
+            <a:endParaRPr lang="pl-PL" sz="4800" dirty="0">
               <a:latin typeface="Times New Roman" panose="02020603050405020304" pitchFamily="18" charset="0"/>
               <a:cs typeface="Times New Roman" panose="02020603050405020304" pitchFamily="18" charset="0"/>
             </a:endParaRPr>
           </a:p>
           <a:p>
+            <a:r>
+              <a:rPr lang="pl-PL" sz="4800" dirty="0">
+                <a:latin typeface="Times New Roman" panose="02020603050405020304" pitchFamily="18" charset="0"/>
+                <a:cs typeface="Times New Roman" panose="02020603050405020304" pitchFamily="18" charset="0"/>
+              </a:rPr>
+              <a:t>												  </a:t>
+            </a:r>
+            <a:r>
+              <a:rPr lang="pl-PL" sz="2000" dirty="0">
+                <a:latin typeface="Times New Roman" panose="02020603050405020304" pitchFamily="18" charset="0"/>
+                <a:cs typeface="Times New Roman" panose="02020603050405020304" pitchFamily="18" charset="0"/>
+              </a:rPr>
+              <a:t>Arduino Board</a:t>
+            </a:r>
+          </a:p>
+          <a:p>
+            <a:endParaRPr lang="pl-PL" sz="2400" dirty="0">
+              <a:latin typeface="Times New Roman" panose="02020603050405020304" pitchFamily="18" charset="0"/>
+              <a:cs typeface="Times New Roman" panose="02020603050405020304" pitchFamily="18" charset="0"/>
+            </a:endParaRPr>
+          </a:p>
+          <a:p>
+            <a:endParaRPr lang="pl-PL" sz="2400" dirty="0">
+              <a:latin typeface="Times New Roman" panose="02020603050405020304" pitchFamily="18" charset="0"/>
+              <a:cs typeface="Times New Roman" panose="02020603050405020304" pitchFamily="18" charset="0"/>
+            </a:endParaRPr>
+          </a:p>
+          <a:p>
+            <a:r>
+              <a:rPr lang="pl-PL" dirty="0">
+                <a:latin typeface="Times New Roman" panose="02020603050405020304" pitchFamily="18" charset="0"/>
+                <a:cs typeface="Times New Roman" panose="02020603050405020304" pitchFamily="18" charset="0"/>
+              </a:rPr>
+              <a:t>Bluetooth Arduino</a:t>
+            </a:r>
+          </a:p>
+          <a:p>
+            <a:r>
+              <a:rPr lang="pl-PL" dirty="0">
+                <a:latin typeface="Times New Roman" panose="02020603050405020304" pitchFamily="18" charset="0"/>
+                <a:cs typeface="Times New Roman" panose="02020603050405020304" pitchFamily="18" charset="0"/>
+              </a:rPr>
+              <a:t>				</a:t>
+            </a:r>
             <a:endParaRPr lang="pl-PL" sz="4000" dirty="0">
               <a:latin typeface="Times New Roman" panose="02020603050405020304" pitchFamily="18" charset="0"/>
               <a:cs typeface="Times New Roman" panose="02020603050405020304" pitchFamily="18" charset="0"/>
@@ -4135,35 +4157,23 @@
             </a:endParaRPr>
           </a:p>
           <a:p>
-            <a:endParaRPr lang="pl-PL" sz="4000" dirty="0">
-              <a:latin typeface="Times New Roman" panose="02020603050405020304" pitchFamily="18" charset="0"/>
-              <a:cs typeface="Times New Roman" panose="02020603050405020304" pitchFamily="18" charset="0"/>
-            </a:endParaRPr>
-          </a:p>
-          <a:p>
-            <a:endParaRPr lang="pl-PL" sz="4000" dirty="0">
-              <a:latin typeface="Times New Roman" panose="02020603050405020304" pitchFamily="18" charset="0"/>
-              <a:cs typeface="Times New Roman" panose="02020603050405020304" pitchFamily="18" charset="0"/>
-            </a:endParaRPr>
-          </a:p>
-          <a:p>
-            <a:endParaRPr lang="pl-PL" sz="4000" dirty="0">
-              <a:latin typeface="Times New Roman" panose="02020603050405020304" pitchFamily="18" charset="0"/>
-              <a:cs typeface="Times New Roman" panose="02020603050405020304" pitchFamily="18" charset="0"/>
-            </a:endParaRPr>
-          </a:p>
-          <a:p>
-            <a:endParaRPr lang="pl-PL" sz="4000" dirty="0">
-              <a:latin typeface="Times New Roman" panose="02020603050405020304" pitchFamily="18" charset="0"/>
-              <a:cs typeface="Times New Roman" panose="02020603050405020304" pitchFamily="18" charset="0"/>
-            </a:endParaRPr>
-          </a:p>
-          <a:p>
-            <a:pPr marL="685800" indent="-685800">
-              <a:buFont typeface="Arial" panose="020B0604020202020204" pitchFamily="34" charset="0"/>
-              <a:buChar char="•"/>
-            </a:pPr>
-            <a:endParaRPr lang="pl-PL" sz="4000" dirty="0">
+            <a:r>
+              <a:rPr lang="pl-PL" sz="4000" dirty="0">
+                <a:latin typeface="Times New Roman" panose="02020603050405020304" pitchFamily="18" charset="0"/>
+                <a:cs typeface="Times New Roman" panose="02020603050405020304" pitchFamily="18" charset="0"/>
+              </a:rPr>
+              <a:t>																								</a:t>
+            </a:r>
+          </a:p>
+          <a:p>
+            <a:r>
+              <a:rPr lang="pl-PL" sz="4000" dirty="0">
+                <a:latin typeface="Times New Roman" panose="02020603050405020304" pitchFamily="18" charset="0"/>
+                <a:cs typeface="Times New Roman" panose="02020603050405020304" pitchFamily="18" charset="0"/>
+              </a:rPr>
+              <a:t>						</a:t>
+            </a:r>
+            <a:endParaRPr lang="pl-PL" sz="5400" dirty="0">
               <a:latin typeface="Times New Roman" panose="02020603050405020304" pitchFamily="18" charset="0"/>
               <a:cs typeface="Times New Roman" panose="02020603050405020304" pitchFamily="18" charset="0"/>
             </a:endParaRPr>
@@ -4219,20 +4229,6 @@
           </a:p>
           <a:p>
             <a:pPr algn="ctr"/>
-            <a:endParaRPr lang="pl-PL" sz="5400" dirty="0">
-              <a:latin typeface="Times New Roman" panose="02020603050405020304" pitchFamily="18" charset="0"/>
-              <a:cs typeface="Times New Roman" panose="02020603050405020304" pitchFamily="18" charset="0"/>
-            </a:endParaRPr>
-          </a:p>
-          <a:p>
-            <a:pPr algn="ctr"/>
-            <a:endParaRPr lang="pl-PL" sz="5400" dirty="0">
-              <a:latin typeface="Times New Roman" panose="02020603050405020304" pitchFamily="18" charset="0"/>
-              <a:cs typeface="Times New Roman" panose="02020603050405020304" pitchFamily="18" charset="0"/>
-            </a:endParaRPr>
-          </a:p>
-          <a:p>
-            <a:pPr algn="ctr"/>
             <a:endParaRPr lang="en-IE" sz="5400" dirty="0">
               <a:latin typeface="Times New Roman" panose="02020603050405020304" pitchFamily="18" charset="0"/>
               <a:cs typeface="Times New Roman" panose="02020603050405020304" pitchFamily="18" charset="0"/>
@@ -4254,8 +4250,8 @@
         </p:nvSpPr>
         <p:spPr>
           <a:xfrm>
-            <a:off x="22758358" y="10691812"/>
-            <a:ext cx="7407523" cy="6570197"/>
+            <a:off x="22710408" y="10135076"/>
+            <a:ext cx="7455474" cy="7126933"/>
           </a:xfrm>
           <a:prstGeom prst="roundRect">
             <a:avLst/>
@@ -4290,7 +4286,7 @@
                 <a:latin typeface="Times New Roman" panose="02020603050405020304" pitchFamily="18" charset="0"/>
                 <a:cs typeface="Times New Roman" panose="02020603050405020304" pitchFamily="18" charset="0"/>
               </a:rPr>
-              <a:t>Use Cases</a:t>
+              <a:t>Possible Uses</a:t>
             </a:r>
           </a:p>
           <a:p>
@@ -4303,7 +4299,7 @@
                 <a:latin typeface="Times New Roman" panose="02020603050405020304" pitchFamily="18" charset="0"/>
                 <a:cs typeface="Times New Roman" panose="02020603050405020304" pitchFamily="18" charset="0"/>
               </a:rPr>
-              <a:t>Getting Routes in Colleges, app for new people around</a:t>
+              <a:t>Getting routes in college campus buildings, could be used for induction days</a:t>
             </a:r>
           </a:p>
           <a:p>
@@ -4343,6 +4339,19 @@
                 <a:cs typeface="Times New Roman" panose="02020603050405020304" pitchFamily="18" charset="0"/>
               </a:rPr>
               <a:t>Quickest way to a parking spot in a big Car Park</a:t>
+            </a:r>
+          </a:p>
+          <a:p>
+            <a:pPr marL="685800" indent="-685800">
+              <a:buFont typeface="Arial" panose="020B0604020202020204" pitchFamily="34" charset="0"/>
+              <a:buChar char="•"/>
+            </a:pPr>
+            <a:r>
+              <a:rPr lang="pl-PL" sz="4000" dirty="0">
+                <a:latin typeface="Times New Roman" panose="02020603050405020304" pitchFamily="18" charset="0"/>
+                <a:cs typeface="Times New Roman" panose="02020603050405020304" pitchFamily="18" charset="0"/>
+              </a:rPr>
+              <a:t>Emergency escapes at large events</a:t>
             </a:r>
             <a:endParaRPr lang="pl-PL" sz="5400" dirty="0">
               <a:latin typeface="Times New Roman" panose="02020603050405020304" pitchFamily="18" charset="0"/>
@@ -4380,8 +4389,8 @@
         </p:blipFill>
         <p:spPr bwMode="auto">
           <a:xfrm>
-            <a:off x="12455354" y="5647367"/>
-            <a:ext cx="5269642" cy="3955726"/>
+            <a:off x="12203140" y="5641861"/>
+            <a:ext cx="5438173" cy="4082236"/>
           </a:xfrm>
           <a:prstGeom prst="rect">
             <a:avLst/>
@@ -4412,7 +4421,7 @@
         </p:nvSpPr>
         <p:spPr>
           <a:xfrm>
-            <a:off x="13348321" y="5701519"/>
+            <a:off x="13454639" y="5703383"/>
             <a:ext cx="1203960" cy="1059180"/>
           </a:xfrm>
           <a:prstGeom prst="rect">
@@ -4481,7 +4490,7 @@
         </p:blipFill>
         <p:spPr bwMode="auto">
           <a:xfrm rot="11475800">
-            <a:off x="13279607" y="5748433"/>
+            <a:off x="13161842" y="5760590"/>
             <a:ext cx="965351" cy="965351"/>
           </a:xfrm>
           <a:prstGeom prst="rect">
@@ -4513,8 +4522,8 @@
         </p:nvSpPr>
         <p:spPr>
           <a:xfrm>
-            <a:off x="14434990" y="10376535"/>
-            <a:ext cx="866664" cy="1457966"/>
+            <a:off x="14526508" y="11580350"/>
+            <a:ext cx="761835" cy="3420748"/>
           </a:xfrm>
           <a:prstGeom prst="downArrow">
             <a:avLst/>
@@ -4574,8 +4583,8 @@
         </p:blipFill>
         <p:spPr bwMode="auto">
           <a:xfrm>
-            <a:off x="18736228" y="10955138"/>
-            <a:ext cx="3089389" cy="5492247"/>
+            <a:off x="18764778" y="10870798"/>
+            <a:ext cx="3463951" cy="6391211"/>
           </a:xfrm>
           <a:prstGeom prst="rect">
             <a:avLst/>
@@ -4621,8 +4630,8 @@
         </p:blipFill>
         <p:spPr bwMode="auto">
           <a:xfrm>
-            <a:off x="8311122" y="10955138"/>
-            <a:ext cx="3089389" cy="5492247"/>
+            <a:off x="7828712" y="10870798"/>
+            <a:ext cx="3612970" cy="6423059"/>
           </a:xfrm>
           <a:prstGeom prst="rect">
             <a:avLst/>
@@ -4689,58 +4698,10 @@
       </p:sp>
       <p:sp>
         <p:nvSpPr>
-          <p:cNvPr id="31" name="TextBox 30">
+          <p:cNvPr id="34" name="Arrow: Right 33">
             <a:extLst>
               <a:ext uri="{FF2B5EF4-FFF2-40B4-BE49-F238E27FC236}">
-                <a16:creationId xmlns:a16="http://schemas.microsoft.com/office/drawing/2014/main" id="{F84C8A8A-4FC0-43BD-A8F6-FB656D672B05}"/>
-              </a:ext>
-            </a:extLst>
-          </p:cNvPr>
-          <p:cNvSpPr txBox="1"/>
-          <p:nvPr/>
-        </p:nvSpPr>
-        <p:spPr>
-          <a:xfrm>
-            <a:off x="18617566" y="10178301"/>
-            <a:ext cx="3640661" cy="692497"/>
-          </a:xfrm>
-          <a:prstGeom prst="rect">
-            <a:avLst/>
-          </a:prstGeom>
-          <a:noFill/>
-        </p:spPr>
-        <p:txBody>
-          <a:bodyPr wrap="square" rtlCol="0">
-            <a:spAutoFit/>
-          </a:bodyPr>
-          <a:lstStyle/>
-          <a:p>
-            <a:r>
-              <a:rPr lang="pl-PL" sz="3900">
-                <a:solidFill>
-                  <a:schemeClr val="bg1"/>
-                </a:solidFill>
-                <a:latin typeface="Times New Roman" panose="02020603050405020304" pitchFamily="18" charset="0"/>
-                <a:cs typeface="Times New Roman" panose="02020603050405020304" pitchFamily="18" charset="0"/>
-              </a:rPr>
-              <a:t>Route Drawn</a:t>
-            </a:r>
-            <a:endParaRPr lang="en-IE" sz="3900" dirty="0">
-              <a:solidFill>
-                <a:schemeClr val="bg1"/>
-              </a:solidFill>
-              <a:latin typeface="Times New Roman" panose="02020603050405020304" pitchFamily="18" charset="0"/>
-              <a:cs typeface="Times New Roman" panose="02020603050405020304" pitchFamily="18" charset="0"/>
-            </a:endParaRPr>
-          </a:p>
-        </p:txBody>
-      </p:sp>
-      <p:sp>
-        <p:nvSpPr>
-          <p:cNvPr id="16" name="Arrow: Right 15">
-            <a:extLst>
-              <a:ext uri="{FF2B5EF4-FFF2-40B4-BE49-F238E27FC236}">
-                <a16:creationId xmlns:a16="http://schemas.microsoft.com/office/drawing/2014/main" id="{8FFE5EFE-0E7D-4047-B123-A9A97083D49D}"/>
+                <a16:creationId xmlns:a16="http://schemas.microsoft.com/office/drawing/2014/main" id="{C92A863F-C8A8-4717-8BF3-20A57BFCA913}"/>
               </a:ext>
             </a:extLst>
           </p:cNvPr>
@@ -4749,8 +4710,8 @@
         </p:nvSpPr>
         <p:spPr>
           <a:xfrm>
-            <a:off x="16385143" y="13137982"/>
-            <a:ext cx="1880245" cy="496326"/>
+            <a:off x="11602803" y="15001099"/>
+            <a:ext cx="2862845" cy="496326"/>
           </a:xfrm>
           <a:prstGeom prst="rightArrow">
             <a:avLst/>
@@ -4783,10 +4744,58 @@
       </p:sp>
       <p:sp>
         <p:nvSpPr>
-          <p:cNvPr id="34" name="Arrow: Right 33">
+          <p:cNvPr id="18" name="TextBox 17">
             <a:extLst>
               <a:ext uri="{FF2B5EF4-FFF2-40B4-BE49-F238E27FC236}">
-                <a16:creationId xmlns:a16="http://schemas.microsoft.com/office/drawing/2014/main" id="{C92A863F-C8A8-4717-8BF3-20A57BFCA913}"/>
+                <a16:creationId xmlns:a16="http://schemas.microsoft.com/office/drawing/2014/main" id="{81CABE9F-8AD9-425F-9E9A-22D3C878F12D}"/>
+              </a:ext>
+            </a:extLst>
+          </p:cNvPr>
+          <p:cNvSpPr txBox="1"/>
+          <p:nvPr/>
+        </p:nvSpPr>
+        <p:spPr>
+          <a:xfrm>
+            <a:off x="14969999" y="9906794"/>
+            <a:ext cx="3165231" cy="1323439"/>
+          </a:xfrm>
+          <a:prstGeom prst="rect">
+            <a:avLst/>
+          </a:prstGeom>
+          <a:noFill/>
+        </p:spPr>
+        <p:txBody>
+          <a:bodyPr wrap="square" rtlCol="0">
+            <a:spAutoFit/>
+          </a:bodyPr>
+          <a:lstStyle/>
+          <a:p>
+            <a:r>
+              <a:rPr lang="pl-PL" sz="2000" dirty="0">
+                <a:solidFill>
+                  <a:schemeClr val="bg1"/>
+                </a:solidFill>
+                <a:latin typeface="Times New Roman" panose="02020603050405020304" pitchFamily="18" charset="0"/>
+                <a:cs typeface="Times New Roman" panose="02020603050405020304" pitchFamily="18" charset="0"/>
+              </a:rPr>
+              <a:t>Alarm from buzzer is received through a sound sensor and Bluetooth module.</a:t>
+            </a:r>
+            <a:endParaRPr lang="en-IE" sz="2000" dirty="0">
+              <a:solidFill>
+                <a:schemeClr val="bg1"/>
+              </a:solidFill>
+              <a:latin typeface="Times New Roman" panose="02020603050405020304" pitchFamily="18" charset="0"/>
+              <a:cs typeface="Times New Roman" panose="02020603050405020304" pitchFamily="18" charset="0"/>
+            </a:endParaRPr>
+          </a:p>
+        </p:txBody>
+      </p:sp>
+      <p:sp>
+        <p:nvSpPr>
+          <p:cNvPr id="37" name="Rectangle: Rounded Corners 36">
+            <a:extLst>
+              <a:ext uri="{FF2B5EF4-FFF2-40B4-BE49-F238E27FC236}">
+                <a16:creationId xmlns:a16="http://schemas.microsoft.com/office/drawing/2014/main" id="{BE284CA8-2251-4EA5-9BC3-0EF516BA7319}"/>
               </a:ext>
             </a:extLst>
           </p:cNvPr>
@@ -4795,12 +4804,15 @@
         </p:nvSpPr>
         <p:spPr>
           <a:xfrm>
-            <a:off x="11740812" y="13129678"/>
-            <a:ext cx="1880245" cy="515984"/>
-          </a:xfrm>
-          <a:prstGeom prst="rightArrow">
+            <a:off x="22710407" y="4016748"/>
+            <a:ext cx="7455474" cy="5956635"/>
+          </a:xfrm>
+          <a:prstGeom prst="roundRect">
             <a:avLst/>
           </a:prstGeom>
+          <a:solidFill>
+            <a:schemeClr val="accent5"/>
+          </a:solidFill>
         </p:spPr>
         <p:style>
           <a:lnRef idx="2">
@@ -4823,52 +4835,105 @@
           <a:lstStyle/>
           <a:p>
             <a:pPr algn="ctr"/>
-            <a:endParaRPr lang="en-IE"/>
-          </a:p>
-        </p:txBody>
-      </p:sp>
-      <p:sp>
-        <p:nvSpPr>
-          <p:cNvPr id="18" name="TextBox 17">
-            <a:extLst>
-              <a:ext uri="{FF2B5EF4-FFF2-40B4-BE49-F238E27FC236}">
-                <a16:creationId xmlns:a16="http://schemas.microsoft.com/office/drawing/2014/main" id="{81CABE9F-8AD9-425F-9E9A-22D3C878F12D}"/>
-              </a:ext>
-            </a:extLst>
-          </p:cNvPr>
-          <p:cNvSpPr txBox="1"/>
-          <p:nvPr/>
-        </p:nvSpPr>
-        <p:spPr>
-          <a:xfrm>
-            <a:off x="13768919" y="12266982"/>
-            <a:ext cx="3165231" cy="3693319"/>
-          </a:xfrm>
-          <a:prstGeom prst="rect">
-            <a:avLst/>
-          </a:prstGeom>
-          <a:noFill/>
-        </p:spPr>
-        <p:txBody>
-          <a:bodyPr wrap="square" rtlCol="0">
-            <a:spAutoFit/>
-          </a:bodyPr>
-          <a:lstStyle/>
-          <a:p>
-            <a:r>
-              <a:rPr lang="pl-PL" sz="3900" dirty="0">
-                <a:solidFill>
-                  <a:schemeClr val="bg1"/>
-                </a:solidFill>
+            <a:endParaRPr lang="pl-PL" sz="5400" b="1" u="sng" dirty="0">
+              <a:latin typeface="Times New Roman" panose="02020603050405020304" pitchFamily="18" charset="0"/>
+              <a:cs typeface="Times New Roman" panose="02020603050405020304" pitchFamily="18" charset="0"/>
+            </a:endParaRPr>
+          </a:p>
+          <a:p>
+            <a:pPr algn="ctr"/>
+            <a:r>
+              <a:rPr lang="pl-PL" sz="5400" b="1" u="sng" dirty="0">
                 <a:latin typeface="Times New Roman" panose="02020603050405020304" pitchFamily="18" charset="0"/>
                 <a:cs typeface="Times New Roman" panose="02020603050405020304" pitchFamily="18" charset="0"/>
               </a:rPr>
-              <a:t>Alarm Is Received Through a Bluetooth Module and a Sound Sensor</a:t>
-            </a:r>
-            <a:endParaRPr lang="en-IE" sz="3900" dirty="0">
-              <a:solidFill>
-                <a:schemeClr val="bg1"/>
-              </a:solidFill>
+              <a:t>Things I learned</a:t>
+            </a:r>
+          </a:p>
+          <a:p>
+            <a:pPr marL="685800" indent="-685800">
+              <a:buFont typeface="Arial" panose="020B0604020202020204" pitchFamily="34" charset="0"/>
+              <a:buChar char="•"/>
+            </a:pPr>
+            <a:r>
+              <a:rPr lang="pl-PL" sz="4000" dirty="0">
+                <a:latin typeface="Times New Roman" panose="02020603050405020304" pitchFamily="18" charset="0"/>
+                <a:cs typeface="Times New Roman" panose="02020603050405020304" pitchFamily="18" charset="0"/>
+              </a:rPr>
+              <a:t>Dijstra’s Algorithm</a:t>
+            </a:r>
+          </a:p>
+          <a:p>
+            <a:pPr marL="685800" indent="-685800">
+              <a:buFont typeface="Arial" panose="020B0604020202020204" pitchFamily="34" charset="0"/>
+              <a:buChar char="•"/>
+            </a:pPr>
+            <a:r>
+              <a:rPr lang="pl-PL" sz="4000" dirty="0">
+                <a:latin typeface="Times New Roman" panose="02020603050405020304" pitchFamily="18" charset="0"/>
+                <a:cs typeface="Times New Roman" panose="02020603050405020304" pitchFamily="18" charset="0"/>
+              </a:rPr>
+              <a:t>Java </a:t>
+            </a:r>
+          </a:p>
+          <a:p>
+            <a:pPr marL="685800" indent="-685800">
+              <a:buFont typeface="Arial" panose="020B0604020202020204" pitchFamily="34" charset="0"/>
+              <a:buChar char="•"/>
+            </a:pPr>
+            <a:r>
+              <a:rPr lang="pl-PL" sz="4000" dirty="0">
+                <a:latin typeface="Times New Roman" panose="02020603050405020304" pitchFamily="18" charset="0"/>
+                <a:cs typeface="Times New Roman" panose="02020603050405020304" pitchFamily="18" charset="0"/>
+              </a:rPr>
+              <a:t>XML</a:t>
+            </a:r>
+          </a:p>
+          <a:p>
+            <a:pPr marL="685800" indent="-685800">
+              <a:buFont typeface="Arial" panose="020B0604020202020204" pitchFamily="34" charset="0"/>
+              <a:buChar char="•"/>
+            </a:pPr>
+            <a:r>
+              <a:rPr lang="pl-PL" sz="4000" dirty="0">
+                <a:latin typeface="Times New Roman" panose="02020603050405020304" pitchFamily="18" charset="0"/>
+                <a:cs typeface="Times New Roman" panose="02020603050405020304" pitchFamily="18" charset="0"/>
+              </a:rPr>
+              <a:t>Firebase</a:t>
+            </a:r>
+          </a:p>
+          <a:p>
+            <a:pPr marL="685800" indent="-685800">
+              <a:buFont typeface="Arial" panose="020B0604020202020204" pitchFamily="34" charset="0"/>
+              <a:buChar char="•"/>
+            </a:pPr>
+            <a:r>
+              <a:rPr lang="pl-PL" sz="4000" dirty="0">
+                <a:latin typeface="Times New Roman" panose="02020603050405020304" pitchFamily="18" charset="0"/>
+                <a:cs typeface="Times New Roman" panose="02020603050405020304" pitchFamily="18" charset="0"/>
+              </a:rPr>
+              <a:t>Google Maps API</a:t>
+            </a:r>
+          </a:p>
+          <a:p>
+            <a:pPr marL="685800" indent="-685800">
+              <a:buFont typeface="Arial" panose="020B0604020202020204" pitchFamily="34" charset="0"/>
+              <a:buChar char="•"/>
+            </a:pPr>
+            <a:r>
+              <a:rPr lang="pl-PL" sz="4000" dirty="0">
+                <a:latin typeface="Times New Roman" panose="02020603050405020304" pitchFamily="18" charset="0"/>
+                <a:cs typeface="Times New Roman" panose="02020603050405020304" pitchFamily="18" charset="0"/>
+              </a:rPr>
+              <a:t>Using Arduino - Sound and Bluetooth module in C++</a:t>
+            </a:r>
+          </a:p>
+          <a:p>
+            <a:pPr marL="685800" indent="-685800">
+              <a:buFont typeface="Arial" panose="020B0604020202020204" pitchFamily="34" charset="0"/>
+              <a:buChar char="•"/>
+            </a:pPr>
+            <a:endParaRPr lang="pl-PL" sz="5400" dirty="0">
               <a:latin typeface="Times New Roman" panose="02020603050405020304" pitchFamily="18" charset="0"/>
               <a:cs typeface="Times New Roman" panose="02020603050405020304" pitchFamily="18" charset="0"/>
             </a:endParaRPr>
@@ -4877,10 +4942,10 @@
       </p:sp>
       <p:sp>
         <p:nvSpPr>
-          <p:cNvPr id="37" name="Rectangle: Rounded Corners 36">
+          <p:cNvPr id="5" name="Arrow: Right 4">
             <a:extLst>
               <a:ext uri="{FF2B5EF4-FFF2-40B4-BE49-F238E27FC236}">
-                <a16:creationId xmlns:a16="http://schemas.microsoft.com/office/drawing/2014/main" id="{BE284CA8-2251-4EA5-9BC3-0EF516BA7319}"/>
+                <a16:creationId xmlns:a16="http://schemas.microsoft.com/office/drawing/2014/main" id="{3C5026EF-E6D3-4814-B79B-00BADD6FEE46}"/>
               </a:ext>
             </a:extLst>
           </p:cNvPr>
@@ -4889,15 +4954,12 @@
         </p:nvSpPr>
         <p:spPr>
           <a:xfrm>
-            <a:off x="22888643" y="4827139"/>
-            <a:ext cx="7277238" cy="5544221"/>
-          </a:xfrm>
-          <a:prstGeom prst="roundRect">
+            <a:off x="18216517" y="7729299"/>
+            <a:ext cx="951006" cy="648719"/>
+          </a:xfrm>
+          <a:prstGeom prst="rightArrow">
             <a:avLst/>
           </a:prstGeom>
-          <a:solidFill>
-            <a:schemeClr val="accent5"/>
-          </a:solidFill>
         </p:spPr>
         <p:style>
           <a:lnRef idx="2">
@@ -4920,104 +4982,16 @@
           <a:lstStyle/>
           <a:p>
             <a:pPr algn="ctr"/>
-            <a:r>
-              <a:rPr lang="pl-PL" sz="5400" b="1" u="sng" dirty="0">
-                <a:latin typeface="Times New Roman" panose="02020603050405020304" pitchFamily="18" charset="0"/>
-                <a:cs typeface="Times New Roman" panose="02020603050405020304" pitchFamily="18" charset="0"/>
-              </a:rPr>
-              <a:t>Things I learned</a:t>
-            </a:r>
-          </a:p>
-          <a:p>
-            <a:pPr marL="685800" indent="-685800">
-              <a:buFont typeface="Arial" panose="020B0604020202020204" pitchFamily="34" charset="0"/>
-              <a:buChar char="•"/>
-            </a:pPr>
-            <a:r>
-              <a:rPr lang="pl-PL" sz="4000" dirty="0">
-                <a:latin typeface="Times New Roman" panose="02020603050405020304" pitchFamily="18" charset="0"/>
-                <a:cs typeface="Times New Roman" panose="02020603050405020304" pitchFamily="18" charset="0"/>
-              </a:rPr>
-              <a:t>Dijstra’s Algorithm</a:t>
-            </a:r>
-          </a:p>
-          <a:p>
-            <a:pPr marL="685800" indent="-685800">
-              <a:buFont typeface="Arial" panose="020B0604020202020204" pitchFamily="34" charset="0"/>
-              <a:buChar char="•"/>
-            </a:pPr>
-            <a:r>
-              <a:rPr lang="pl-PL" sz="4000" dirty="0">
-                <a:latin typeface="Times New Roman" panose="02020603050405020304" pitchFamily="18" charset="0"/>
-                <a:cs typeface="Times New Roman" panose="02020603050405020304" pitchFamily="18" charset="0"/>
-              </a:rPr>
-              <a:t>Java Coding</a:t>
-            </a:r>
-          </a:p>
-          <a:p>
-            <a:pPr marL="685800" indent="-685800">
-              <a:buFont typeface="Arial" panose="020B0604020202020204" pitchFamily="34" charset="0"/>
-              <a:buChar char="•"/>
-            </a:pPr>
-            <a:r>
-              <a:rPr lang="pl-PL" sz="4000" dirty="0">
-                <a:latin typeface="Times New Roman" panose="02020603050405020304" pitchFamily="18" charset="0"/>
-                <a:cs typeface="Times New Roman" panose="02020603050405020304" pitchFamily="18" charset="0"/>
-              </a:rPr>
-              <a:t>XML Layouts</a:t>
-            </a:r>
-          </a:p>
-          <a:p>
-            <a:pPr marL="685800" indent="-685800">
-              <a:buFont typeface="Arial" panose="020B0604020202020204" pitchFamily="34" charset="0"/>
-              <a:buChar char="•"/>
-            </a:pPr>
-            <a:r>
-              <a:rPr lang="pl-PL" sz="4000" dirty="0">
-                <a:latin typeface="Times New Roman" panose="02020603050405020304" pitchFamily="18" charset="0"/>
-                <a:cs typeface="Times New Roman" panose="02020603050405020304" pitchFamily="18" charset="0"/>
-              </a:rPr>
-              <a:t>Firebase</a:t>
-            </a:r>
-          </a:p>
-          <a:p>
-            <a:pPr marL="685800" indent="-685800">
-              <a:buFont typeface="Arial" panose="020B0604020202020204" pitchFamily="34" charset="0"/>
-              <a:buChar char="•"/>
-            </a:pPr>
-            <a:r>
-              <a:rPr lang="pl-PL" sz="4000" dirty="0">
-                <a:latin typeface="Times New Roman" panose="02020603050405020304" pitchFamily="18" charset="0"/>
-                <a:cs typeface="Times New Roman" panose="02020603050405020304" pitchFamily="18" charset="0"/>
-              </a:rPr>
-              <a:t>Arduino -&gt; Sound / Bluetooth</a:t>
-            </a:r>
-          </a:p>
-          <a:p>
-            <a:pPr marL="685800" indent="-685800">
-              <a:buFont typeface="Arial" panose="020B0604020202020204" pitchFamily="34" charset="0"/>
-              <a:buChar char="•"/>
-            </a:pPr>
-            <a:r>
-              <a:rPr lang="pl-PL" sz="4000" dirty="0">
-                <a:latin typeface="Times New Roman" panose="02020603050405020304" pitchFamily="18" charset="0"/>
-                <a:cs typeface="Times New Roman" panose="02020603050405020304" pitchFamily="18" charset="0"/>
-              </a:rPr>
-              <a:t>Google Maps API</a:t>
-            </a:r>
-            <a:endParaRPr lang="pl-PL" sz="5400" dirty="0">
-              <a:latin typeface="Times New Roman" panose="02020603050405020304" pitchFamily="18" charset="0"/>
-              <a:cs typeface="Times New Roman" panose="02020603050405020304" pitchFamily="18" charset="0"/>
-            </a:endParaRPr>
-          </a:p>
-        </p:txBody>
-      </p:sp>
-      <p:sp>
-        <p:nvSpPr>
-          <p:cNvPr id="5" name="Arrow: Right 4">
+            <a:endParaRPr lang="en-IE"/>
+          </a:p>
+        </p:txBody>
+      </p:sp>
+      <p:sp>
+        <p:nvSpPr>
+          <p:cNvPr id="32" name="Arrow: Right 31">
             <a:extLst>
               <a:ext uri="{FF2B5EF4-FFF2-40B4-BE49-F238E27FC236}">
-                <a16:creationId xmlns:a16="http://schemas.microsoft.com/office/drawing/2014/main" id="{3C5026EF-E6D3-4814-B79B-00BADD6FEE46}"/>
+                <a16:creationId xmlns:a16="http://schemas.microsoft.com/office/drawing/2014/main" id="{1C4D7B3F-D9ED-4DD4-9F8A-D573DD3F468C}"/>
               </a:ext>
             </a:extLst>
           </p:cNvPr>
@@ -5025,8 +4999,8 @@
           <p:nvPr/>
         </p:nvSpPr>
         <p:spPr>
-          <a:xfrm>
-            <a:off x="17789885" y="7488526"/>
+          <a:xfrm rot="10800000">
+            <a:off x="10987772" y="7729298"/>
             <a:ext cx="951006" cy="648719"/>
           </a:xfrm>
           <a:prstGeom prst="rightArrow">
@@ -5058,12 +5032,1175 @@
           </a:p>
         </p:txBody>
       </p:sp>
-      <p:sp>
-        <p:nvSpPr>
-          <p:cNvPr id="32" name="Arrow: Right 31">
+      <p:pic>
+        <p:nvPicPr>
+          <p:cNvPr id="13" name="Picture 6" descr="https://scontent-dub4-1.xx.fbcdn.net/v/t1.15752-9/55492858_398401657655248_5820430342556745728_n.jpg?_nc_cat=103&amp;_nc_ht=scontent-dub4-1.xx&amp;oh=5f53a3d00810876fb0a425ccf63d4563&amp;oe=5D12DDE7">
             <a:extLst>
               <a:ext uri="{FF2B5EF4-FFF2-40B4-BE49-F238E27FC236}">
-                <a16:creationId xmlns:a16="http://schemas.microsoft.com/office/drawing/2014/main" id="{1C4D7B3F-D9ED-4DD4-9F8A-D573DD3F468C}"/>
+                <a16:creationId xmlns:a16="http://schemas.microsoft.com/office/drawing/2014/main" id="{B1C021FF-2D76-4576-B331-5C3E7F78398D}"/>
+              </a:ext>
+            </a:extLst>
+          </p:cNvPr>
+          <p:cNvPicPr>
+            <a:picLocks noChangeAspect="1" noChangeArrowheads="1"/>
+          </p:cNvPicPr>
+          <p:nvPr/>
+        </p:nvPicPr>
+        <p:blipFill>
+          <a:blip r:embed="rId14">
+            <a:extLst>
+              <a:ext uri="{28A0092B-C50C-407E-A947-70E740481C1C}">
+                <a14:useLocalDpi xmlns:a14="http://schemas.microsoft.com/office/drawing/2010/main" val="0"/>
+              </a:ext>
+            </a:extLst>
+          </a:blip>
+          <a:srcRect/>
+          <a:stretch>
+            <a:fillRect/>
+          </a:stretch>
+        </p:blipFill>
+        <p:spPr bwMode="auto">
+          <a:xfrm>
+            <a:off x="19532767" y="5289273"/>
+            <a:ext cx="2707094" cy="4812611"/>
+          </a:xfrm>
+          <a:prstGeom prst="rect">
+            <a:avLst/>
+          </a:prstGeom>
+          <a:noFill/>
+          <a:extLst>
+            <a:ext uri="{909E8E84-426E-40DD-AFC4-6F175D3DCCD1}">
+              <a14:hiddenFill xmlns:a14="http://schemas.microsoft.com/office/drawing/2010/main">
+                <a:solidFill>
+                  <a:srgbClr val="FFFFFF"/>
+                </a:solidFill>
+              </a14:hiddenFill>
+            </a:ext>
+          </a:extLst>
+        </p:spPr>
+      </p:pic>
+      <p:pic>
+        <p:nvPicPr>
+          <p:cNvPr id="15" name="Picture 8" descr="https://scontent-dub4-1.xx.fbcdn.net/v/t1.15752-9/55669623_353453958619755_8894604677031657472_n.jpg?_nc_cat=111&amp;_nc_ht=scontent-dub4-1.xx&amp;oh=6622d93056fc0ec05ec80434bcf87ba0&amp;oe=5D4417D2">
+            <a:extLst>
+              <a:ext uri="{FF2B5EF4-FFF2-40B4-BE49-F238E27FC236}">
+                <a16:creationId xmlns:a16="http://schemas.microsoft.com/office/drawing/2014/main" id="{B8E4FBB6-ACC0-4619-9299-1F0D3DC78BEE}"/>
+              </a:ext>
+            </a:extLst>
+          </p:cNvPr>
+          <p:cNvPicPr>
+            <a:picLocks noChangeAspect="1" noChangeArrowheads="1"/>
+          </p:cNvPicPr>
+          <p:nvPr/>
+        </p:nvPicPr>
+        <p:blipFill>
+          <a:blip r:embed="rId15">
+            <a:extLst>
+              <a:ext uri="{28A0092B-C50C-407E-A947-70E740481C1C}">
+                <a14:useLocalDpi xmlns:a14="http://schemas.microsoft.com/office/drawing/2010/main" val="0"/>
+              </a:ext>
+            </a:extLst>
+          </a:blip>
+          <a:srcRect/>
+          <a:stretch>
+            <a:fillRect/>
+          </a:stretch>
+        </p:blipFill>
+        <p:spPr bwMode="auto">
+          <a:xfrm>
+            <a:off x="7829617" y="5288218"/>
+            <a:ext cx="2707687" cy="4813666"/>
+          </a:xfrm>
+          <a:prstGeom prst="rect">
+            <a:avLst/>
+          </a:prstGeom>
+          <a:noFill/>
+          <a:extLst>
+            <a:ext uri="{909E8E84-426E-40DD-AFC4-6F175D3DCCD1}">
+              <a14:hiddenFill xmlns:a14="http://schemas.microsoft.com/office/drawing/2010/main">
+                <a:solidFill>
+                  <a:srgbClr val="FFFFFF"/>
+                </a:solidFill>
+              </a14:hiddenFill>
+            </a:ext>
+          </a:extLst>
+        </p:spPr>
+      </p:pic>
+      <p:sp>
+        <p:nvSpPr>
+          <p:cNvPr id="42" name="TextBox 41">
+            <a:extLst>
+              <a:ext uri="{FF2B5EF4-FFF2-40B4-BE49-F238E27FC236}">
+                <a16:creationId xmlns:a16="http://schemas.microsoft.com/office/drawing/2014/main" id="{31E2FFB8-9B23-4F7D-B778-54C481DE9254}"/>
+              </a:ext>
+            </a:extLst>
+          </p:cNvPr>
+          <p:cNvSpPr txBox="1"/>
+          <p:nvPr/>
+        </p:nvSpPr>
+        <p:spPr>
+          <a:xfrm>
+            <a:off x="8085124" y="10280012"/>
+            <a:ext cx="3640661" cy="692497"/>
+          </a:xfrm>
+          <a:prstGeom prst="rect">
+            <a:avLst/>
+          </a:prstGeom>
+          <a:noFill/>
+        </p:spPr>
+        <p:txBody>
+          <a:bodyPr wrap="square" rtlCol="0">
+            <a:spAutoFit/>
+          </a:bodyPr>
+          <a:lstStyle/>
+          <a:p>
+            <a:r>
+              <a:rPr lang="pl-PL" sz="3900" dirty="0">
+                <a:solidFill>
+                  <a:schemeClr val="bg1"/>
+                </a:solidFill>
+                <a:latin typeface="Times New Roman" panose="02020603050405020304" pitchFamily="18" charset="0"/>
+                <a:cs typeface="Times New Roman" panose="02020603050405020304" pitchFamily="18" charset="0"/>
+              </a:rPr>
+              <a:t>No Route</a:t>
+            </a:r>
+            <a:endParaRPr lang="en-IE" sz="3900" dirty="0">
+              <a:solidFill>
+                <a:schemeClr val="bg1"/>
+              </a:solidFill>
+              <a:latin typeface="Times New Roman" panose="02020603050405020304" pitchFamily="18" charset="0"/>
+              <a:cs typeface="Times New Roman" panose="02020603050405020304" pitchFamily="18" charset="0"/>
+            </a:endParaRPr>
+          </a:p>
+        </p:txBody>
+      </p:sp>
+      <p:sp>
+        <p:nvSpPr>
+          <p:cNvPr id="43" name="TextBox 42">
+            <a:extLst>
+              <a:ext uri="{FF2B5EF4-FFF2-40B4-BE49-F238E27FC236}">
+                <a16:creationId xmlns:a16="http://schemas.microsoft.com/office/drawing/2014/main" id="{F0601FBC-8F6E-477A-84D6-63A96936D380}"/>
+              </a:ext>
+            </a:extLst>
+          </p:cNvPr>
+          <p:cNvSpPr txBox="1"/>
+          <p:nvPr/>
+        </p:nvSpPr>
+        <p:spPr>
+          <a:xfrm>
+            <a:off x="18936089" y="10274236"/>
+            <a:ext cx="3640661" cy="692497"/>
+          </a:xfrm>
+          <a:prstGeom prst="rect">
+            <a:avLst/>
+          </a:prstGeom>
+          <a:noFill/>
+        </p:spPr>
+        <p:txBody>
+          <a:bodyPr wrap="square" rtlCol="0">
+            <a:spAutoFit/>
+          </a:bodyPr>
+          <a:lstStyle/>
+          <a:p>
+            <a:r>
+              <a:rPr lang="pl-PL" sz="3900" dirty="0">
+                <a:solidFill>
+                  <a:schemeClr val="bg1"/>
+                </a:solidFill>
+                <a:latin typeface="Times New Roman" panose="02020603050405020304" pitchFamily="18" charset="0"/>
+                <a:cs typeface="Times New Roman" panose="02020603050405020304" pitchFamily="18" charset="0"/>
+              </a:rPr>
+              <a:t>Route Drawn</a:t>
+            </a:r>
+            <a:endParaRPr lang="en-IE" sz="3900" dirty="0">
+              <a:solidFill>
+                <a:schemeClr val="bg1"/>
+              </a:solidFill>
+              <a:latin typeface="Times New Roman" panose="02020603050405020304" pitchFamily="18" charset="0"/>
+              <a:cs typeface="Times New Roman" panose="02020603050405020304" pitchFamily="18" charset="0"/>
+            </a:endParaRPr>
+          </a:p>
+        </p:txBody>
+      </p:sp>
+      <p:sp>
+        <p:nvSpPr>
+          <p:cNvPr id="40" name="TextBox 39">
+            <a:extLst>
+              <a:ext uri="{FF2B5EF4-FFF2-40B4-BE49-F238E27FC236}">
+                <a16:creationId xmlns:a16="http://schemas.microsoft.com/office/drawing/2014/main" id="{D4E4D372-8DCE-4D77-80D6-E4CB83DE285D}"/>
+              </a:ext>
+            </a:extLst>
+          </p:cNvPr>
+          <p:cNvSpPr txBox="1"/>
+          <p:nvPr/>
+        </p:nvSpPr>
+        <p:spPr>
+          <a:xfrm>
+            <a:off x="15693082" y="12711989"/>
+            <a:ext cx="2970615" cy="1938992"/>
+          </a:xfrm>
+          <a:prstGeom prst="rect">
+            <a:avLst/>
+          </a:prstGeom>
+          <a:noFill/>
+        </p:spPr>
+        <p:txBody>
+          <a:bodyPr wrap="square" rtlCol="0">
+            <a:spAutoFit/>
+          </a:bodyPr>
+          <a:lstStyle/>
+          <a:p>
+            <a:r>
+              <a:rPr lang="pl-PL" sz="2000" dirty="0">
+                <a:solidFill>
+                  <a:schemeClr val="bg1"/>
+                </a:solidFill>
+                <a:latin typeface="Times New Roman" panose="02020603050405020304" pitchFamily="18" charset="0"/>
+                <a:cs typeface="Times New Roman" panose="02020603050405020304" pitchFamily="18" charset="0"/>
+              </a:rPr>
+              <a:t>Dijstras Algorihm is used to calculate the quickest route between the start node and the end node with information displayed on the graph</a:t>
+            </a:r>
+            <a:endParaRPr lang="en-IE" sz="2000" dirty="0">
+              <a:solidFill>
+                <a:schemeClr val="bg1"/>
+              </a:solidFill>
+              <a:latin typeface="Times New Roman" panose="02020603050405020304" pitchFamily="18" charset="0"/>
+              <a:cs typeface="Times New Roman" panose="02020603050405020304" pitchFamily="18" charset="0"/>
+            </a:endParaRPr>
+          </a:p>
+        </p:txBody>
+      </p:sp>
+      <p:sp>
+        <p:nvSpPr>
+          <p:cNvPr id="41" name="TextBox 40">
+            <a:extLst>
+              <a:ext uri="{FF2B5EF4-FFF2-40B4-BE49-F238E27FC236}">
+                <a16:creationId xmlns:a16="http://schemas.microsoft.com/office/drawing/2014/main" id="{8DD4CC79-38A6-4B7F-BB01-C0F886C5077D}"/>
+              </a:ext>
+            </a:extLst>
+          </p:cNvPr>
+          <p:cNvSpPr txBox="1"/>
+          <p:nvPr/>
+        </p:nvSpPr>
+        <p:spPr>
+          <a:xfrm>
+            <a:off x="11895354" y="12843306"/>
+            <a:ext cx="2284224" cy="1631216"/>
+          </a:xfrm>
+          <a:prstGeom prst="rect">
+            <a:avLst/>
+          </a:prstGeom>
+          <a:noFill/>
+        </p:spPr>
+        <p:txBody>
+          <a:bodyPr wrap="square" rtlCol="0">
+            <a:spAutoFit/>
+          </a:bodyPr>
+          <a:lstStyle/>
+          <a:p>
+            <a:r>
+              <a:rPr lang="en-GB" sz="2000" dirty="0">
+                <a:solidFill>
+                  <a:schemeClr val="bg1"/>
+                </a:solidFill>
+                <a:latin typeface="Times New Roman" panose="02020603050405020304" pitchFamily="18" charset="0"/>
+                <a:cs typeface="Times New Roman" panose="02020603050405020304" pitchFamily="18" charset="0"/>
+              </a:rPr>
+              <a:t>The start node and                                                                     </a:t>
+            </a:r>
+            <a:endParaRPr lang="pl-PL" sz="2000" dirty="0">
+              <a:solidFill>
+                <a:schemeClr val="bg1"/>
+              </a:solidFill>
+              <a:latin typeface="Times New Roman" panose="02020603050405020304" pitchFamily="18" charset="0"/>
+              <a:cs typeface="Times New Roman" panose="02020603050405020304" pitchFamily="18" charset="0"/>
+            </a:endParaRPr>
+          </a:p>
+          <a:p>
+            <a:r>
+              <a:rPr lang="en-GB" sz="2000" dirty="0">
+                <a:solidFill>
+                  <a:schemeClr val="bg1"/>
+                </a:solidFill>
+                <a:latin typeface="Times New Roman" panose="02020603050405020304" pitchFamily="18" charset="0"/>
+                <a:cs typeface="Times New Roman" panose="02020603050405020304" pitchFamily="18" charset="0"/>
+              </a:rPr>
+              <a:t>end node is chosen</a:t>
+            </a:r>
+            <a:r>
+              <a:rPr lang="pl-PL" sz="2000" dirty="0">
+                <a:solidFill>
+                  <a:schemeClr val="bg1"/>
+                </a:solidFill>
+                <a:latin typeface="Times New Roman" panose="02020603050405020304" pitchFamily="18" charset="0"/>
+                <a:cs typeface="Times New Roman" panose="02020603050405020304" pitchFamily="18" charset="0"/>
+              </a:rPr>
+              <a:t> based on google maps location </a:t>
+            </a:r>
+            <a:r>
+              <a:rPr lang="en-GB" sz="2000" dirty="0">
+                <a:solidFill>
+                  <a:schemeClr val="bg1"/>
+                </a:solidFill>
+                <a:latin typeface="Times New Roman" panose="02020603050405020304" pitchFamily="18" charset="0"/>
+                <a:cs typeface="Times New Roman" panose="02020603050405020304" pitchFamily="18" charset="0"/>
+              </a:rPr>
+              <a:t>on the building plan</a:t>
+            </a:r>
+          </a:p>
+        </p:txBody>
+      </p:sp>
+      <p:sp>
+        <p:nvSpPr>
+          <p:cNvPr id="3" name="AutoShape 2" descr="RS PRO 15V dc PCB Mount Magnetic Buzzer, 85dB Continuous, ABI-020-RC/RS">
+            <a:extLst>
+              <a:ext uri="{FF2B5EF4-FFF2-40B4-BE49-F238E27FC236}">
+                <a16:creationId xmlns:a16="http://schemas.microsoft.com/office/drawing/2014/main" id="{8ACA62E2-D66E-418D-9A7A-D2B1E8AE1F22}"/>
+              </a:ext>
+            </a:extLst>
+          </p:cNvPr>
+          <p:cNvSpPr>
+            <a:spLocks noChangeAspect="1" noChangeArrowheads="1"/>
+          </p:cNvSpPr>
+          <p:nvPr/>
+        </p:nvSpPr>
+        <p:spPr bwMode="auto">
+          <a:xfrm>
+            <a:off x="14984413" y="10539413"/>
+            <a:ext cx="304800" cy="304800"/>
+          </a:xfrm>
+          <a:prstGeom prst="rect">
+            <a:avLst/>
+          </a:prstGeom>
+          <a:noFill/>
+          <a:extLst>
+            <a:ext uri="{909E8E84-426E-40DD-AFC4-6F175D3DCCD1}">
+              <a14:hiddenFill xmlns:a14="http://schemas.microsoft.com/office/drawing/2010/main">
+                <a:solidFill>
+                  <a:srgbClr val="FFFFFF"/>
+                </a:solidFill>
+              </a14:hiddenFill>
+            </a:ext>
+          </a:extLst>
+        </p:spPr>
+        <p:txBody>
+          <a:bodyPr vert="horz" wrap="square" lIns="91440" tIns="45720" rIns="91440" bIns="45720" numCol="1" anchor="t" anchorCtr="0" compatLnSpc="1">
+            <a:prstTxWarp prst="textNoShape">
+              <a:avLst/>
+            </a:prstTxWarp>
+          </a:bodyPr>
+          <a:lstStyle/>
+          <a:p>
+            <a:endParaRPr lang="en-IE"/>
+          </a:p>
+        </p:txBody>
+      </p:sp>
+      <p:pic>
+        <p:nvPicPr>
+          <p:cNvPr id="20" name="Picture 8" descr="Main Product">
+            <a:extLst>
+              <a:ext uri="{FF2B5EF4-FFF2-40B4-BE49-F238E27FC236}">
+                <a16:creationId xmlns:a16="http://schemas.microsoft.com/office/drawing/2014/main" id="{6A9D8A00-3EC6-489E-848B-6D90D063B21F}"/>
+              </a:ext>
+            </a:extLst>
+          </p:cNvPr>
+          <p:cNvPicPr>
+            <a:picLocks noChangeAspect="1" noChangeArrowheads="1"/>
+          </p:cNvPicPr>
+          <p:nvPr/>
+        </p:nvPicPr>
+        <p:blipFill>
+          <a:blip r:embed="rId16">
+            <a:extLst>
+              <a:ext uri="{BEBA8EAE-BF5A-486C-A8C5-ECC9F3942E4B}">
+                <a14:imgProps xmlns:a14="http://schemas.microsoft.com/office/drawing/2010/main">
+                  <a14:imgLayer r:embed="rId17">
+                    <a14:imgEffect>
+                      <a14:backgroundRemoval t="4955" b="95721" l="4908" r="89571">
+                        <a14:foregroundMark x1="50613" y1="95721" x2="50613" y2="70495"/>
+                        <a14:foregroundMark x1="99080" y1="59459" x2="88957" y2="6306"/>
+                        <a14:foregroundMark x1="88957" y1="6306" x2="13190" y2="8784"/>
+                        <a14:foregroundMark x1="13190" y1="8784" x2="11963" y2="61486"/>
+                        <a14:foregroundMark x1="11963" y1="61486" x2="84969" y2="33784"/>
+                        <a14:foregroundMark x1="84969" y1="33784" x2="14110" y2="36261"/>
+                        <a14:foregroundMark x1="14110" y1="36261" x2="87423" y2="26351"/>
+                        <a14:foregroundMark x1="87423" y1="26351" x2="78221" y2="29730"/>
+                        <a14:foregroundMark x1="88037" y1="10360" x2="16564" y2="6081"/>
+                        <a14:foregroundMark x1="16564" y1="6081" x2="64110" y2="4955"/>
+                        <a14:foregroundMark x1="4908" y1="68243" x2="7055" y2="69820"/>
+                      </a14:backgroundRemoval>
+                    </a14:imgEffect>
+                  </a14:imgLayer>
+                </a14:imgProps>
+              </a:ext>
+              <a:ext uri="{28A0092B-C50C-407E-A947-70E740481C1C}">
+                <a14:useLocalDpi xmlns:a14="http://schemas.microsoft.com/office/drawing/2010/main" val="0"/>
+              </a:ext>
+            </a:extLst>
+          </a:blip>
+          <a:srcRect/>
+          <a:stretch>
+            <a:fillRect/>
+          </a:stretch>
+        </p:blipFill>
+        <p:spPr bwMode="auto">
+          <a:xfrm rot="5400000">
+            <a:off x="12224280" y="9979471"/>
+            <a:ext cx="677940" cy="923330"/>
+          </a:xfrm>
+          <a:prstGeom prst="rect">
+            <a:avLst/>
+          </a:prstGeom>
+          <a:noFill/>
+          <a:extLst>
+            <a:ext uri="{909E8E84-426E-40DD-AFC4-6F175D3DCCD1}">
+              <a14:hiddenFill xmlns:a14="http://schemas.microsoft.com/office/drawing/2010/main">
+                <a:solidFill>
+                  <a:srgbClr val="FFFFFF"/>
+                </a:solidFill>
+              </a14:hiddenFill>
+            </a:ext>
+          </a:extLst>
+        </p:spPr>
+      </p:pic>
+      <p:cxnSp>
+        <p:nvCxnSpPr>
+          <p:cNvPr id="27" name="Straight Connector 26">
+            <a:extLst>
+              <a:ext uri="{FF2B5EF4-FFF2-40B4-BE49-F238E27FC236}">
+                <a16:creationId xmlns:a16="http://schemas.microsoft.com/office/drawing/2014/main" id="{3D5A3EC0-9BA5-4F75-8348-B89B8033F9A1}"/>
+              </a:ext>
+            </a:extLst>
+          </p:cNvPr>
+          <p:cNvCxnSpPr/>
+          <p:nvPr/>
+        </p:nvCxnSpPr>
+        <p:spPr>
+          <a:xfrm>
+            <a:off x="12916698" y="10696770"/>
+            <a:ext cx="610292" cy="412062"/>
+          </a:xfrm>
+          <a:prstGeom prst="line">
+            <a:avLst/>
+          </a:prstGeom>
+        </p:spPr>
+        <p:style>
+          <a:lnRef idx="1">
+            <a:schemeClr val="dk1"/>
+          </a:lnRef>
+          <a:fillRef idx="0">
+            <a:schemeClr val="dk1"/>
+          </a:fillRef>
+          <a:effectRef idx="0">
+            <a:schemeClr val="dk1"/>
+          </a:effectRef>
+          <a:fontRef idx="minor">
+            <a:schemeClr val="tx1"/>
+          </a:fontRef>
+        </p:style>
+      </p:cxnSp>
+      <p:cxnSp>
+        <p:nvCxnSpPr>
+          <p:cNvPr id="29" name="Straight Connector 28">
+            <a:extLst>
+              <a:ext uri="{FF2B5EF4-FFF2-40B4-BE49-F238E27FC236}">
+                <a16:creationId xmlns:a16="http://schemas.microsoft.com/office/drawing/2014/main" id="{05C766C0-98F9-40CC-93E8-75CAF2514A33}"/>
+              </a:ext>
+            </a:extLst>
+          </p:cNvPr>
+          <p:cNvCxnSpPr/>
+          <p:nvPr/>
+        </p:nvCxnSpPr>
+        <p:spPr>
+          <a:xfrm>
+            <a:off x="13024915" y="10671934"/>
+            <a:ext cx="610292" cy="19878"/>
+          </a:xfrm>
+          <a:prstGeom prst="line">
+            <a:avLst/>
+          </a:prstGeom>
+        </p:spPr>
+        <p:style>
+          <a:lnRef idx="1">
+            <a:schemeClr val="dk1"/>
+          </a:lnRef>
+          <a:fillRef idx="0">
+            <a:schemeClr val="dk1"/>
+          </a:fillRef>
+          <a:effectRef idx="0">
+            <a:schemeClr val="dk1"/>
+          </a:effectRef>
+          <a:fontRef idx="minor">
+            <a:schemeClr val="tx1"/>
+          </a:fontRef>
+        </p:style>
+      </p:cxnSp>
+      <p:cxnSp>
+        <p:nvCxnSpPr>
+          <p:cNvPr id="45" name="Straight Connector 44">
+            <a:extLst>
+              <a:ext uri="{FF2B5EF4-FFF2-40B4-BE49-F238E27FC236}">
+                <a16:creationId xmlns:a16="http://schemas.microsoft.com/office/drawing/2014/main" id="{99F7E2C4-D039-477D-A344-52CED210A9F0}"/>
+              </a:ext>
+            </a:extLst>
+          </p:cNvPr>
+          <p:cNvCxnSpPr/>
+          <p:nvPr/>
+        </p:nvCxnSpPr>
+        <p:spPr>
+          <a:xfrm>
+            <a:off x="13024915" y="10536241"/>
+            <a:ext cx="610292" cy="19878"/>
+          </a:xfrm>
+          <a:prstGeom prst="line">
+            <a:avLst/>
+          </a:prstGeom>
+        </p:spPr>
+        <p:style>
+          <a:lnRef idx="1">
+            <a:schemeClr val="dk1"/>
+          </a:lnRef>
+          <a:fillRef idx="0">
+            <a:schemeClr val="dk1"/>
+          </a:fillRef>
+          <a:effectRef idx="0">
+            <a:schemeClr val="dk1"/>
+          </a:effectRef>
+          <a:fontRef idx="minor">
+            <a:schemeClr val="tx1"/>
+          </a:fontRef>
+        </p:style>
+      </p:cxnSp>
+      <p:cxnSp>
+        <p:nvCxnSpPr>
+          <p:cNvPr id="46" name="Straight Connector 45">
+            <a:extLst>
+              <a:ext uri="{FF2B5EF4-FFF2-40B4-BE49-F238E27FC236}">
+                <a16:creationId xmlns:a16="http://schemas.microsoft.com/office/drawing/2014/main" id="{D8948310-5E02-429E-A562-A0E5F079963A}"/>
+              </a:ext>
+            </a:extLst>
+          </p:cNvPr>
+          <p:cNvCxnSpPr/>
+          <p:nvPr/>
+        </p:nvCxnSpPr>
+        <p:spPr>
+          <a:xfrm>
+            <a:off x="12994803" y="10426684"/>
+            <a:ext cx="610292" cy="19878"/>
+          </a:xfrm>
+          <a:prstGeom prst="line">
+            <a:avLst/>
+          </a:prstGeom>
+        </p:spPr>
+        <p:style>
+          <a:lnRef idx="1">
+            <a:schemeClr val="dk1"/>
+          </a:lnRef>
+          <a:fillRef idx="0">
+            <a:schemeClr val="dk1"/>
+          </a:fillRef>
+          <a:effectRef idx="0">
+            <a:schemeClr val="dk1"/>
+          </a:effectRef>
+          <a:fontRef idx="minor">
+            <a:schemeClr val="tx1"/>
+          </a:fontRef>
+        </p:style>
+      </p:cxnSp>
+      <p:cxnSp>
+        <p:nvCxnSpPr>
+          <p:cNvPr id="47" name="Straight Connector 46">
+            <a:extLst>
+              <a:ext uri="{FF2B5EF4-FFF2-40B4-BE49-F238E27FC236}">
+                <a16:creationId xmlns:a16="http://schemas.microsoft.com/office/drawing/2014/main" id="{AE27E462-6B21-4798-9D14-382539A275EF}"/>
+              </a:ext>
+            </a:extLst>
+          </p:cNvPr>
+          <p:cNvCxnSpPr/>
+          <p:nvPr/>
+        </p:nvCxnSpPr>
+        <p:spPr>
+          <a:xfrm>
+            <a:off x="12967098" y="10323330"/>
+            <a:ext cx="610292" cy="19878"/>
+          </a:xfrm>
+          <a:prstGeom prst="line">
+            <a:avLst/>
+          </a:prstGeom>
+        </p:spPr>
+        <p:style>
+          <a:lnRef idx="1">
+            <a:schemeClr val="dk1"/>
+          </a:lnRef>
+          <a:fillRef idx="0">
+            <a:schemeClr val="dk1"/>
+          </a:fillRef>
+          <a:effectRef idx="0">
+            <a:schemeClr val="dk1"/>
+          </a:effectRef>
+          <a:fontRef idx="minor">
+            <a:schemeClr val="tx1"/>
+          </a:fontRef>
+        </p:style>
+      </p:cxnSp>
+      <p:cxnSp>
+        <p:nvCxnSpPr>
+          <p:cNvPr id="48" name="Straight Connector 47">
+            <a:extLst>
+              <a:ext uri="{FF2B5EF4-FFF2-40B4-BE49-F238E27FC236}">
+                <a16:creationId xmlns:a16="http://schemas.microsoft.com/office/drawing/2014/main" id="{313641AB-2FFF-447B-8DE9-D3A7F00B8A09}"/>
+              </a:ext>
+            </a:extLst>
+          </p:cNvPr>
+          <p:cNvCxnSpPr/>
+          <p:nvPr/>
+        </p:nvCxnSpPr>
+        <p:spPr>
+          <a:xfrm>
+            <a:off x="12944621" y="10186396"/>
+            <a:ext cx="610292" cy="19878"/>
+          </a:xfrm>
+          <a:prstGeom prst="line">
+            <a:avLst/>
+          </a:prstGeom>
+        </p:spPr>
+        <p:style>
+          <a:lnRef idx="1">
+            <a:schemeClr val="dk1"/>
+          </a:lnRef>
+          <a:fillRef idx="0">
+            <a:schemeClr val="dk1"/>
+          </a:fillRef>
+          <a:effectRef idx="0">
+            <a:schemeClr val="dk1"/>
+          </a:effectRef>
+          <a:fontRef idx="minor">
+            <a:schemeClr val="tx1"/>
+          </a:fontRef>
+        </p:style>
+      </p:cxnSp>
+      <p:cxnSp>
+        <p:nvCxnSpPr>
+          <p:cNvPr id="49" name="Straight Connector 48">
+            <a:extLst>
+              <a:ext uri="{FF2B5EF4-FFF2-40B4-BE49-F238E27FC236}">
+                <a16:creationId xmlns:a16="http://schemas.microsoft.com/office/drawing/2014/main" id="{67FC9476-704C-4F96-9B34-870751351F46}"/>
+              </a:ext>
+            </a:extLst>
+          </p:cNvPr>
+          <p:cNvCxnSpPr>
+            <a:cxnSpLocks/>
+          </p:cNvCxnSpPr>
+          <p:nvPr/>
+        </p:nvCxnSpPr>
+        <p:spPr>
+          <a:xfrm flipV="1">
+            <a:off x="12927229" y="9850613"/>
+            <a:ext cx="473486" cy="321956"/>
+          </a:xfrm>
+          <a:prstGeom prst="line">
+            <a:avLst/>
+          </a:prstGeom>
+        </p:spPr>
+        <p:style>
+          <a:lnRef idx="1">
+            <a:schemeClr val="dk1"/>
+          </a:lnRef>
+          <a:fillRef idx="0">
+            <a:schemeClr val="dk1"/>
+          </a:fillRef>
+          <a:effectRef idx="0">
+            <a:schemeClr val="dk1"/>
+          </a:effectRef>
+          <a:fontRef idx="minor">
+            <a:schemeClr val="tx1"/>
+          </a:fontRef>
+        </p:style>
+      </p:cxnSp>
+      <p:cxnSp>
+        <p:nvCxnSpPr>
+          <p:cNvPr id="51" name="Straight Connector 50">
+            <a:extLst>
+              <a:ext uri="{FF2B5EF4-FFF2-40B4-BE49-F238E27FC236}">
+                <a16:creationId xmlns:a16="http://schemas.microsoft.com/office/drawing/2014/main" id="{AEA545C9-927B-421C-8134-35292F80CACC}"/>
+              </a:ext>
+            </a:extLst>
+          </p:cNvPr>
+          <p:cNvCxnSpPr>
+            <a:cxnSpLocks/>
+          </p:cNvCxnSpPr>
+          <p:nvPr/>
+        </p:nvCxnSpPr>
+        <p:spPr>
+          <a:xfrm flipV="1">
+            <a:off x="12948826" y="9973383"/>
+            <a:ext cx="584289" cy="185359"/>
+          </a:xfrm>
+          <a:prstGeom prst="line">
+            <a:avLst/>
+          </a:prstGeom>
+        </p:spPr>
+        <p:style>
+          <a:lnRef idx="1">
+            <a:schemeClr val="dk1"/>
+          </a:lnRef>
+          <a:fillRef idx="0">
+            <a:schemeClr val="dk1"/>
+          </a:fillRef>
+          <a:effectRef idx="0">
+            <a:schemeClr val="dk1"/>
+          </a:effectRef>
+          <a:fontRef idx="minor">
+            <a:schemeClr val="tx1"/>
+          </a:fontRef>
+        </p:style>
+      </p:cxnSp>
+      <p:cxnSp>
+        <p:nvCxnSpPr>
+          <p:cNvPr id="53" name="Straight Connector 52">
+            <a:extLst>
+              <a:ext uri="{FF2B5EF4-FFF2-40B4-BE49-F238E27FC236}">
+                <a16:creationId xmlns:a16="http://schemas.microsoft.com/office/drawing/2014/main" id="{085048BF-1253-427B-8789-54C0A7C29774}"/>
+              </a:ext>
+            </a:extLst>
+          </p:cNvPr>
+          <p:cNvCxnSpPr>
+            <a:cxnSpLocks/>
+          </p:cNvCxnSpPr>
+          <p:nvPr/>
+        </p:nvCxnSpPr>
+        <p:spPr>
+          <a:xfrm>
+            <a:off x="12931896" y="10653268"/>
+            <a:ext cx="645494" cy="319241"/>
+          </a:xfrm>
+          <a:prstGeom prst="line">
+            <a:avLst/>
+          </a:prstGeom>
+        </p:spPr>
+        <p:style>
+          <a:lnRef idx="1">
+            <a:schemeClr val="dk1"/>
+          </a:lnRef>
+          <a:fillRef idx="0">
+            <a:schemeClr val="dk1"/>
+          </a:fillRef>
+          <a:effectRef idx="0">
+            <a:schemeClr val="dk1"/>
+          </a:effectRef>
+          <a:fontRef idx="minor">
+            <a:schemeClr val="tx1"/>
+          </a:fontRef>
+        </p:style>
+      </p:cxnSp>
+      <p:cxnSp>
+        <p:nvCxnSpPr>
+          <p:cNvPr id="55" name="Straight Connector 54">
+            <a:extLst>
+              <a:ext uri="{FF2B5EF4-FFF2-40B4-BE49-F238E27FC236}">
+                <a16:creationId xmlns:a16="http://schemas.microsoft.com/office/drawing/2014/main" id="{BB8746C4-0A09-4648-BE22-39EF52520778}"/>
+              </a:ext>
+            </a:extLst>
+          </p:cNvPr>
+          <p:cNvCxnSpPr>
+            <a:cxnSpLocks/>
+          </p:cNvCxnSpPr>
+          <p:nvPr/>
+        </p:nvCxnSpPr>
+        <p:spPr>
+          <a:xfrm>
+            <a:off x="12949497" y="10620485"/>
+            <a:ext cx="685710" cy="254286"/>
+          </a:xfrm>
+          <a:prstGeom prst="line">
+            <a:avLst/>
+          </a:prstGeom>
+        </p:spPr>
+        <p:style>
+          <a:lnRef idx="1">
+            <a:schemeClr val="dk1"/>
+          </a:lnRef>
+          <a:fillRef idx="0">
+            <a:schemeClr val="dk1"/>
+          </a:fillRef>
+          <a:effectRef idx="0">
+            <a:schemeClr val="dk1"/>
+          </a:effectRef>
+          <a:fontRef idx="minor">
+            <a:schemeClr val="tx1"/>
+          </a:fontRef>
+        </p:style>
+      </p:cxnSp>
+      <p:cxnSp>
+        <p:nvCxnSpPr>
+          <p:cNvPr id="56" name="Straight Connector 55">
+            <a:extLst>
+              <a:ext uri="{FF2B5EF4-FFF2-40B4-BE49-F238E27FC236}">
+                <a16:creationId xmlns:a16="http://schemas.microsoft.com/office/drawing/2014/main" id="{F393F8E9-AD95-4408-8FE7-931F110AA9A8}"/>
+              </a:ext>
+            </a:extLst>
+          </p:cNvPr>
+          <p:cNvCxnSpPr>
+            <a:cxnSpLocks/>
+          </p:cNvCxnSpPr>
+          <p:nvPr/>
+        </p:nvCxnSpPr>
+        <p:spPr>
+          <a:xfrm flipV="1">
+            <a:off x="12949497" y="10102166"/>
+            <a:ext cx="605215" cy="46267"/>
+          </a:xfrm>
+          <a:prstGeom prst="line">
+            <a:avLst/>
+          </a:prstGeom>
+        </p:spPr>
+        <p:style>
+          <a:lnRef idx="1">
+            <a:schemeClr val="dk1"/>
+          </a:lnRef>
+          <a:fillRef idx="0">
+            <a:schemeClr val="dk1"/>
+          </a:fillRef>
+          <a:effectRef idx="0">
+            <a:schemeClr val="dk1"/>
+          </a:effectRef>
+          <a:fontRef idx="minor">
+            <a:schemeClr val="tx1"/>
+          </a:fontRef>
+        </p:style>
+      </p:cxnSp>
+      <p:cxnSp>
+        <p:nvCxnSpPr>
+          <p:cNvPr id="60" name="Straight Connector 59">
+            <a:extLst>
+              <a:ext uri="{FF2B5EF4-FFF2-40B4-BE49-F238E27FC236}">
+                <a16:creationId xmlns:a16="http://schemas.microsoft.com/office/drawing/2014/main" id="{7981AC47-F108-47C9-9DFA-A02F14C43F21}"/>
+              </a:ext>
+            </a:extLst>
+          </p:cNvPr>
+          <p:cNvCxnSpPr/>
+          <p:nvPr/>
+        </p:nvCxnSpPr>
+        <p:spPr>
+          <a:xfrm>
+            <a:off x="12959677" y="10269747"/>
+            <a:ext cx="610292" cy="19878"/>
+          </a:xfrm>
+          <a:prstGeom prst="line">
+            <a:avLst/>
+          </a:prstGeom>
+        </p:spPr>
+        <p:style>
+          <a:lnRef idx="1">
+            <a:schemeClr val="dk1"/>
+          </a:lnRef>
+          <a:fillRef idx="0">
+            <a:schemeClr val="dk1"/>
+          </a:fillRef>
+          <a:effectRef idx="0">
+            <a:schemeClr val="dk1"/>
+          </a:effectRef>
+          <a:fontRef idx="minor">
+            <a:schemeClr val="tx1"/>
+          </a:fontRef>
+        </p:style>
+      </p:cxnSp>
+      <p:cxnSp>
+        <p:nvCxnSpPr>
+          <p:cNvPr id="61" name="Straight Connector 60">
+            <a:extLst>
+              <a:ext uri="{FF2B5EF4-FFF2-40B4-BE49-F238E27FC236}">
+                <a16:creationId xmlns:a16="http://schemas.microsoft.com/office/drawing/2014/main" id="{A1CF5CF0-05B0-4A04-BCCD-5CB6E35E9A3B}"/>
+              </a:ext>
+            </a:extLst>
+          </p:cNvPr>
+          <p:cNvCxnSpPr/>
+          <p:nvPr/>
+        </p:nvCxnSpPr>
+        <p:spPr>
+          <a:xfrm>
+            <a:off x="12959677" y="10467797"/>
+            <a:ext cx="610292" cy="19878"/>
+          </a:xfrm>
+          <a:prstGeom prst="line">
+            <a:avLst/>
+          </a:prstGeom>
+        </p:spPr>
+        <p:style>
+          <a:lnRef idx="1">
+            <a:schemeClr val="dk1"/>
+          </a:lnRef>
+          <a:fillRef idx="0">
+            <a:schemeClr val="dk1"/>
+          </a:fillRef>
+          <a:effectRef idx="0">
+            <a:schemeClr val="dk1"/>
+          </a:effectRef>
+          <a:fontRef idx="minor">
+            <a:schemeClr val="tx1"/>
+          </a:fontRef>
+        </p:style>
+      </p:cxnSp>
+      <p:cxnSp>
+        <p:nvCxnSpPr>
+          <p:cNvPr id="62" name="Straight Connector 61">
+            <a:extLst>
+              <a:ext uri="{FF2B5EF4-FFF2-40B4-BE49-F238E27FC236}">
+                <a16:creationId xmlns:a16="http://schemas.microsoft.com/office/drawing/2014/main" id="{2D72A3B4-987E-46F1-9FB4-6C87A179363F}"/>
+              </a:ext>
+            </a:extLst>
+          </p:cNvPr>
+          <p:cNvCxnSpPr/>
+          <p:nvPr/>
+        </p:nvCxnSpPr>
+        <p:spPr>
+          <a:xfrm>
+            <a:off x="13034226" y="10574019"/>
+            <a:ext cx="610292" cy="19878"/>
+          </a:xfrm>
+          <a:prstGeom prst="line">
+            <a:avLst/>
+          </a:prstGeom>
+        </p:spPr>
+        <p:style>
+          <a:lnRef idx="1">
+            <a:schemeClr val="dk1"/>
+          </a:lnRef>
+          <a:fillRef idx="0">
+            <a:schemeClr val="dk1"/>
+          </a:fillRef>
+          <a:effectRef idx="0">
+            <a:schemeClr val="dk1"/>
+          </a:effectRef>
+          <a:fontRef idx="minor">
+            <a:schemeClr val="tx1"/>
+          </a:fontRef>
+        </p:style>
+      </p:cxnSp>
+      <p:cxnSp>
+        <p:nvCxnSpPr>
+          <p:cNvPr id="63" name="Straight Connector 62">
+            <a:extLst>
+              <a:ext uri="{FF2B5EF4-FFF2-40B4-BE49-F238E27FC236}">
+                <a16:creationId xmlns:a16="http://schemas.microsoft.com/office/drawing/2014/main" id="{3A7A801A-D2D1-4004-B61E-9240EA819E8B}"/>
+              </a:ext>
+            </a:extLst>
+          </p:cNvPr>
+          <p:cNvCxnSpPr/>
+          <p:nvPr/>
+        </p:nvCxnSpPr>
+        <p:spPr>
+          <a:xfrm>
+            <a:off x="12994803" y="10378126"/>
+            <a:ext cx="610292" cy="19878"/>
+          </a:xfrm>
+          <a:prstGeom prst="line">
+            <a:avLst/>
+          </a:prstGeom>
+        </p:spPr>
+        <p:style>
+          <a:lnRef idx="1">
+            <a:schemeClr val="dk1"/>
+          </a:lnRef>
+          <a:fillRef idx="0">
+            <a:schemeClr val="dk1"/>
+          </a:fillRef>
+          <a:effectRef idx="0">
+            <a:schemeClr val="dk1"/>
+          </a:effectRef>
+          <a:fontRef idx="minor">
+            <a:schemeClr val="tx1"/>
+          </a:fontRef>
+        </p:style>
+      </p:cxnSp>
+      <p:cxnSp>
+        <p:nvCxnSpPr>
+          <p:cNvPr id="64" name="Straight Connector 63">
+            <a:extLst>
+              <a:ext uri="{FF2B5EF4-FFF2-40B4-BE49-F238E27FC236}">
+                <a16:creationId xmlns:a16="http://schemas.microsoft.com/office/drawing/2014/main" id="{00522E2B-62B3-442E-9C4A-37A8086CB71C}"/>
+              </a:ext>
+            </a:extLst>
+          </p:cNvPr>
+          <p:cNvCxnSpPr>
+            <a:cxnSpLocks/>
+          </p:cNvCxnSpPr>
+          <p:nvPr/>
+        </p:nvCxnSpPr>
+        <p:spPr>
+          <a:xfrm flipV="1">
+            <a:off x="12944621" y="10047388"/>
+            <a:ext cx="595584" cy="109025"/>
+          </a:xfrm>
+          <a:prstGeom prst="line">
+            <a:avLst/>
+          </a:prstGeom>
+        </p:spPr>
+        <p:style>
+          <a:lnRef idx="1">
+            <a:schemeClr val="dk1"/>
+          </a:lnRef>
+          <a:fillRef idx="0">
+            <a:schemeClr val="dk1"/>
+          </a:fillRef>
+          <a:effectRef idx="0">
+            <a:schemeClr val="dk1"/>
+          </a:effectRef>
+          <a:fontRef idx="minor">
+            <a:schemeClr val="tx1"/>
+          </a:fontRef>
+        </p:style>
+      </p:cxnSp>
+      <p:cxnSp>
+        <p:nvCxnSpPr>
+          <p:cNvPr id="66" name="Straight Connector 65">
+            <a:extLst>
+              <a:ext uri="{FF2B5EF4-FFF2-40B4-BE49-F238E27FC236}">
+                <a16:creationId xmlns:a16="http://schemas.microsoft.com/office/drawing/2014/main" id="{52C2946A-8420-4DA0-9434-AEA55FCB6060}"/>
+              </a:ext>
+            </a:extLst>
+          </p:cNvPr>
+          <p:cNvCxnSpPr/>
+          <p:nvPr/>
+        </p:nvCxnSpPr>
+        <p:spPr>
+          <a:xfrm>
+            <a:off x="12929378" y="10627720"/>
+            <a:ext cx="610292" cy="19878"/>
+          </a:xfrm>
+          <a:prstGeom prst="line">
+            <a:avLst/>
+          </a:prstGeom>
+        </p:spPr>
+        <p:style>
+          <a:lnRef idx="1">
+            <a:schemeClr val="dk1"/>
+          </a:lnRef>
+          <a:fillRef idx="0">
+            <a:schemeClr val="dk1"/>
+          </a:fillRef>
+          <a:effectRef idx="0">
+            <a:schemeClr val="dk1"/>
+          </a:effectRef>
+          <a:fontRef idx="minor">
+            <a:schemeClr val="tx1"/>
+          </a:fontRef>
+        </p:style>
+      </p:cxnSp>
+      <p:cxnSp>
+        <p:nvCxnSpPr>
+          <p:cNvPr id="67" name="Straight Connector 66">
+            <a:extLst>
+              <a:ext uri="{FF2B5EF4-FFF2-40B4-BE49-F238E27FC236}">
+                <a16:creationId xmlns:a16="http://schemas.microsoft.com/office/drawing/2014/main" id="{B312A314-E9C7-4A24-BE93-5F51C9C54472}"/>
+              </a:ext>
+            </a:extLst>
+          </p:cNvPr>
+          <p:cNvCxnSpPr/>
+          <p:nvPr/>
+        </p:nvCxnSpPr>
+        <p:spPr>
+          <a:xfrm>
+            <a:off x="12929378" y="10233651"/>
+            <a:ext cx="610292" cy="19878"/>
+          </a:xfrm>
+          <a:prstGeom prst="line">
+            <a:avLst/>
+          </a:prstGeom>
+        </p:spPr>
+        <p:style>
+          <a:lnRef idx="1">
+            <a:schemeClr val="dk1"/>
+          </a:lnRef>
+          <a:fillRef idx="0">
+            <a:schemeClr val="dk1"/>
+          </a:fillRef>
+          <a:effectRef idx="0">
+            <a:schemeClr val="dk1"/>
+          </a:effectRef>
+          <a:fontRef idx="minor">
+            <a:schemeClr val="tx1"/>
+          </a:fontRef>
+        </p:style>
+      </p:cxnSp>
+      <p:pic>
+        <p:nvPicPr>
+          <p:cNvPr id="1034" name="Picture 10" descr="Image result for sound sensor arduino">
+            <a:extLst>
+              <a:ext uri="{FF2B5EF4-FFF2-40B4-BE49-F238E27FC236}">
+                <a16:creationId xmlns:a16="http://schemas.microsoft.com/office/drawing/2014/main" id="{ED82199C-293D-48EE-997A-BF2BE2429133}"/>
+              </a:ext>
+            </a:extLst>
+          </p:cNvPr>
+          <p:cNvPicPr>
+            <a:picLocks noChangeAspect="1" noChangeArrowheads="1"/>
+          </p:cNvPicPr>
+          <p:nvPr/>
+        </p:nvPicPr>
+        <p:blipFill>
+          <a:blip r:embed="rId18">
+            <a:extLst>
+              <a:ext uri="{BEBA8EAE-BF5A-486C-A8C5-ECC9F3942E4B}">
+                <a14:imgProps xmlns:a14="http://schemas.microsoft.com/office/drawing/2010/main">
+                  <a14:imgLayer r:embed="rId19">
+                    <a14:imgEffect>
+                      <a14:backgroundRemoval t="9942" b="89474" l="4971" r="91813">
+                        <a14:foregroundMark x1="4094" y1="27485" x2="48830" y2="79532"/>
+                        <a14:foregroundMark x1="48830" y1="79532" x2="5263" y2="29825"/>
+                        <a14:foregroundMark x1="5263" y1="29825" x2="45614" y2="46491"/>
+                        <a14:foregroundMark x1="12865" y1="25731" x2="35673" y2="31287"/>
+                        <a14:foregroundMark x1="21053" y1="17836" x2="28655" y2="22807"/>
+                        <a14:foregroundMark x1="37135" y1="31287" x2="30117" y2="23392"/>
+                        <a14:foregroundMark x1="58480" y1="67544" x2="70760" y2="58480"/>
+                        <a14:foregroundMark x1="66082" y1="51462" x2="70175" y2="55556"/>
+                        <a14:foregroundMark x1="73392" y1="61696" x2="76901" y2="62573"/>
+                        <a14:foregroundMark x1="71930" y1="78947" x2="76608" y2="84795"/>
+                        <a14:foregroundMark x1="76901" y1="84795" x2="78363" y2="61404"/>
+                        <a14:foregroundMark x1="78363" y1="61111" x2="91813" y2="68421"/>
+                        <a14:foregroundMark x1="89181" y1="61111" x2="69298" y2="56140"/>
+                        <a14:foregroundMark x1="79825" y1="63450" x2="73684" y2="55848"/>
+                        <a14:foregroundMark x1="65205" y1="50292" x2="76901" y2="62281"/>
+                      </a14:backgroundRemoval>
+                    </a14:imgEffect>
+                  </a14:imgLayer>
+                </a14:imgProps>
+              </a:ext>
+              <a:ext uri="{28A0092B-C50C-407E-A947-70E740481C1C}">
+                <a14:useLocalDpi xmlns:a14="http://schemas.microsoft.com/office/drawing/2010/main" val="0"/>
+              </a:ext>
+            </a:extLst>
+          </a:blip>
+          <a:srcRect/>
+          <a:stretch>
+            <a:fillRect/>
+          </a:stretch>
+        </p:blipFill>
+        <p:spPr bwMode="auto">
+          <a:xfrm rot="9425946">
+            <a:off x="13839609" y="10092695"/>
+            <a:ext cx="770082" cy="770082"/>
+          </a:xfrm>
+          <a:prstGeom prst="rect">
+            <a:avLst/>
+          </a:prstGeom>
+          <a:noFill/>
+          <a:extLst>
+            <a:ext uri="{909E8E84-426E-40DD-AFC4-6F175D3DCCD1}">
+              <a14:hiddenFill xmlns:a14="http://schemas.microsoft.com/office/drawing/2010/main">
+                <a:solidFill>
+                  <a:srgbClr val="FFFFFF"/>
+                </a:solidFill>
+              </a14:hiddenFill>
+            </a:ext>
+          </a:extLst>
+        </p:spPr>
+      </p:pic>
+      <p:sp>
+        <p:nvSpPr>
+          <p:cNvPr id="69" name="Arrow: Right 68">
+            <a:extLst>
+              <a:ext uri="{FF2B5EF4-FFF2-40B4-BE49-F238E27FC236}">
+                <a16:creationId xmlns:a16="http://schemas.microsoft.com/office/drawing/2014/main" id="{2A16C5F0-E4FB-4651-8DDC-3004380EBB78}"/>
               </a:ext>
             </a:extLst>
           </p:cNvPr>
@@ -5071,9 +6208,9 @@
           <p:nvPr/>
         </p:nvSpPr>
         <p:spPr>
-          <a:xfrm rot="10800000">
-            <a:off x="11432487" y="7488527"/>
-            <a:ext cx="951006" cy="648719"/>
+          <a:xfrm>
+            <a:off x="15661020" y="15001098"/>
+            <a:ext cx="2862845" cy="496326"/>
           </a:xfrm>
           <a:prstGeom prst="rightArrow">
             <a:avLst/>
@@ -5104,100 +6241,196 @@
           </a:p>
         </p:txBody>
       </p:sp>
-      <p:pic>
-        <p:nvPicPr>
-          <p:cNvPr id="13" name="Picture 6" descr="https://scontent-dub4-1.xx.fbcdn.net/v/t1.15752-9/55492858_398401657655248_5820430342556745728_n.jpg?_nc_cat=103&amp;_nc_ht=scontent-dub4-1.xx&amp;oh=5f53a3d00810876fb0a425ccf63d4563&amp;oe=5D12DDE7">
+      <p:sp>
+        <p:nvSpPr>
+          <p:cNvPr id="39" name="TextBox 38">
             <a:extLst>
               <a:ext uri="{FF2B5EF4-FFF2-40B4-BE49-F238E27FC236}">
-                <a16:creationId xmlns:a16="http://schemas.microsoft.com/office/drawing/2014/main" id="{B1C021FF-2D76-4576-B331-5C3E7F78398D}"/>
+                <a16:creationId xmlns:a16="http://schemas.microsoft.com/office/drawing/2014/main" id="{9CD95F32-FD21-418C-802C-E29A445C1D0F}"/>
               </a:ext>
             </a:extLst>
           </p:cNvPr>
-          <p:cNvPicPr>
-            <a:picLocks noChangeAspect="1" noChangeArrowheads="1"/>
-          </p:cNvPicPr>
+          <p:cNvSpPr txBox="1"/>
           <p:nvPr/>
-        </p:nvPicPr>
-        <p:blipFill>
-          <a:blip r:embed="rId14">
-            <a:extLst>
-              <a:ext uri="{28A0092B-C50C-407E-A947-70E740481C1C}">
-                <a14:useLocalDpi xmlns:a14="http://schemas.microsoft.com/office/drawing/2010/main" val="0"/>
-              </a:ext>
-            </a:extLst>
-          </a:blip>
-          <a:srcRect/>
-          <a:stretch>
-            <a:fillRect/>
-          </a:stretch>
-        </p:blipFill>
-        <p:spPr bwMode="auto">
-          <a:xfrm>
-            <a:off x="18743390" y="4643884"/>
-            <a:ext cx="3089389" cy="5492247"/>
+        </p:nvSpPr>
+        <p:spPr>
+          <a:xfrm>
+            <a:off x="7999607" y="4700848"/>
+            <a:ext cx="5117962" cy="692497"/>
           </a:xfrm>
           <a:prstGeom prst="rect">
             <a:avLst/>
           </a:prstGeom>
           <a:noFill/>
-          <a:extLst>
-            <a:ext uri="{909E8E84-426E-40DD-AFC4-6F175D3DCCD1}">
-              <a14:hiddenFill xmlns:a14="http://schemas.microsoft.com/office/drawing/2010/main">
+        </p:spPr>
+        <p:txBody>
+          <a:bodyPr wrap="square" rtlCol="0">
+            <a:spAutoFit/>
+          </a:bodyPr>
+          <a:lstStyle/>
+          <a:p>
+            <a:r>
+              <a:rPr lang="pl-PL" sz="3900" dirty="0">
                 <a:solidFill>
-                  <a:srgbClr val="FFFFFF"/>
+                  <a:schemeClr val="bg1"/>
                 </a:solidFill>
-              </a14:hiddenFill>
-            </a:ext>
-          </a:extLst>
-        </p:spPr>
-      </p:pic>
-      <p:pic>
-        <p:nvPicPr>
-          <p:cNvPr id="15" name="Picture 8" descr="https://scontent-dub4-1.xx.fbcdn.net/v/t1.15752-9/55669623_353453958619755_8894604677031657472_n.jpg?_nc_cat=111&amp;_nc_ht=scontent-dub4-1.xx&amp;oh=6622d93056fc0ec05ec80434bcf87ba0&amp;oe=5D4417D2">
+                <a:latin typeface="Times New Roman" panose="02020603050405020304" pitchFamily="18" charset="0"/>
+                <a:cs typeface="Times New Roman" panose="02020603050405020304" pitchFamily="18" charset="0"/>
+              </a:rPr>
+              <a:t> Location</a:t>
+            </a:r>
+            <a:endParaRPr lang="en-IE" sz="3900" dirty="0">
+              <a:solidFill>
+                <a:schemeClr val="bg1"/>
+              </a:solidFill>
+              <a:latin typeface="Times New Roman" panose="02020603050405020304" pitchFamily="18" charset="0"/>
+              <a:cs typeface="Times New Roman" panose="02020603050405020304" pitchFamily="18" charset="0"/>
+            </a:endParaRPr>
+          </a:p>
+        </p:txBody>
+      </p:sp>
+      <p:sp>
+        <p:nvSpPr>
+          <p:cNvPr id="72" name="TextBox 71">
             <a:extLst>
               <a:ext uri="{FF2B5EF4-FFF2-40B4-BE49-F238E27FC236}">
-                <a16:creationId xmlns:a16="http://schemas.microsoft.com/office/drawing/2014/main" id="{B8E4FBB6-ACC0-4619-9299-1F0D3DC78BEE}"/>
+                <a16:creationId xmlns:a16="http://schemas.microsoft.com/office/drawing/2014/main" id="{21AB62B6-3660-4527-819B-12725C357F96}"/>
               </a:ext>
             </a:extLst>
           </p:cNvPr>
-          <p:cNvPicPr>
-            <a:picLocks noChangeAspect="1" noChangeArrowheads="1"/>
-          </p:cNvPicPr>
+          <p:cNvSpPr txBox="1"/>
           <p:nvPr/>
-        </p:nvPicPr>
-        <p:blipFill>
-          <a:blip r:embed="rId15">
-            <a:extLst>
-              <a:ext uri="{28A0092B-C50C-407E-A947-70E740481C1C}">
-                <a14:useLocalDpi xmlns:a14="http://schemas.microsoft.com/office/drawing/2010/main" val="0"/>
-              </a:ext>
-            </a:extLst>
-          </a:blip>
-          <a:srcRect/>
-          <a:stretch>
-            <a:fillRect/>
-          </a:stretch>
-        </p:blipFill>
-        <p:spPr bwMode="auto">
-          <a:xfrm>
-            <a:off x="8311123" y="4686054"/>
-            <a:ext cx="3089389" cy="5492247"/>
+        </p:nvSpPr>
+        <p:spPr>
+          <a:xfrm>
+            <a:off x="19680880" y="4700848"/>
+            <a:ext cx="5117962" cy="692497"/>
           </a:xfrm>
           <a:prstGeom prst="rect">
             <a:avLst/>
           </a:prstGeom>
           <a:noFill/>
-          <a:extLst>
-            <a:ext uri="{909E8E84-426E-40DD-AFC4-6F175D3DCCD1}">
-              <a14:hiddenFill xmlns:a14="http://schemas.microsoft.com/office/drawing/2010/main">
+        </p:spPr>
+        <p:txBody>
+          <a:bodyPr wrap="square" rtlCol="0">
+            <a:spAutoFit/>
+          </a:bodyPr>
+          <a:lstStyle/>
+          <a:p>
+            <a:r>
+              <a:rPr lang="pl-PL" sz="3900" dirty="0">
                 <a:solidFill>
-                  <a:srgbClr val="FFFFFF"/>
+                  <a:schemeClr val="bg1"/>
                 </a:solidFill>
-              </a14:hiddenFill>
-            </a:ext>
-          </a:extLst>
-        </p:spPr>
-      </p:pic>
+                <a:latin typeface="Times New Roman" panose="02020603050405020304" pitchFamily="18" charset="0"/>
+                <a:cs typeface="Times New Roman" panose="02020603050405020304" pitchFamily="18" charset="0"/>
+              </a:rPr>
+              <a:t> Bluetooth</a:t>
+            </a:r>
+            <a:endParaRPr lang="en-IE" sz="3900" dirty="0">
+              <a:solidFill>
+                <a:schemeClr val="bg1"/>
+              </a:solidFill>
+              <a:latin typeface="Times New Roman" panose="02020603050405020304" pitchFamily="18" charset="0"/>
+              <a:cs typeface="Times New Roman" panose="02020603050405020304" pitchFamily="18" charset="0"/>
+            </a:endParaRPr>
+          </a:p>
+        </p:txBody>
+      </p:sp>
+      <p:sp>
+        <p:nvSpPr>
+          <p:cNvPr id="50" name="TextBox 49">
+            <a:extLst>
+              <a:ext uri="{FF2B5EF4-FFF2-40B4-BE49-F238E27FC236}">
+                <a16:creationId xmlns:a16="http://schemas.microsoft.com/office/drawing/2014/main" id="{51F42177-802B-4BF1-A9A2-482CF7BE4FA0}"/>
+              </a:ext>
+            </a:extLst>
+          </p:cNvPr>
+          <p:cNvSpPr txBox="1"/>
+          <p:nvPr/>
+        </p:nvSpPr>
+        <p:spPr>
+          <a:xfrm>
+            <a:off x="10558588" y="6095641"/>
+            <a:ext cx="1563051" cy="1631216"/>
+          </a:xfrm>
+          <a:prstGeom prst="rect">
+            <a:avLst/>
+          </a:prstGeom>
+          <a:noFill/>
+        </p:spPr>
+        <p:txBody>
+          <a:bodyPr wrap="square" rtlCol="0">
+            <a:spAutoFit/>
+          </a:bodyPr>
+          <a:lstStyle/>
+          <a:p>
+            <a:r>
+              <a:rPr lang="pl-PL" sz="2000" dirty="0">
+                <a:solidFill>
+                  <a:schemeClr val="bg1"/>
+                </a:solidFill>
+                <a:latin typeface="Times New Roman" panose="02020603050405020304" pitchFamily="18" charset="0"/>
+                <a:cs typeface="Times New Roman" panose="02020603050405020304" pitchFamily="18" charset="0"/>
+              </a:rPr>
+              <a:t>Google Maps Api gets the users live current location</a:t>
+            </a:r>
+            <a:endParaRPr lang="en-IE" sz="2000" dirty="0">
+              <a:solidFill>
+                <a:schemeClr val="bg1"/>
+              </a:solidFill>
+            </a:endParaRPr>
+          </a:p>
+        </p:txBody>
+      </p:sp>
+      <p:sp>
+        <p:nvSpPr>
+          <p:cNvPr id="68" name="TextBox 67">
+            <a:extLst>
+              <a:ext uri="{FF2B5EF4-FFF2-40B4-BE49-F238E27FC236}">
+                <a16:creationId xmlns:a16="http://schemas.microsoft.com/office/drawing/2014/main" id="{1D3644BF-D120-44CC-8CAB-35E1F499CE45}"/>
+              </a:ext>
+            </a:extLst>
+          </p:cNvPr>
+          <p:cNvSpPr txBox="1"/>
+          <p:nvPr/>
+        </p:nvSpPr>
+        <p:spPr>
+          <a:xfrm>
+            <a:off x="17687769" y="6198226"/>
+            <a:ext cx="1861552" cy="1631216"/>
+          </a:xfrm>
+          <a:prstGeom prst="rect">
+            <a:avLst/>
+          </a:prstGeom>
+          <a:noFill/>
+        </p:spPr>
+        <p:txBody>
+          <a:bodyPr wrap="square" rtlCol="0">
+            <a:spAutoFit/>
+          </a:bodyPr>
+          <a:lstStyle/>
+          <a:p>
+            <a:r>
+              <a:rPr lang="pl-PL" sz="2000" dirty="0">
+                <a:solidFill>
+                  <a:schemeClr val="bg1"/>
+                </a:solidFill>
+                <a:latin typeface="Times New Roman" panose="02020603050405020304" pitchFamily="18" charset="0"/>
+                <a:cs typeface="Times New Roman" panose="02020603050405020304" pitchFamily="18" charset="0"/>
+              </a:rPr>
+              <a:t>Bluetooth Arduino Connection and buzzer test activity</a:t>
+            </a:r>
+            <a:endParaRPr lang="en-IE" sz="2000" dirty="0">
+              <a:solidFill>
+                <a:schemeClr val="bg1"/>
+              </a:solidFill>
+              <a:latin typeface="Times New Roman" panose="02020603050405020304" pitchFamily="18" charset="0"/>
+              <a:cs typeface="Times New Roman" panose="02020603050405020304" pitchFamily="18" charset="0"/>
+            </a:endParaRPr>
+          </a:p>
+        </p:txBody>
+      </p:sp>
     </p:spTree>
     <p:extLst>
       <p:ext uri="{BB962C8B-B14F-4D97-AF65-F5344CB8AC3E}">

--- a/EXTRAS/Poster.pptx
+++ b/EXTRAS/Poster.pptx
@@ -245,7 +245,7 @@
               <a:rPr lang="en-IE" smtClean="0"/>
               <a:t>01/04/2019</a:t>
             </a:fld>
-            <a:endParaRPr lang="en-IE"/>
+            <a:endParaRPr lang="en-IE" dirty="0"/>
           </a:p>
         </p:txBody>
       </p:sp>
@@ -264,7 +264,7 @@
           <a:bodyPr/>
           <a:lstStyle/>
           <a:p>
-            <a:endParaRPr lang="en-IE"/>
+            <a:endParaRPr lang="en-IE" dirty="0"/>
           </a:p>
         </p:txBody>
       </p:sp>
@@ -287,7 +287,7 @@
               <a:rPr lang="en-IE" smtClean="0"/>
               <a:t>‹#›</a:t>
             </a:fld>
-            <a:endParaRPr lang="en-IE"/>
+            <a:endParaRPr lang="en-IE" dirty="0"/>
           </a:p>
         </p:txBody>
       </p:sp>
@@ -415,7 +415,7 @@
               <a:rPr lang="en-IE" smtClean="0"/>
               <a:t>01/04/2019</a:t>
             </a:fld>
-            <a:endParaRPr lang="en-IE"/>
+            <a:endParaRPr lang="en-IE" dirty="0"/>
           </a:p>
         </p:txBody>
       </p:sp>
@@ -434,7 +434,7 @@
           <a:bodyPr/>
           <a:lstStyle/>
           <a:p>
-            <a:endParaRPr lang="en-IE"/>
+            <a:endParaRPr lang="en-IE" dirty="0"/>
           </a:p>
         </p:txBody>
       </p:sp>
@@ -457,7 +457,7 @@
               <a:rPr lang="en-IE" smtClean="0"/>
               <a:t>‹#›</a:t>
             </a:fld>
-            <a:endParaRPr lang="en-IE"/>
+            <a:endParaRPr lang="en-IE" dirty="0"/>
           </a:p>
         </p:txBody>
       </p:sp>
@@ -595,7 +595,7 @@
               <a:rPr lang="en-IE" smtClean="0"/>
               <a:t>01/04/2019</a:t>
             </a:fld>
-            <a:endParaRPr lang="en-IE"/>
+            <a:endParaRPr lang="en-IE" dirty="0"/>
           </a:p>
         </p:txBody>
       </p:sp>
@@ -614,7 +614,7 @@
           <a:bodyPr/>
           <a:lstStyle/>
           <a:p>
-            <a:endParaRPr lang="en-IE"/>
+            <a:endParaRPr lang="en-IE" dirty="0"/>
           </a:p>
         </p:txBody>
       </p:sp>
@@ -637,7 +637,7 @@
               <a:rPr lang="en-IE" smtClean="0"/>
               <a:t>‹#›</a:t>
             </a:fld>
-            <a:endParaRPr lang="en-IE"/>
+            <a:endParaRPr lang="en-IE" dirty="0"/>
           </a:p>
         </p:txBody>
       </p:sp>
@@ -765,7 +765,7 @@
               <a:rPr lang="en-IE" smtClean="0"/>
               <a:t>01/04/2019</a:t>
             </a:fld>
-            <a:endParaRPr lang="en-IE"/>
+            <a:endParaRPr lang="en-IE" dirty="0"/>
           </a:p>
         </p:txBody>
       </p:sp>
@@ -784,7 +784,7 @@
           <a:bodyPr/>
           <a:lstStyle/>
           <a:p>
-            <a:endParaRPr lang="en-IE"/>
+            <a:endParaRPr lang="en-IE" dirty="0"/>
           </a:p>
         </p:txBody>
       </p:sp>
@@ -807,7 +807,7 @@
               <a:rPr lang="en-IE" smtClean="0"/>
               <a:t>‹#›</a:t>
             </a:fld>
-            <a:endParaRPr lang="en-IE"/>
+            <a:endParaRPr lang="en-IE" dirty="0"/>
           </a:p>
         </p:txBody>
       </p:sp>
@@ -1009,7 +1009,7 @@
               <a:rPr lang="en-IE" smtClean="0"/>
               <a:t>01/04/2019</a:t>
             </a:fld>
-            <a:endParaRPr lang="en-IE"/>
+            <a:endParaRPr lang="en-IE" dirty="0"/>
           </a:p>
         </p:txBody>
       </p:sp>
@@ -1028,7 +1028,7 @@
           <a:bodyPr/>
           <a:lstStyle/>
           <a:p>
-            <a:endParaRPr lang="en-IE"/>
+            <a:endParaRPr lang="en-IE" dirty="0"/>
           </a:p>
         </p:txBody>
       </p:sp>
@@ -1051,7 +1051,7 @@
               <a:rPr lang="en-IE" smtClean="0"/>
               <a:t>‹#›</a:t>
             </a:fld>
-            <a:endParaRPr lang="en-IE"/>
+            <a:endParaRPr lang="en-IE" dirty="0"/>
           </a:p>
         </p:txBody>
       </p:sp>
@@ -1241,7 +1241,7 @@
               <a:rPr lang="en-IE" smtClean="0"/>
               <a:t>01/04/2019</a:t>
             </a:fld>
-            <a:endParaRPr lang="en-IE"/>
+            <a:endParaRPr lang="en-IE" dirty="0"/>
           </a:p>
         </p:txBody>
       </p:sp>
@@ -1260,7 +1260,7 @@
           <a:bodyPr/>
           <a:lstStyle/>
           <a:p>
-            <a:endParaRPr lang="en-IE"/>
+            <a:endParaRPr lang="en-IE" dirty="0"/>
           </a:p>
         </p:txBody>
       </p:sp>
@@ -1283,7 +1283,7 @@
               <a:rPr lang="en-IE" smtClean="0"/>
               <a:t>‹#›</a:t>
             </a:fld>
-            <a:endParaRPr lang="en-IE"/>
+            <a:endParaRPr lang="en-IE" dirty="0"/>
           </a:p>
         </p:txBody>
       </p:sp>
@@ -1608,7 +1608,7 @@
               <a:rPr lang="en-IE" smtClean="0"/>
               <a:t>01/04/2019</a:t>
             </a:fld>
-            <a:endParaRPr lang="en-IE"/>
+            <a:endParaRPr lang="en-IE" dirty="0"/>
           </a:p>
         </p:txBody>
       </p:sp>
@@ -1627,7 +1627,7 @@
           <a:bodyPr/>
           <a:lstStyle/>
           <a:p>
-            <a:endParaRPr lang="en-IE"/>
+            <a:endParaRPr lang="en-IE" dirty="0"/>
           </a:p>
         </p:txBody>
       </p:sp>
@@ -1650,7 +1650,7 @@
               <a:rPr lang="en-IE" smtClean="0"/>
               <a:t>‹#›</a:t>
             </a:fld>
-            <a:endParaRPr lang="en-IE"/>
+            <a:endParaRPr lang="en-IE" dirty="0"/>
           </a:p>
         </p:txBody>
       </p:sp>
@@ -1726,7 +1726,7 @@
               <a:rPr lang="en-IE" smtClean="0"/>
               <a:t>01/04/2019</a:t>
             </a:fld>
-            <a:endParaRPr lang="en-IE"/>
+            <a:endParaRPr lang="en-IE" dirty="0"/>
           </a:p>
         </p:txBody>
       </p:sp>
@@ -1745,7 +1745,7 @@
           <a:bodyPr/>
           <a:lstStyle/>
           <a:p>
-            <a:endParaRPr lang="en-IE"/>
+            <a:endParaRPr lang="en-IE" dirty="0"/>
           </a:p>
         </p:txBody>
       </p:sp>
@@ -1768,7 +1768,7 @@
               <a:rPr lang="en-IE" smtClean="0"/>
               <a:t>‹#›</a:t>
             </a:fld>
-            <a:endParaRPr lang="en-IE"/>
+            <a:endParaRPr lang="en-IE" dirty="0"/>
           </a:p>
         </p:txBody>
       </p:sp>
@@ -1821,7 +1821,7 @@
               <a:rPr lang="en-IE" smtClean="0"/>
               <a:t>01/04/2019</a:t>
             </a:fld>
-            <a:endParaRPr lang="en-IE"/>
+            <a:endParaRPr lang="en-IE" dirty="0"/>
           </a:p>
         </p:txBody>
       </p:sp>
@@ -1840,7 +1840,7 @@
           <a:bodyPr/>
           <a:lstStyle/>
           <a:p>
-            <a:endParaRPr lang="en-IE"/>
+            <a:endParaRPr lang="en-IE" dirty="0"/>
           </a:p>
         </p:txBody>
       </p:sp>
@@ -1863,7 +1863,7 @@
               <a:rPr lang="en-IE" smtClean="0"/>
               <a:t>‹#›</a:t>
             </a:fld>
-            <a:endParaRPr lang="en-IE"/>
+            <a:endParaRPr lang="en-IE" dirty="0"/>
           </a:p>
         </p:txBody>
       </p:sp>
@@ -2098,7 +2098,7 @@
               <a:rPr lang="en-IE" smtClean="0"/>
               <a:t>01/04/2019</a:t>
             </a:fld>
-            <a:endParaRPr lang="en-IE"/>
+            <a:endParaRPr lang="en-IE" dirty="0"/>
           </a:p>
         </p:txBody>
       </p:sp>
@@ -2117,7 +2117,7 @@
           <a:bodyPr/>
           <a:lstStyle/>
           <a:p>
-            <a:endParaRPr lang="en-IE"/>
+            <a:endParaRPr lang="en-IE" dirty="0"/>
           </a:p>
         </p:txBody>
       </p:sp>
@@ -2140,7 +2140,7 @@
               <a:rPr lang="en-IE" smtClean="0"/>
               <a:t>‹#›</a:t>
             </a:fld>
-            <a:endParaRPr lang="en-IE"/>
+            <a:endParaRPr lang="en-IE" dirty="0"/>
           </a:p>
         </p:txBody>
       </p:sp>
@@ -2264,10 +2264,9 @@
           </a:lstStyle>
           <a:p>
             <a:r>
-              <a:rPr lang="en-US"/>
+              <a:rPr lang="en-US" dirty="0"/>
               <a:t>Click icon to add picture</a:t>
             </a:r>
-            <a:endParaRPr lang="en-US" dirty="0"/>
           </a:p>
         </p:txBody>
       </p:sp>
@@ -2355,7 +2354,7 @@
               <a:rPr lang="en-IE" smtClean="0"/>
               <a:t>01/04/2019</a:t>
             </a:fld>
-            <a:endParaRPr lang="en-IE"/>
+            <a:endParaRPr lang="en-IE" dirty="0"/>
           </a:p>
         </p:txBody>
       </p:sp>
@@ -2374,7 +2373,7 @@
           <a:bodyPr/>
           <a:lstStyle/>
           <a:p>
-            <a:endParaRPr lang="en-IE"/>
+            <a:endParaRPr lang="en-IE" dirty="0"/>
           </a:p>
         </p:txBody>
       </p:sp>
@@ -2397,7 +2396,7 @@
               <a:rPr lang="en-IE" smtClean="0"/>
               <a:t>‹#›</a:t>
             </a:fld>
-            <a:endParaRPr lang="en-IE"/>
+            <a:endParaRPr lang="en-IE" dirty="0"/>
           </a:p>
         </p:txBody>
       </p:sp>
@@ -2568,7 +2567,7 @@
               <a:rPr lang="en-IE" smtClean="0"/>
               <a:t>01/04/2019</a:t>
             </a:fld>
-            <a:endParaRPr lang="en-IE"/>
+            <a:endParaRPr lang="en-IE" dirty="0"/>
           </a:p>
         </p:txBody>
       </p:sp>
@@ -2605,7 +2604,7 @@
             </a:lvl1pPr>
           </a:lstStyle>
           <a:p>
-            <a:endParaRPr lang="en-IE"/>
+            <a:endParaRPr lang="en-IE" dirty="0"/>
           </a:p>
         </p:txBody>
       </p:sp>
@@ -2646,7 +2645,7 @@
               <a:rPr lang="en-IE" smtClean="0"/>
               <a:t>‹#›</a:t>
             </a:fld>
-            <a:endParaRPr lang="en-IE"/>
+            <a:endParaRPr lang="en-IE" dirty="0"/>
           </a:p>
         </p:txBody>
       </p:sp>
@@ -3126,10 +3125,10 @@
       </p:sp>
       <p:pic>
         <p:nvPicPr>
-          <p:cNvPr id="1026" name="Picture 2" descr="https://fitsmallbusiness.com/wp-content/uploads/2019/01/2Android-Studio-logo.png">
+          <p:cNvPr id="1028" name="Picture 4" descr="Image result for github logo">
             <a:extLst>
               <a:ext uri="{FF2B5EF4-FFF2-40B4-BE49-F238E27FC236}">
-                <a16:creationId xmlns:a16="http://schemas.microsoft.com/office/drawing/2014/main" id="{7B59F48C-0336-4A03-865C-B40F3721B510}"/>
+                <a16:creationId xmlns:a16="http://schemas.microsoft.com/office/drawing/2014/main" id="{B316A04C-E5C0-4CF9-ABE6-79272302947D}"/>
               </a:ext>
             </a:extLst>
           </p:cNvPr>
@@ -3153,8 +3152,8 @@
         </p:blipFill>
         <p:spPr bwMode="auto">
           <a:xfrm>
-            <a:off x="165609" y="18340431"/>
-            <a:ext cx="4076415" cy="2717610"/>
+            <a:off x="10075135" y="18340431"/>
+            <a:ext cx="2717610" cy="2717610"/>
           </a:xfrm>
           <a:prstGeom prst="rect">
             <a:avLst/>
@@ -3173,10 +3172,10 @@
       </p:pic>
       <p:pic>
         <p:nvPicPr>
-          <p:cNvPr id="1028" name="Picture 4" descr="Image result for github logo">
+          <p:cNvPr id="1030" name="Picture 6" descr="Image result for arduino logo">
             <a:extLst>
               <a:ext uri="{FF2B5EF4-FFF2-40B4-BE49-F238E27FC236}">
-                <a16:creationId xmlns:a16="http://schemas.microsoft.com/office/drawing/2014/main" id="{B316A04C-E5C0-4CF9-ABE6-79272302947D}"/>
+                <a16:creationId xmlns:a16="http://schemas.microsoft.com/office/drawing/2014/main" id="{FCFAE204-ECE2-49C1-B813-81FBCF54E093}"/>
               </a:ext>
             </a:extLst>
           </p:cNvPr>
@@ -3200,8 +3199,8 @@
         </p:blipFill>
         <p:spPr bwMode="auto">
           <a:xfrm>
-            <a:off x="10075135" y="18340431"/>
-            <a:ext cx="2717610" cy="2717610"/>
+            <a:off x="18406349" y="18251367"/>
+            <a:ext cx="4217677" cy="2806673"/>
           </a:xfrm>
           <a:prstGeom prst="rect">
             <a:avLst/>
@@ -3220,10 +3219,10 @@
       </p:pic>
       <p:pic>
         <p:nvPicPr>
-          <p:cNvPr id="1030" name="Picture 6" descr="Image result for arduino logo">
+          <p:cNvPr id="1032" name="Picture 8" descr="Image result for firebase logo">
             <a:extLst>
               <a:ext uri="{FF2B5EF4-FFF2-40B4-BE49-F238E27FC236}">
-                <a16:creationId xmlns:a16="http://schemas.microsoft.com/office/drawing/2014/main" id="{FCFAE204-ECE2-49C1-B813-81FBCF54E093}"/>
+                <a16:creationId xmlns:a16="http://schemas.microsoft.com/office/drawing/2014/main" id="{94A88462-E359-4CA0-9CC5-3C83D2F79AC9}"/>
               </a:ext>
             </a:extLst>
           </p:cNvPr>
@@ -3247,8 +3246,8 @@
         </p:blipFill>
         <p:spPr bwMode="auto">
           <a:xfrm>
-            <a:off x="18406349" y="18251367"/>
-            <a:ext cx="4217677" cy="2806673"/>
+            <a:off x="4329368" y="18340431"/>
+            <a:ext cx="5338802" cy="2457268"/>
           </a:xfrm>
           <a:prstGeom prst="rect">
             <a:avLst/>
@@ -3267,10 +3266,10 @@
       </p:pic>
       <p:pic>
         <p:nvPicPr>
-          <p:cNvPr id="1032" name="Picture 8" descr="Image result for firebase logo">
+          <p:cNvPr id="1036" name="Picture 12" descr="Image result for java logo">
             <a:extLst>
               <a:ext uri="{FF2B5EF4-FFF2-40B4-BE49-F238E27FC236}">
-                <a16:creationId xmlns:a16="http://schemas.microsoft.com/office/drawing/2014/main" id="{94A88462-E359-4CA0-9CC5-3C83D2F79AC9}"/>
+                <a16:creationId xmlns:a16="http://schemas.microsoft.com/office/drawing/2014/main" id="{9C8CDFC1-BFC6-44F9-8D65-1B1D4A94970A}"/>
               </a:ext>
             </a:extLst>
           </p:cNvPr>
@@ -3294,8 +3293,8 @@
         </p:blipFill>
         <p:spPr bwMode="auto">
           <a:xfrm>
-            <a:off x="4329368" y="18340431"/>
-            <a:ext cx="5338802" cy="2457268"/>
+            <a:off x="13249767" y="18253655"/>
+            <a:ext cx="4699560" cy="2630827"/>
           </a:xfrm>
           <a:prstGeom prst="rect">
             <a:avLst/>
@@ -3314,10 +3313,10 @@
       </p:pic>
       <p:pic>
         <p:nvPicPr>
-          <p:cNvPr id="1036" name="Picture 12" descr="Image result for java logo">
+          <p:cNvPr id="1038" name="Picture 14" descr="Image result for c++ logo">
             <a:extLst>
               <a:ext uri="{FF2B5EF4-FFF2-40B4-BE49-F238E27FC236}">
-                <a16:creationId xmlns:a16="http://schemas.microsoft.com/office/drawing/2014/main" id="{9C8CDFC1-BFC6-44F9-8D65-1B1D4A94970A}"/>
+                <a16:creationId xmlns:a16="http://schemas.microsoft.com/office/drawing/2014/main" id="{9DD5717C-9518-4928-9B5E-352E04DD01DA}"/>
               </a:ext>
             </a:extLst>
           </p:cNvPr>
@@ -3341,8 +3340,8 @@
         </p:blipFill>
         <p:spPr bwMode="auto">
           <a:xfrm>
-            <a:off x="13249767" y="18253655"/>
-            <a:ext cx="4699560" cy="2630827"/>
+            <a:off x="26547280" y="17683528"/>
+            <a:ext cx="3001747" cy="3374513"/>
           </a:xfrm>
           <a:prstGeom prst="rect">
             <a:avLst/>
@@ -3361,10 +3360,10 @@
       </p:pic>
       <p:pic>
         <p:nvPicPr>
-          <p:cNvPr id="1038" name="Picture 14" descr="Image result for c++ logo">
+          <p:cNvPr id="1042" name="Picture 18" descr="Image result for google maps logo">
             <a:extLst>
               <a:ext uri="{FF2B5EF4-FFF2-40B4-BE49-F238E27FC236}">
-                <a16:creationId xmlns:a16="http://schemas.microsoft.com/office/drawing/2014/main" id="{9DD5717C-9518-4928-9B5E-352E04DD01DA}"/>
+                <a16:creationId xmlns:a16="http://schemas.microsoft.com/office/drawing/2014/main" id="{70153972-D81D-44EE-A3C0-63C42C16BC85}"/>
               </a:ext>
             </a:extLst>
           </p:cNvPr>
@@ -3388,8 +3387,8 @@
         </p:blipFill>
         <p:spPr bwMode="auto">
           <a:xfrm>
-            <a:off x="26547280" y="17683528"/>
-            <a:ext cx="3001747" cy="3374513"/>
+            <a:off x="23081048" y="18017694"/>
+            <a:ext cx="3001747" cy="3040345"/>
           </a:xfrm>
           <a:prstGeom prst="rect">
             <a:avLst/>
@@ -3408,10 +3407,10 @@
       </p:pic>
       <p:pic>
         <p:nvPicPr>
-          <p:cNvPr id="1042" name="Picture 18" descr="Image result for google maps logo">
+          <p:cNvPr id="1046" name="Picture 22" descr="Image result for emergency escape">
             <a:extLst>
               <a:ext uri="{FF2B5EF4-FFF2-40B4-BE49-F238E27FC236}">
-                <a16:creationId xmlns:a16="http://schemas.microsoft.com/office/drawing/2014/main" id="{70153972-D81D-44EE-A3C0-63C42C16BC85}"/>
+                <a16:creationId xmlns:a16="http://schemas.microsoft.com/office/drawing/2014/main" id="{1DDFC978-52D1-4166-95E0-5CA63BCEBE17}"/>
               </a:ext>
             </a:extLst>
           </p:cNvPr>
@@ -3435,8 +3434,8 @@
         </p:blipFill>
         <p:spPr bwMode="auto">
           <a:xfrm>
-            <a:off x="23081048" y="18017694"/>
-            <a:ext cx="3001747" cy="3040345"/>
+            <a:off x="401118" y="1211580"/>
+            <a:ext cx="2924175" cy="1600200"/>
           </a:xfrm>
           <a:prstGeom prst="rect">
             <a:avLst/>
@@ -3455,10 +3454,10 @@
       </p:pic>
       <p:pic>
         <p:nvPicPr>
-          <p:cNvPr id="1046" name="Picture 22" descr="Image result for emergency escape">
+          <p:cNvPr id="19" name="Picture 22" descr="Image result for emergency escape">
             <a:extLst>
               <a:ext uri="{FF2B5EF4-FFF2-40B4-BE49-F238E27FC236}">
-                <a16:creationId xmlns:a16="http://schemas.microsoft.com/office/drawing/2014/main" id="{1DDFC978-52D1-4166-95E0-5CA63BCEBE17}"/>
+                <a16:creationId xmlns:a16="http://schemas.microsoft.com/office/drawing/2014/main" id="{844175D9-40A4-4F33-BF11-A3C140197092}"/>
               </a:ext>
             </a:extLst>
           </p:cNvPr>
@@ -3468,54 +3467,7 @@
           <p:nvPr/>
         </p:nvPicPr>
         <p:blipFill>
-          <a:blip r:embed="rId9">
-            <a:extLst>
-              <a:ext uri="{28A0092B-C50C-407E-A947-70E740481C1C}">
-                <a14:useLocalDpi xmlns:a14="http://schemas.microsoft.com/office/drawing/2010/main" val="0"/>
-              </a:ext>
-            </a:extLst>
-          </a:blip>
-          <a:srcRect/>
-          <a:stretch>
-            <a:fillRect/>
-          </a:stretch>
-        </p:blipFill>
-        <p:spPr bwMode="auto">
-          <a:xfrm>
-            <a:off x="401118" y="1211580"/>
-            <a:ext cx="2924175" cy="1600200"/>
-          </a:xfrm>
-          <a:prstGeom prst="rect">
-            <a:avLst/>
-          </a:prstGeom>
-          <a:noFill/>
-          <a:extLst>
-            <a:ext uri="{909E8E84-426E-40DD-AFC4-6F175D3DCCD1}">
-              <a14:hiddenFill xmlns:a14="http://schemas.microsoft.com/office/drawing/2010/main">
-                <a:solidFill>
-                  <a:srgbClr val="FFFFFF"/>
-                </a:solidFill>
-              </a14:hiddenFill>
-            </a:ext>
-          </a:extLst>
-        </p:spPr>
-      </p:pic>
-      <p:pic>
-        <p:nvPicPr>
-          <p:cNvPr id="19" name="Picture 22" descr="Image result for emergency escape">
-            <a:extLst>
-              <a:ext uri="{FF2B5EF4-FFF2-40B4-BE49-F238E27FC236}">
-                <a16:creationId xmlns:a16="http://schemas.microsoft.com/office/drawing/2014/main" id="{844175D9-40A4-4F33-BF11-A3C140197092}"/>
-              </a:ext>
-            </a:extLst>
-          </p:cNvPr>
-          <p:cNvPicPr>
-            <a:picLocks noChangeAspect="1" noChangeArrowheads="1"/>
-          </p:cNvPicPr>
-          <p:nvPr/>
-        </p:nvPicPr>
-        <p:blipFill>
-          <a:blip r:embed="rId9">
+          <a:blip r:embed="rId8">
             <a:extLst>
               <a:ext uri="{28A0092B-C50C-407E-A947-70E740481C1C}">
                 <a14:useLocalDpi xmlns:a14="http://schemas.microsoft.com/office/drawing/2010/main" val="0"/>
@@ -3592,70 +3544,70 @@
           <a:lstStyle/>
           <a:p>
             <a:pPr algn="ctr"/>
-            <a:endParaRPr lang="pl-PL" sz="5400" b="1" u="sng" dirty="0">
+            <a:endParaRPr lang="pl-PL" sz="4800" b="1" u="sng" dirty="0">
               <a:latin typeface="Times New Roman" panose="02020603050405020304" pitchFamily="18" charset="0"/>
               <a:cs typeface="Times New Roman" panose="02020603050405020304" pitchFamily="18" charset="0"/>
             </a:endParaRPr>
           </a:p>
           <a:p>
             <a:pPr algn="ctr"/>
-            <a:endParaRPr lang="pl-PL" sz="5400" b="1" u="sng" dirty="0">
+            <a:endParaRPr lang="pl-PL" sz="4800" b="1" u="sng" dirty="0">
               <a:latin typeface="Times New Roman" panose="02020603050405020304" pitchFamily="18" charset="0"/>
               <a:cs typeface="Times New Roman" panose="02020603050405020304" pitchFamily="18" charset="0"/>
             </a:endParaRPr>
           </a:p>
           <a:p>
             <a:pPr algn="ctr"/>
-            <a:endParaRPr lang="pl-PL" sz="5400" b="1" u="sng" dirty="0">
+            <a:endParaRPr lang="pl-PL" sz="4800" b="1" u="sng" dirty="0">
               <a:latin typeface="Times New Roman" panose="02020603050405020304" pitchFamily="18" charset="0"/>
               <a:cs typeface="Times New Roman" panose="02020603050405020304" pitchFamily="18" charset="0"/>
             </a:endParaRPr>
           </a:p>
           <a:p>
             <a:pPr algn="ctr"/>
-            <a:endParaRPr lang="pl-PL" sz="5400" b="1" u="sng" dirty="0">
+            <a:endParaRPr lang="pl-PL" sz="4800" b="1" u="sng" dirty="0">
               <a:latin typeface="Times New Roman" panose="02020603050405020304" pitchFamily="18" charset="0"/>
               <a:cs typeface="Times New Roman" panose="02020603050405020304" pitchFamily="18" charset="0"/>
             </a:endParaRPr>
           </a:p>
           <a:p>
             <a:pPr algn="ctr"/>
-            <a:endParaRPr lang="pl-PL" sz="5400" b="1" u="sng" dirty="0">
+            <a:endParaRPr lang="pl-PL" sz="4800" b="1" u="sng" dirty="0">
               <a:latin typeface="Times New Roman" panose="02020603050405020304" pitchFamily="18" charset="0"/>
               <a:cs typeface="Times New Roman" panose="02020603050405020304" pitchFamily="18" charset="0"/>
             </a:endParaRPr>
           </a:p>
           <a:p>
             <a:pPr algn="ctr"/>
-            <a:endParaRPr lang="pl-PL" sz="5400" b="1" u="sng" dirty="0">
+            <a:endParaRPr lang="pl-PL" sz="4800" b="1" u="sng" dirty="0">
               <a:latin typeface="Times New Roman" panose="02020603050405020304" pitchFamily="18" charset="0"/>
               <a:cs typeface="Times New Roman" panose="02020603050405020304" pitchFamily="18" charset="0"/>
             </a:endParaRPr>
           </a:p>
           <a:p>
             <a:pPr algn="ctr"/>
-            <a:endParaRPr lang="pl-PL" sz="5400" b="1" u="sng" dirty="0">
+            <a:endParaRPr lang="pl-PL" sz="4800" b="1" u="sng" dirty="0">
               <a:latin typeface="Times New Roman" panose="02020603050405020304" pitchFamily="18" charset="0"/>
               <a:cs typeface="Times New Roman" panose="02020603050405020304" pitchFamily="18" charset="0"/>
             </a:endParaRPr>
           </a:p>
           <a:p>
             <a:pPr algn="ctr"/>
-            <a:endParaRPr lang="pl-PL" sz="5400" b="1" u="sng" dirty="0">
+            <a:endParaRPr lang="pl-PL" sz="4800" b="1" u="sng" dirty="0">
               <a:latin typeface="Times New Roman" panose="02020603050405020304" pitchFamily="18" charset="0"/>
               <a:cs typeface="Times New Roman" panose="02020603050405020304" pitchFamily="18" charset="0"/>
             </a:endParaRPr>
           </a:p>
           <a:p>
             <a:pPr algn="ctr"/>
-            <a:endParaRPr lang="pl-PL" sz="5400" b="1" u="sng" dirty="0">
+            <a:endParaRPr lang="pl-PL" sz="4800" b="1" u="sng" dirty="0">
               <a:latin typeface="Times New Roman" panose="02020603050405020304" pitchFamily="18" charset="0"/>
               <a:cs typeface="Times New Roman" panose="02020603050405020304" pitchFamily="18" charset="0"/>
             </a:endParaRPr>
           </a:p>
           <a:p>
             <a:pPr algn="ctr"/>
-            <a:endParaRPr lang="pl-PL" sz="5400" b="1" u="sng" dirty="0">
+            <a:endParaRPr lang="pl-PL" sz="4800" b="1" u="sng" dirty="0">
               <a:latin typeface="Times New Roman" panose="02020603050405020304" pitchFamily="18" charset="0"/>
               <a:cs typeface="Times New Roman" panose="02020603050405020304" pitchFamily="18" charset="0"/>
             </a:endParaRPr>
@@ -3663,13 +3615,13 @@
           <a:p>
             <a:pPr algn="ctr"/>
             <a:r>
-              <a:rPr lang="pl-PL" sz="5400" b="1" u="sng" dirty="0">
+              <a:rPr lang="pl-PL" sz="4800" b="1" u="sng" dirty="0">
                 <a:latin typeface="Times New Roman" panose="02020603050405020304" pitchFamily="18" charset="0"/>
                 <a:cs typeface="Times New Roman" panose="02020603050405020304" pitchFamily="18" charset="0"/>
               </a:rPr>
               <a:t>Introduction</a:t>
             </a:r>
-            <a:endParaRPr lang="pl-PL" sz="3900" dirty="0">
+            <a:endParaRPr lang="pl-PL" sz="3600" dirty="0">
               <a:latin typeface="Times New Roman" panose="02020603050405020304" pitchFamily="18" charset="0"/>
               <a:cs typeface="Times New Roman" panose="02020603050405020304" pitchFamily="18" charset="0"/>
             </a:endParaRPr>
@@ -3680,79 +3632,54 @@
               <a:buChar char="•"/>
             </a:pPr>
             <a:r>
-              <a:rPr lang="pl-PL" sz="3900" dirty="0">
+              <a:rPr lang="pl-PL" sz="3600" dirty="0">
                 <a:latin typeface="Times New Roman" panose="02020603050405020304" pitchFamily="18" charset="0"/>
                 <a:cs typeface="Times New Roman" panose="02020603050405020304" pitchFamily="18" charset="0"/>
               </a:rPr>
               <a:t>An</a:t>
             </a:r>
             <a:r>
-              <a:rPr lang="en-IE" sz="3900" dirty="0">
+              <a:rPr lang="en-IE" sz="3600" dirty="0">
                 <a:latin typeface="Times New Roman" panose="02020603050405020304" pitchFamily="18" charset="0"/>
                 <a:cs typeface="Times New Roman" panose="02020603050405020304" pitchFamily="18" charset="0"/>
               </a:rPr>
               <a:t> Arduino</a:t>
             </a:r>
             <a:r>
-              <a:rPr lang="pl-PL" sz="3900" dirty="0">
+              <a:rPr lang="pl-PL" sz="3600" dirty="0">
                 <a:latin typeface="Times New Roman" panose="02020603050405020304" pitchFamily="18" charset="0"/>
                 <a:cs typeface="Times New Roman" panose="02020603050405020304" pitchFamily="18" charset="0"/>
               </a:rPr>
               <a:t> board is</a:t>
             </a:r>
             <a:r>
-              <a:rPr lang="en-IE" sz="3900" dirty="0">
+              <a:rPr lang="en-IE" sz="3600" dirty="0">
                 <a:latin typeface="Times New Roman" panose="02020603050405020304" pitchFamily="18" charset="0"/>
                 <a:cs typeface="Times New Roman" panose="02020603050405020304" pitchFamily="18" charset="0"/>
               </a:rPr>
               <a:t> connected to </a:t>
             </a:r>
             <a:r>
-              <a:rPr lang="pl-PL" sz="3900" dirty="0">
+              <a:rPr lang="pl-PL" sz="3600" dirty="0">
                 <a:latin typeface="Times New Roman" panose="02020603050405020304" pitchFamily="18" charset="0"/>
                 <a:cs typeface="Times New Roman" panose="02020603050405020304" pitchFamily="18" charset="0"/>
               </a:rPr>
               <a:t>a mobile</a:t>
             </a:r>
             <a:r>
-              <a:rPr lang="en-IE" sz="3900" dirty="0">
+              <a:rPr lang="en-IE" sz="3600" dirty="0">
                 <a:latin typeface="Times New Roman" panose="02020603050405020304" pitchFamily="18" charset="0"/>
                 <a:cs typeface="Times New Roman" panose="02020603050405020304" pitchFamily="18" charset="0"/>
               </a:rPr>
               <a:t> application</a:t>
             </a:r>
             <a:r>
-              <a:rPr lang="pl-PL" sz="3900" dirty="0">
+              <a:rPr lang="pl-PL" sz="3600" dirty="0">
                 <a:latin typeface="Times New Roman" panose="02020603050405020304" pitchFamily="18" charset="0"/>
                 <a:cs typeface="Times New Roman" panose="02020603050405020304" pitchFamily="18" charset="0"/>
               </a:rPr>
-              <a:t>, </a:t>
-            </a:r>
-            <a:r>
-              <a:rPr lang="en-IE" sz="3900" dirty="0">
-                <a:latin typeface="Times New Roman" panose="02020603050405020304" pitchFamily="18" charset="0"/>
-                <a:cs typeface="Times New Roman" panose="02020603050405020304" pitchFamily="18" charset="0"/>
-              </a:rPr>
-              <a:t>a buzzer</a:t>
-            </a:r>
-            <a:r>
-              <a:rPr lang="pl-PL" sz="3900" dirty="0">
-                <a:latin typeface="Times New Roman" panose="02020603050405020304" pitchFamily="18" charset="0"/>
-                <a:cs typeface="Times New Roman" panose="02020603050405020304" pitchFamily="18" charset="0"/>
-              </a:rPr>
-              <a:t> and a sound sensor </a:t>
-            </a:r>
-            <a:r>
-              <a:rPr lang="en-IE" sz="3900" dirty="0">
-                <a:latin typeface="Times New Roman" panose="02020603050405020304" pitchFamily="18" charset="0"/>
-                <a:cs typeface="Times New Roman" panose="02020603050405020304" pitchFamily="18" charset="0"/>
-              </a:rPr>
-              <a:t>in Arduino. </a:t>
-            </a:r>
-            <a:endParaRPr lang="pl-PL" sz="3900" dirty="0">
-              <a:latin typeface="Times New Roman" panose="02020603050405020304" pitchFamily="18" charset="0"/>
-              <a:cs typeface="Times New Roman" panose="02020603050405020304" pitchFamily="18" charset="0"/>
-            </a:endParaRPr>
+              <a:t> through a bluetooth module. </a:t>
+            </a:r>
           </a:p>
           <a:p>
             <a:pPr marL="571500" indent="-571500">
@@ -3760,44 +3687,174 @@
               <a:buChar char="•"/>
             </a:pPr>
             <a:r>
-              <a:rPr lang="en-IE" sz="3900" dirty="0">
+              <a:rPr lang="pl-PL" sz="3600" dirty="0">
+                <a:latin typeface="Times New Roman" panose="02020603050405020304" pitchFamily="18" charset="0"/>
+                <a:cs typeface="Times New Roman" panose="02020603050405020304" pitchFamily="18" charset="0"/>
+              </a:rPr>
+              <a:t>A</a:t>
+            </a:r>
+            <a:r>
+              <a:rPr lang="en-IE" sz="3600" dirty="0">
+                <a:latin typeface="Times New Roman" panose="02020603050405020304" pitchFamily="18" charset="0"/>
+                <a:cs typeface="Times New Roman" panose="02020603050405020304" pitchFamily="18" charset="0"/>
+              </a:rPr>
+              <a:t> buzzer</a:t>
+            </a:r>
+            <a:r>
+              <a:rPr lang="pl-PL" sz="3600" dirty="0">
+                <a:latin typeface="Times New Roman" panose="02020603050405020304" pitchFamily="18" charset="0"/>
+                <a:cs typeface="Times New Roman" panose="02020603050405020304" pitchFamily="18" charset="0"/>
+              </a:rPr>
+              <a:t> and a sound sensor are connected to the application through bluetooth.</a:t>
+            </a:r>
+          </a:p>
+          <a:p>
+            <a:pPr marL="571500" indent="-571500">
+              <a:buFont typeface="Arial" panose="020B0604020202020204" pitchFamily="34" charset="0"/>
+              <a:buChar char="•"/>
+            </a:pPr>
+            <a:r>
+              <a:rPr lang="en-IE" sz="3600" dirty="0">
                 <a:latin typeface="Times New Roman" panose="02020603050405020304" pitchFamily="18" charset="0"/>
                 <a:cs typeface="Times New Roman" panose="02020603050405020304" pitchFamily="18" charset="0"/>
               </a:rPr>
               <a:t>The buzzer will sound, and an emergency exit route </a:t>
             </a:r>
             <a:r>
-              <a:rPr lang="pl-PL" sz="3900" dirty="0">
+              <a:rPr lang="pl-PL" sz="3600" dirty="0">
+                <a:latin typeface="Times New Roman" panose="02020603050405020304" pitchFamily="18" charset="0"/>
+                <a:cs typeface="Times New Roman" panose="02020603050405020304" pitchFamily="18" charset="0"/>
+              </a:rPr>
+              <a:t>is then</a:t>
+            </a:r>
+            <a:r>
+              <a:rPr lang="en-IE" sz="3600" dirty="0">
+                <a:latin typeface="Times New Roman" panose="02020603050405020304" pitchFamily="18" charset="0"/>
+                <a:cs typeface="Times New Roman" panose="02020603050405020304" pitchFamily="18" charset="0"/>
+              </a:rPr>
+              <a:t> displayed on </a:t>
+            </a:r>
+            <a:r>
+              <a:rPr lang="pl-PL" sz="3600" dirty="0">
+                <a:latin typeface="Times New Roman" panose="02020603050405020304" pitchFamily="18" charset="0"/>
+                <a:cs typeface="Times New Roman" panose="02020603050405020304" pitchFamily="18" charset="0"/>
+              </a:rPr>
+              <a:t>screen</a:t>
+            </a:r>
+            <a:r>
+              <a:rPr lang="en-IE" sz="3600" dirty="0">
+                <a:latin typeface="Times New Roman" panose="02020603050405020304" pitchFamily="18" charset="0"/>
+                <a:cs typeface="Times New Roman" panose="02020603050405020304" pitchFamily="18" charset="0"/>
+              </a:rPr>
+              <a:t>.</a:t>
+            </a:r>
+            <a:endParaRPr lang="pl-PL" sz="3600" dirty="0">
+              <a:latin typeface="Times New Roman" panose="02020603050405020304" pitchFamily="18" charset="0"/>
+              <a:cs typeface="Times New Roman" panose="02020603050405020304" pitchFamily="18" charset="0"/>
+            </a:endParaRPr>
+          </a:p>
+          <a:p>
+            <a:pPr marL="571500" indent="-571500">
+              <a:buFont typeface="Arial" panose="020B0604020202020204" pitchFamily="34" charset="0"/>
+              <a:buChar char="•"/>
+            </a:pPr>
+            <a:r>
+              <a:rPr lang="pl-PL" sz="3600" dirty="0">
+                <a:latin typeface="Times New Roman" panose="02020603050405020304" pitchFamily="18" charset="0"/>
+                <a:cs typeface="Times New Roman" panose="02020603050405020304" pitchFamily="18" charset="0"/>
+              </a:rPr>
+              <a:t>I use a custom view in Android Studio called GridView to display the graph of the escape route.</a:t>
+            </a:r>
+          </a:p>
+          <a:p>
+            <a:pPr marL="571500" indent="-571500">
+              <a:buFont typeface="Arial" panose="020B0604020202020204" pitchFamily="34" charset="0"/>
+              <a:buChar char="•"/>
+            </a:pPr>
+            <a:r>
+              <a:rPr lang="en-IE" sz="3600" dirty="0">
+                <a:latin typeface="Times New Roman" panose="02020603050405020304" pitchFamily="18" charset="0"/>
+                <a:cs typeface="Times New Roman" panose="02020603050405020304" pitchFamily="18" charset="0"/>
+              </a:rPr>
+              <a:t>The application </a:t>
+            </a:r>
+            <a:r>
+              <a:rPr lang="pl-PL" sz="3600" dirty="0">
                 <a:latin typeface="Times New Roman" panose="02020603050405020304" pitchFamily="18" charset="0"/>
                 <a:cs typeface="Times New Roman" panose="02020603050405020304" pitchFamily="18" charset="0"/>
               </a:rPr>
               <a:t>is</a:t>
             </a:r>
             <a:r>
-              <a:rPr lang="en-IE" sz="3900" dirty="0">
+              <a:rPr lang="en-IE" sz="3600" dirty="0">
                 <a:latin typeface="Times New Roman" panose="02020603050405020304" pitchFamily="18" charset="0"/>
                 <a:cs typeface="Times New Roman" panose="02020603050405020304" pitchFamily="18" charset="0"/>
               </a:rPr>
-              <a:t> displayed on the</a:t>
-            </a:r>
-            <a:r>
-              <a:rPr lang="pl-PL" sz="3900" dirty="0">
+              <a:t> for android, it </a:t>
+            </a:r>
+            <a:r>
+              <a:rPr lang="pl-PL" sz="3600" dirty="0">
                 <a:latin typeface="Times New Roman" panose="02020603050405020304" pitchFamily="18" charset="0"/>
                 <a:cs typeface="Times New Roman" panose="02020603050405020304" pitchFamily="18" charset="0"/>
               </a:rPr>
-              <a:t> screen</a:t>
-            </a:r>
-            <a:r>
-              <a:rPr lang="en-IE" sz="3900" dirty="0">
+              <a:t>has </a:t>
+            </a:r>
+            <a:r>
+              <a:rPr lang="en-IE" sz="3600" dirty="0">
                 <a:latin typeface="Times New Roman" panose="02020603050405020304" pitchFamily="18" charset="0"/>
                 <a:cs typeface="Times New Roman" panose="02020603050405020304" pitchFamily="18" charset="0"/>
               </a:rPr>
-              <a:t>.</a:t>
-            </a:r>
-            <a:endParaRPr lang="pl-PL" sz="3900" dirty="0">
-              <a:latin typeface="Times New Roman" panose="02020603050405020304" pitchFamily="18" charset="0"/>
-              <a:cs typeface="Times New Roman" panose="02020603050405020304" pitchFamily="18" charset="0"/>
-            </a:endParaRPr>
+              <a:t>a</a:t>
+            </a:r>
+            <a:r>
+              <a:rPr lang="pl-PL" sz="3600" dirty="0">
+                <a:latin typeface="Times New Roman" panose="02020603050405020304" pitchFamily="18" charset="0"/>
+                <a:cs typeface="Times New Roman" panose="02020603050405020304" pitchFamily="18" charset="0"/>
+              </a:rPr>
+              <a:t> firebase</a:t>
+            </a:r>
+            <a:r>
+              <a:rPr lang="en-IE" sz="3600" dirty="0">
+                <a:latin typeface="Times New Roman" panose="02020603050405020304" pitchFamily="18" charset="0"/>
+                <a:cs typeface="Times New Roman" panose="02020603050405020304" pitchFamily="18" charset="0"/>
+              </a:rPr>
+              <a:t> database of users</a:t>
+            </a:r>
+            <a:r>
+              <a:rPr lang="pl-PL" sz="3600" dirty="0">
+                <a:latin typeface="Times New Roman" panose="02020603050405020304" pitchFamily="18" charset="0"/>
+                <a:cs typeface="Times New Roman" panose="02020603050405020304" pitchFamily="18" charset="0"/>
+              </a:rPr>
+              <a:t>. Dijstras</a:t>
+            </a:r>
+            <a:r>
+              <a:rPr lang="en-IE" sz="3600" dirty="0">
+                <a:latin typeface="Times New Roman" panose="02020603050405020304" pitchFamily="18" charset="0"/>
+                <a:cs typeface="Times New Roman" panose="02020603050405020304" pitchFamily="18" charset="0"/>
+              </a:rPr>
+              <a:t> algorithm </a:t>
+            </a:r>
+            <a:r>
+              <a:rPr lang="pl-PL" sz="3600" dirty="0">
+                <a:latin typeface="Times New Roman" panose="02020603050405020304" pitchFamily="18" charset="0"/>
+                <a:cs typeface="Times New Roman" panose="02020603050405020304" pitchFamily="18" charset="0"/>
+              </a:rPr>
+              <a:t>is used</a:t>
+            </a:r>
+            <a:r>
+              <a:rPr lang="en-IE" sz="3600" dirty="0">
+                <a:latin typeface="Times New Roman" panose="02020603050405020304" pitchFamily="18" charset="0"/>
+                <a:cs typeface="Times New Roman" panose="02020603050405020304" pitchFamily="18" charset="0"/>
+              </a:rPr>
+              <a:t> to find the quickest route out of the building</a:t>
+            </a:r>
+            <a:r>
+              <a:rPr lang="pl-PL" sz="3600" dirty="0">
+                <a:latin typeface="Times New Roman" panose="02020603050405020304" pitchFamily="18" charset="0"/>
+                <a:cs typeface="Times New Roman" panose="02020603050405020304" pitchFamily="18" charset="0"/>
+              </a:rPr>
+              <a:t>. </a:t>
+            </a:r>
           </a:p>
           <a:p>
             <a:pPr marL="571500" indent="-571500">
@@ -3805,11 +3862,11 @@
               <a:buChar char="•"/>
             </a:pPr>
             <a:r>
-              <a:rPr lang="pl-PL" sz="3900" dirty="0">
+              <a:rPr lang="pl-PL" sz="3600" dirty="0">
                 <a:latin typeface="Times New Roman" panose="02020603050405020304" pitchFamily="18" charset="0"/>
                 <a:cs typeface="Times New Roman" panose="02020603050405020304" pitchFamily="18" charset="0"/>
               </a:rPr>
-              <a:t>I use a custom view in Arduino called GridView to display the graphs of the escape route.</a:t>
+              <a:t>Google Maps API is used to display the map with the current location.</a:t>
             </a:r>
           </a:p>
           <a:p>
@@ -3817,104 +3874,17 @@
               <a:buFont typeface="Arial" panose="020B0604020202020204" pitchFamily="34" charset="0"/>
               <a:buChar char="•"/>
             </a:pPr>
-            <a:r>
-              <a:rPr lang="en-IE" sz="3900" dirty="0">
-                <a:latin typeface="Times New Roman" panose="02020603050405020304" pitchFamily="18" charset="0"/>
-                <a:cs typeface="Times New Roman" panose="02020603050405020304" pitchFamily="18" charset="0"/>
-              </a:rPr>
-              <a:t>The application </a:t>
-            </a:r>
-            <a:r>
-              <a:rPr lang="pl-PL" sz="3900" dirty="0">
-                <a:latin typeface="Times New Roman" panose="02020603050405020304" pitchFamily="18" charset="0"/>
-                <a:cs typeface="Times New Roman" panose="02020603050405020304" pitchFamily="18" charset="0"/>
-              </a:rPr>
-              <a:t>is</a:t>
-            </a:r>
-            <a:r>
-              <a:rPr lang="en-IE" sz="3900" dirty="0">
-                <a:latin typeface="Times New Roman" panose="02020603050405020304" pitchFamily="18" charset="0"/>
-                <a:cs typeface="Times New Roman" panose="02020603050405020304" pitchFamily="18" charset="0"/>
-              </a:rPr>
-              <a:t> for android, it </a:t>
-            </a:r>
-            <a:r>
-              <a:rPr lang="pl-PL" sz="3900" dirty="0">
-                <a:latin typeface="Times New Roman" panose="02020603050405020304" pitchFamily="18" charset="0"/>
-                <a:cs typeface="Times New Roman" panose="02020603050405020304" pitchFamily="18" charset="0"/>
-              </a:rPr>
-              <a:t>has </a:t>
-            </a:r>
-            <a:r>
-              <a:rPr lang="en-IE" sz="3900" dirty="0">
-                <a:latin typeface="Times New Roman" panose="02020603050405020304" pitchFamily="18" charset="0"/>
-                <a:cs typeface="Times New Roman" panose="02020603050405020304" pitchFamily="18" charset="0"/>
-              </a:rPr>
-              <a:t>a</a:t>
-            </a:r>
-            <a:r>
-              <a:rPr lang="pl-PL" sz="3900" dirty="0">
-                <a:latin typeface="Times New Roman" panose="02020603050405020304" pitchFamily="18" charset="0"/>
-                <a:cs typeface="Times New Roman" panose="02020603050405020304" pitchFamily="18" charset="0"/>
-              </a:rPr>
-              <a:t> firebase</a:t>
-            </a:r>
-            <a:r>
-              <a:rPr lang="en-IE" sz="3900" dirty="0">
-                <a:latin typeface="Times New Roman" panose="02020603050405020304" pitchFamily="18" charset="0"/>
-                <a:cs typeface="Times New Roman" panose="02020603050405020304" pitchFamily="18" charset="0"/>
-              </a:rPr>
-              <a:t> database of users</a:t>
-            </a:r>
-            <a:r>
-              <a:rPr lang="pl-PL" sz="3900" dirty="0">
-                <a:latin typeface="Times New Roman" panose="02020603050405020304" pitchFamily="18" charset="0"/>
-                <a:cs typeface="Times New Roman" panose="02020603050405020304" pitchFamily="18" charset="0"/>
-              </a:rPr>
-              <a:t>. Dijstras</a:t>
-            </a:r>
-            <a:r>
-              <a:rPr lang="en-IE" sz="3900" dirty="0">
-                <a:latin typeface="Times New Roman" panose="02020603050405020304" pitchFamily="18" charset="0"/>
-                <a:cs typeface="Times New Roman" panose="02020603050405020304" pitchFamily="18" charset="0"/>
-              </a:rPr>
-              <a:t> algorithm </a:t>
-            </a:r>
-            <a:r>
-              <a:rPr lang="pl-PL" sz="3900" dirty="0">
-                <a:latin typeface="Times New Roman" panose="02020603050405020304" pitchFamily="18" charset="0"/>
-                <a:cs typeface="Times New Roman" panose="02020603050405020304" pitchFamily="18" charset="0"/>
-              </a:rPr>
-              <a:t>is used</a:t>
-            </a:r>
-            <a:r>
-              <a:rPr lang="en-IE" sz="3900" dirty="0">
-                <a:latin typeface="Times New Roman" panose="02020603050405020304" pitchFamily="18" charset="0"/>
-                <a:cs typeface="Times New Roman" panose="02020603050405020304" pitchFamily="18" charset="0"/>
-              </a:rPr>
-              <a:t> to find the quickest route out of the building</a:t>
-            </a:r>
-            <a:r>
-              <a:rPr lang="pl-PL" sz="3900" dirty="0">
-                <a:latin typeface="Times New Roman" panose="02020603050405020304" pitchFamily="18" charset="0"/>
-                <a:cs typeface="Times New Roman" panose="02020603050405020304" pitchFamily="18" charset="0"/>
-              </a:rPr>
-              <a:t>. </a:t>
-            </a:r>
+            <a:endParaRPr lang="pl-PL" sz="3600" dirty="0">
+              <a:latin typeface="Times New Roman" panose="02020603050405020304" pitchFamily="18" charset="0"/>
+              <a:cs typeface="Times New Roman" panose="02020603050405020304" pitchFamily="18" charset="0"/>
+            </a:endParaRPr>
           </a:p>
           <a:p>
             <a:pPr marL="571500" indent="-571500">
               <a:buFont typeface="Arial" panose="020B0604020202020204" pitchFamily="34" charset="0"/>
               <a:buChar char="•"/>
             </a:pPr>
-            <a:r>
-              <a:rPr lang="pl-PL" sz="3900" dirty="0">
-                <a:latin typeface="Times New Roman" panose="02020603050405020304" pitchFamily="18" charset="0"/>
-                <a:cs typeface="Times New Roman" panose="02020603050405020304" pitchFamily="18" charset="0"/>
-              </a:rPr>
-              <a:t>Google Maps API is used to display the map with current location.</a:t>
-            </a:r>
-            <a:endParaRPr lang="pl-PL" sz="4000" dirty="0">
+            <a:endParaRPr lang="pl-PL" sz="3600" dirty="0">
               <a:latin typeface="Times New Roman" panose="02020603050405020304" pitchFamily="18" charset="0"/>
               <a:cs typeface="Times New Roman" panose="02020603050405020304" pitchFamily="18" charset="0"/>
             </a:endParaRPr>
@@ -3924,83 +3894,63 @@
               <a:buFont typeface="Arial" panose="020B0604020202020204" pitchFamily="34" charset="0"/>
               <a:buChar char="•"/>
             </a:pPr>
-            <a:endParaRPr lang="pl-PL" sz="4000" dirty="0">
+            <a:endParaRPr lang="pl-PL" sz="3600" dirty="0">
               <a:latin typeface="Times New Roman" panose="02020603050405020304" pitchFamily="18" charset="0"/>
               <a:cs typeface="Times New Roman" panose="02020603050405020304" pitchFamily="18" charset="0"/>
             </a:endParaRPr>
           </a:p>
           <a:p>
-            <a:pPr marL="571500" indent="-571500">
-              <a:buFont typeface="Arial" panose="020B0604020202020204" pitchFamily="34" charset="0"/>
-              <a:buChar char="•"/>
-            </a:pPr>
-            <a:endParaRPr lang="pl-PL" sz="4000" dirty="0">
+            <a:pPr algn="ctr"/>
+            <a:endParaRPr lang="pl-PL" sz="4800" dirty="0">
               <a:latin typeface="Times New Roman" panose="02020603050405020304" pitchFamily="18" charset="0"/>
               <a:cs typeface="Times New Roman" panose="02020603050405020304" pitchFamily="18" charset="0"/>
             </a:endParaRPr>
           </a:p>
           <a:p>
-            <a:pPr marL="571500" indent="-571500">
-              <a:buFont typeface="Arial" panose="020B0604020202020204" pitchFamily="34" charset="0"/>
-              <a:buChar char="•"/>
-            </a:pPr>
-            <a:endParaRPr lang="pl-PL" sz="4000" dirty="0">
+            <a:pPr algn="ctr"/>
+            <a:endParaRPr lang="pl-PL" sz="4800" dirty="0">
               <a:latin typeface="Times New Roman" panose="02020603050405020304" pitchFamily="18" charset="0"/>
               <a:cs typeface="Times New Roman" panose="02020603050405020304" pitchFamily="18" charset="0"/>
             </a:endParaRPr>
           </a:p>
           <a:p>
             <a:pPr algn="ctr"/>
-            <a:endParaRPr lang="pl-PL" sz="5400" dirty="0">
+            <a:endParaRPr lang="pl-PL" sz="4800" dirty="0">
               <a:latin typeface="Times New Roman" panose="02020603050405020304" pitchFamily="18" charset="0"/>
               <a:cs typeface="Times New Roman" panose="02020603050405020304" pitchFamily="18" charset="0"/>
             </a:endParaRPr>
           </a:p>
           <a:p>
             <a:pPr algn="ctr"/>
-            <a:endParaRPr lang="pl-PL" sz="5400" dirty="0">
+            <a:endParaRPr lang="pl-PL" sz="4800" dirty="0">
               <a:latin typeface="Times New Roman" panose="02020603050405020304" pitchFamily="18" charset="0"/>
               <a:cs typeface="Times New Roman" panose="02020603050405020304" pitchFamily="18" charset="0"/>
             </a:endParaRPr>
           </a:p>
           <a:p>
             <a:pPr algn="ctr"/>
-            <a:endParaRPr lang="pl-PL" sz="5400" dirty="0">
+            <a:endParaRPr lang="pl-PL" sz="4800" dirty="0">
               <a:latin typeface="Times New Roman" panose="02020603050405020304" pitchFamily="18" charset="0"/>
               <a:cs typeface="Times New Roman" panose="02020603050405020304" pitchFamily="18" charset="0"/>
             </a:endParaRPr>
           </a:p>
           <a:p>
             <a:pPr algn="ctr"/>
-            <a:endParaRPr lang="pl-PL" sz="5400" dirty="0">
+            <a:endParaRPr lang="pl-PL" sz="4800" dirty="0">
               <a:latin typeface="Times New Roman" panose="02020603050405020304" pitchFamily="18" charset="0"/>
               <a:cs typeface="Times New Roman" panose="02020603050405020304" pitchFamily="18" charset="0"/>
             </a:endParaRPr>
           </a:p>
           <a:p>
             <a:pPr algn="ctr"/>
-            <a:endParaRPr lang="pl-PL" sz="5400" dirty="0">
+            <a:endParaRPr lang="pl-PL" sz="4800" dirty="0">
               <a:latin typeface="Times New Roman" panose="02020603050405020304" pitchFamily="18" charset="0"/>
               <a:cs typeface="Times New Roman" panose="02020603050405020304" pitchFamily="18" charset="0"/>
             </a:endParaRPr>
           </a:p>
           <a:p>
             <a:pPr algn="ctr"/>
-            <a:endParaRPr lang="pl-PL" sz="5400" dirty="0">
-              <a:latin typeface="Times New Roman" panose="02020603050405020304" pitchFamily="18" charset="0"/>
-              <a:cs typeface="Times New Roman" panose="02020603050405020304" pitchFamily="18" charset="0"/>
-            </a:endParaRPr>
-          </a:p>
-          <a:p>
-            <a:pPr algn="ctr"/>
-            <a:endParaRPr lang="pl-PL" sz="5400" dirty="0">
-              <a:latin typeface="Times New Roman" panose="02020603050405020304" pitchFamily="18" charset="0"/>
-              <a:cs typeface="Times New Roman" panose="02020603050405020304" pitchFamily="18" charset="0"/>
-            </a:endParaRPr>
-          </a:p>
-          <a:p>
-            <a:pPr algn="ctr"/>
-            <a:endParaRPr lang="en-IE" sz="5400" dirty="0">
+            <a:endParaRPr lang="en-IE" sz="4800" dirty="0">
               <a:latin typeface="Times New Roman" panose="02020603050405020304" pitchFamily="18" charset="0"/>
               <a:cs typeface="Times New Roman" panose="02020603050405020304" pitchFamily="18" charset="0"/>
             </a:endParaRPr>
@@ -4375,7 +4325,7 @@
           <p:nvPr/>
         </p:nvPicPr>
         <p:blipFill>
-          <a:blip r:embed="rId10">
+          <a:blip r:embed="rId9">
             <a:extLst>
               <a:ext uri="{28A0092B-C50C-407E-A947-70E740481C1C}">
                 <a14:useLocalDpi xmlns:a14="http://schemas.microsoft.com/office/drawing/2010/main" val="0"/>
@@ -4457,7 +4407,7 @@
           <a:lstStyle/>
           <a:p>
             <a:pPr algn="ctr"/>
-            <a:endParaRPr lang="en-IE"/>
+            <a:endParaRPr lang="en-IE" dirty="0"/>
           </a:p>
         </p:txBody>
       </p:sp>
@@ -4476,7 +4426,7 @@
           <p:nvPr/>
         </p:nvPicPr>
         <p:blipFill>
-          <a:blip r:embed="rId11">
+          <a:blip r:embed="rId10">
             <a:extLst>
               <a:ext uri="{28A0092B-C50C-407E-A947-70E740481C1C}">
                 <a14:useLocalDpi xmlns:a14="http://schemas.microsoft.com/office/drawing/2010/main" val="0"/>
@@ -4550,7 +4500,7 @@
           <a:lstStyle/>
           <a:p>
             <a:pPr algn="ctr"/>
-            <a:endParaRPr lang="en-IE"/>
+            <a:endParaRPr lang="en-IE" dirty="0"/>
           </a:p>
         </p:txBody>
       </p:sp>
@@ -4569,7 +4519,7 @@
           <p:nvPr/>
         </p:nvPicPr>
         <p:blipFill>
-          <a:blip r:embed="rId12">
+          <a:blip r:embed="rId11">
             <a:extLst>
               <a:ext uri="{28A0092B-C50C-407E-A947-70E740481C1C}">
                 <a14:useLocalDpi xmlns:a14="http://schemas.microsoft.com/office/drawing/2010/main" val="0"/>
@@ -4616,7 +4566,7 @@
           <p:nvPr/>
         </p:nvPicPr>
         <p:blipFill>
-          <a:blip r:embed="rId13">
+          <a:blip r:embed="rId12">
             <a:extLst>
               <a:ext uri="{28A0092B-C50C-407E-A947-70E740481C1C}">
                 <a14:useLocalDpi xmlns:a14="http://schemas.microsoft.com/office/drawing/2010/main" val="0"/>
@@ -4738,7 +4688,7 @@
           <a:lstStyle/>
           <a:p>
             <a:pPr algn="ctr"/>
-            <a:endParaRPr lang="en-IE"/>
+            <a:endParaRPr lang="en-IE" dirty="0"/>
           </a:p>
         </p:txBody>
       </p:sp>
@@ -4925,7 +4875,7 @@
                 <a:latin typeface="Times New Roman" panose="02020603050405020304" pitchFamily="18" charset="0"/>
                 <a:cs typeface="Times New Roman" panose="02020603050405020304" pitchFamily="18" charset="0"/>
               </a:rPr>
-              <a:t>Using Arduino - Sound and Bluetooth module in C++</a:t>
+              <a:t>Using Arduino – Buzzer, Sound Sensor and Bluetooth module in C++</a:t>
             </a:r>
           </a:p>
           <a:p>
@@ -4982,7 +4932,7 @@
           <a:lstStyle/>
           <a:p>
             <a:pPr algn="ctr"/>
-            <a:endParaRPr lang="en-IE"/>
+            <a:endParaRPr lang="en-IE" dirty="0"/>
           </a:p>
         </p:txBody>
       </p:sp>
@@ -5028,7 +4978,7 @@
           <a:lstStyle/>
           <a:p>
             <a:pPr algn="ctr"/>
-            <a:endParaRPr lang="en-IE"/>
+            <a:endParaRPr lang="en-IE" dirty="0"/>
           </a:p>
         </p:txBody>
       </p:sp>
@@ -5047,7 +4997,7 @@
           <p:nvPr/>
         </p:nvPicPr>
         <p:blipFill>
-          <a:blip r:embed="rId14">
+          <a:blip r:embed="rId13">
             <a:extLst>
               <a:ext uri="{28A0092B-C50C-407E-A947-70E740481C1C}">
                 <a14:useLocalDpi xmlns:a14="http://schemas.microsoft.com/office/drawing/2010/main" val="0"/>
@@ -5094,7 +5044,7 @@
           <p:nvPr/>
         </p:nvPicPr>
         <p:blipFill>
-          <a:blip r:embed="rId15">
+          <a:blip r:embed="rId14">
             <a:extLst>
               <a:ext uri="{28A0092B-C50C-407E-A947-70E740481C1C}">
                 <a14:useLocalDpi xmlns:a14="http://schemas.microsoft.com/office/drawing/2010/main" val="0"/>
@@ -5258,7 +5208,7 @@
                 <a:latin typeface="Times New Roman" panose="02020603050405020304" pitchFamily="18" charset="0"/>
                 <a:cs typeface="Times New Roman" panose="02020603050405020304" pitchFamily="18" charset="0"/>
               </a:rPr>
-              <a:t>Dijstras Algorihm is used to calculate the quickest route between the start node and the end node with information displayed on the graph</a:t>
+              <a:t>Dijstras Algorihm is used to calculate the quickest route between the start node and the end node with detailed information displayed above the graph</a:t>
             </a:r>
             <a:endParaRPr lang="en-IE" sz="2000" dirty="0">
               <a:solidFill>
@@ -5391,7 +5341,7 @@
           </a:bodyPr>
           <a:lstStyle/>
           <a:p>
-            <a:endParaRPr lang="en-IE"/>
+            <a:endParaRPr lang="en-IE" dirty="0"/>
           </a:p>
         </p:txBody>
       </p:sp>
@@ -5410,11 +5360,11 @@
           <p:nvPr/>
         </p:nvPicPr>
         <p:blipFill>
-          <a:blip r:embed="rId16">
+          <a:blip r:embed="rId15">
             <a:extLst>
               <a:ext uri="{BEBA8EAE-BF5A-486C-A8C5-ECC9F3942E4B}">
                 <a14:imgProps xmlns:a14="http://schemas.microsoft.com/office/drawing/2010/main">
-                  <a14:imgLayer r:embed="rId17">
+                  <a14:imgLayer r:embed="rId16">
                     <a14:imgEffect>
                       <a14:backgroundRemoval t="4955" b="95721" l="4908" r="89571">
                         <a14:foregroundMark x1="50613" y1="95721" x2="50613" y2="70495"/>
@@ -6138,11 +6088,11 @@
           <p:nvPr/>
         </p:nvPicPr>
         <p:blipFill>
-          <a:blip r:embed="rId18">
+          <a:blip r:embed="rId17">
             <a:extLst>
               <a:ext uri="{BEBA8EAE-BF5A-486C-A8C5-ECC9F3942E4B}">
                 <a14:imgProps xmlns:a14="http://schemas.microsoft.com/office/drawing/2010/main">
-                  <a14:imgLayer r:embed="rId19">
+                  <a14:imgLayer r:embed="rId18">
                     <a14:imgEffect>
                       <a14:backgroundRemoval t="9942" b="89474" l="4971" r="91813">
                         <a14:foregroundMark x1="4094" y1="27485" x2="48830" y2="79532"/>
@@ -6237,7 +6187,7 @@
           <a:lstStyle/>
           <a:p>
             <a:pPr algn="ctr"/>
-            <a:endParaRPr lang="en-IE"/>
+            <a:endParaRPr lang="en-IE" dirty="0"/>
           </a:p>
         </p:txBody>
       </p:sp>
@@ -6373,7 +6323,7 @@
                 <a:latin typeface="Times New Roman" panose="02020603050405020304" pitchFamily="18" charset="0"/>
                 <a:cs typeface="Times New Roman" panose="02020603050405020304" pitchFamily="18" charset="0"/>
               </a:rPr>
-              <a:t>Google Maps Api gets the users live current location</a:t>
+              <a:t>Google Maps API gets the users live current location</a:t>
             </a:r>
             <a:endParaRPr lang="en-IE" sz="2000" dirty="0">
               <a:solidFill>
@@ -6431,6 +6381,42 @@
           </a:p>
         </p:txBody>
       </p:sp>
+      <p:pic>
+        <p:nvPicPr>
+          <p:cNvPr id="17" name="Picture 16">
+            <a:extLst>
+              <a:ext uri="{FF2B5EF4-FFF2-40B4-BE49-F238E27FC236}">
+                <a16:creationId xmlns:a16="http://schemas.microsoft.com/office/drawing/2014/main" id="{8C5FAFE3-9301-43DF-AACE-06747B3A1F36}"/>
+              </a:ext>
+            </a:extLst>
+          </p:cNvPr>
+          <p:cNvPicPr>
+            <a:picLocks noChangeAspect="1"/>
+          </p:cNvPicPr>
+          <p:nvPr/>
+        </p:nvPicPr>
+        <p:blipFill>
+          <a:blip r:embed="rId19">
+            <a:extLst>
+              <a:ext uri="{28A0092B-C50C-407E-A947-70E740481C1C}">
+                <a14:useLocalDpi xmlns:a14="http://schemas.microsoft.com/office/drawing/2010/main" val="0"/>
+              </a:ext>
+            </a:extLst>
+          </a:blip>
+          <a:stretch>
+            <a:fillRect/>
+          </a:stretch>
+        </p:blipFill>
+        <p:spPr>
+          <a:xfrm>
+            <a:off x="341754" y="18548490"/>
+            <a:ext cx="3622922" cy="2173753"/>
+          </a:xfrm>
+          <a:prstGeom prst="rect">
+            <a:avLst/>
+          </a:prstGeom>
+        </p:spPr>
+      </p:pic>
     </p:spTree>
     <p:extLst>
       <p:ext uri="{BB962C8B-B14F-4D97-AF65-F5344CB8AC3E}">
